--- a/slides/unix_ritchie.pptx
+++ b/slides/unix_ritchie.pptx
@@ -1,46 +1,44 @@
 
 <file path=ppt/presentation.xml><?xml version="1.0" encoding="utf-8"?>
-<p:presentation xmlns:a="http://schemas.openxmlformats.org/drawingml/2006/main" xmlns:r="http://schemas.openxmlformats.org/officeDocument/2006/relationships" xmlns:p="http://schemas.openxmlformats.org/presentationml/2006/main">
+<p:presentation xmlns:a="http://schemas.openxmlformats.org/drawingml/2006/main" xmlns:r="http://schemas.openxmlformats.org/officeDocument/2006/relationships" xmlns:p="http://schemas.openxmlformats.org/presentationml/2006/main" saveSubsetFonts="1">
   <p:sldMasterIdLst>
-    <p:sldMasterId id="2147483648" r:id="rId5"/>
+    <p:sldMasterId id="2147483648" r:id="rId1"/>
   </p:sldMasterIdLst>
   <p:notesMasterIdLst>
-    <p:notesMasterId r:id="rId7"/>
+    <p:notesMasterId r:id="rId31"/>
   </p:notesMasterIdLst>
   <p:sldIdLst>
-    <p:sldId id="256" r:id="rId8"/>
-    <p:sldId id="257" r:id="rId9"/>
-    <p:sldId id="258" r:id="rId10"/>
-    <p:sldId id="259" r:id="rId11"/>
-    <p:sldId id="260" r:id="rId12"/>
-    <p:sldId id="261" r:id="rId13"/>
-    <p:sldId id="262" r:id="rId14"/>
-    <p:sldId id="263" r:id="rId15"/>
-    <p:sldId id="264" r:id="rId16"/>
-    <p:sldId id="265" r:id="rId17"/>
-    <p:sldId id="266" r:id="rId18"/>
-    <p:sldId id="267" r:id="rId19"/>
-    <p:sldId id="268" r:id="rId20"/>
-    <p:sldId id="269" r:id="rId21"/>
-    <p:sldId id="270" r:id="rId22"/>
-    <p:sldId id="271" r:id="rId23"/>
-    <p:sldId id="272" r:id="rId24"/>
-    <p:sldId id="273" r:id="rId25"/>
-    <p:sldId id="274" r:id="rId26"/>
-    <p:sldId id="275" r:id="rId27"/>
-    <p:sldId id="276" r:id="rId28"/>
-    <p:sldId id="277" r:id="rId29"/>
-    <p:sldId id="278" r:id="rId30"/>
-    <p:sldId id="279" r:id="rId31"/>
-    <p:sldId id="280" r:id="rId32"/>
-    <p:sldId id="281" r:id="rId33"/>
-    <p:sldId id="282" r:id="rId34"/>
-    <p:sldId id="283" r:id="rId35"/>
-    <p:sldId id="284" r:id="rId36"/>
-    <p:sldId id="285" r:id="rId37"/>
-    <p:sldId id="286" r:id="rId38"/>
+    <p:sldId id="256" r:id="rId2"/>
+    <p:sldId id="257" r:id="rId3"/>
+    <p:sldId id="258" r:id="rId4"/>
+    <p:sldId id="259" r:id="rId5"/>
+    <p:sldId id="260" r:id="rId6"/>
+    <p:sldId id="261" r:id="rId7"/>
+    <p:sldId id="262" r:id="rId8"/>
+    <p:sldId id="289" r:id="rId9"/>
+    <p:sldId id="263" r:id="rId10"/>
+    <p:sldId id="264" r:id="rId11"/>
+    <p:sldId id="268" r:id="rId12"/>
+    <p:sldId id="269" r:id="rId13"/>
+    <p:sldId id="270" r:id="rId14"/>
+    <p:sldId id="271" r:id="rId15"/>
+    <p:sldId id="272" r:id="rId16"/>
+    <p:sldId id="273" r:id="rId17"/>
+    <p:sldId id="274" r:id="rId18"/>
+    <p:sldId id="275" r:id="rId19"/>
+    <p:sldId id="276" r:id="rId20"/>
+    <p:sldId id="277" r:id="rId21"/>
+    <p:sldId id="278" r:id="rId22"/>
+    <p:sldId id="279" r:id="rId23"/>
+    <p:sldId id="280" r:id="rId24"/>
+    <p:sldId id="281" r:id="rId25"/>
+    <p:sldId id="282" r:id="rId26"/>
+    <p:sldId id="283" r:id="rId27"/>
+    <p:sldId id="284" r:id="rId28"/>
+    <p:sldId id="285" r:id="rId29"/>
+    <p:sldId id="286" r:id="rId30"/>
   </p:sldIdLst>
-  <p:sldSz cx="9144000" cy="6858000"/>
+  <p:sldSz cx="9144000" cy="6858000" type="screen4x3"/>
   <p:notesSz cx="6858000" cy="9144000"/>
   <p:defaultTextStyle>
     <a:defPPr marL="0" marR="0" indent="0" algn="l" defTabSz="914400" rtl="0" fontAlgn="auto" latinLnBrk="1" hangingPunct="0">
@@ -58,7 +56,7 @@
       <a:buFontTx/>
       <a:buNone/>
       <a:tabLst/>
-      <a:defRPr b="0" baseline="0" cap="none" i="0" spc="0" strike="noStrike" sz="1800" u="none" kumimoji="0" normalizeH="0">
+      <a:defRPr kumimoji="0" sz="1800" b="0" i="0" u="none" strike="noStrike" cap="none" spc="0" normalizeH="0" baseline="0">
         <a:ln>
           <a:noFill/>
         </a:ln>
@@ -84,7 +82,7 @@
       <a:buFontTx/>
       <a:buNone/>
       <a:tabLst/>
-      <a:defRPr b="0" baseline="0" cap="none" i="0" spc="0" strike="noStrike" sz="1400" u="none" kumimoji="0" normalizeH="0">
+      <a:defRPr kumimoji="0" sz="1400" b="0" i="0" u="none" strike="noStrike" cap="none" spc="0" normalizeH="0" baseline="0">
         <a:ln>
           <a:noFill/>
         </a:ln>
@@ -114,7 +112,7 @@
       <a:buFontTx/>
       <a:buNone/>
       <a:tabLst/>
-      <a:defRPr b="0" baseline="0" cap="none" i="0" spc="0" strike="noStrike" sz="1400" u="none" kumimoji="0" normalizeH="0">
+      <a:defRPr kumimoji="0" sz="1400" b="0" i="0" u="none" strike="noStrike" cap="none" spc="0" normalizeH="0" baseline="0">
         <a:ln>
           <a:noFill/>
         </a:ln>
@@ -144,7 +142,7 @@
       <a:buFontTx/>
       <a:buNone/>
       <a:tabLst/>
-      <a:defRPr b="0" baseline="0" cap="none" i="0" spc="0" strike="noStrike" sz="1400" u="none" kumimoji="0" normalizeH="0">
+      <a:defRPr kumimoji="0" sz="1400" b="0" i="0" u="none" strike="noStrike" cap="none" spc="0" normalizeH="0" baseline="0">
         <a:ln>
           <a:noFill/>
         </a:ln>
@@ -174,7 +172,7 @@
       <a:buFontTx/>
       <a:buNone/>
       <a:tabLst/>
-      <a:defRPr b="0" baseline="0" cap="none" i="0" spc="0" strike="noStrike" sz="1400" u="none" kumimoji="0" normalizeH="0">
+      <a:defRPr kumimoji="0" sz="1400" b="0" i="0" u="none" strike="noStrike" cap="none" spc="0" normalizeH="0" baseline="0">
         <a:ln>
           <a:noFill/>
         </a:ln>
@@ -204,7 +202,7 @@
       <a:buFontTx/>
       <a:buNone/>
       <a:tabLst/>
-      <a:defRPr b="0" baseline="0" cap="none" i="0" spc="0" strike="noStrike" sz="1400" u="none" kumimoji="0" normalizeH="0">
+      <a:defRPr kumimoji="0" sz="1400" b="0" i="0" u="none" strike="noStrike" cap="none" spc="0" normalizeH="0" baseline="0">
         <a:ln>
           <a:noFill/>
         </a:ln>
@@ -234,7 +232,7 @@
       <a:buFontTx/>
       <a:buNone/>
       <a:tabLst/>
-      <a:defRPr b="0" baseline="0" cap="none" i="0" spc="0" strike="noStrike" sz="1400" u="none" kumimoji="0" normalizeH="0">
+      <a:defRPr kumimoji="0" sz="1400" b="0" i="0" u="none" strike="noStrike" cap="none" spc="0" normalizeH="0" baseline="0">
         <a:ln>
           <a:noFill/>
         </a:ln>
@@ -264,7 +262,7 @@
       <a:buFontTx/>
       <a:buNone/>
       <a:tabLst/>
-      <a:defRPr b="0" baseline="0" cap="none" i="0" spc="0" strike="noStrike" sz="1400" u="none" kumimoji="0" normalizeH="0">
+      <a:defRPr kumimoji="0" sz="1400" b="0" i="0" u="none" strike="noStrike" cap="none" spc="0" normalizeH="0" baseline="0">
         <a:ln>
           <a:noFill/>
         </a:ln>
@@ -294,7 +292,7 @@
       <a:buFontTx/>
       <a:buNone/>
       <a:tabLst/>
-      <a:defRPr b="0" baseline="0" cap="none" i="0" spc="0" strike="noStrike" sz="1400" u="none" kumimoji="0" normalizeH="0">
+      <a:defRPr kumimoji="0" sz="1400" b="0" i="0" u="none" strike="noStrike" cap="none" spc="0" normalizeH="0" baseline="0">
         <a:ln>
           <a:noFill/>
         </a:ln>
@@ -324,7 +322,7 @@
       <a:buFontTx/>
       <a:buNone/>
       <a:tabLst/>
-      <a:defRPr b="0" baseline="0" cap="none" i="0" spc="0" strike="noStrike" sz="1400" u="none" kumimoji="0" normalizeH="0">
+      <a:defRPr kumimoji="0" sz="1400" b="0" i="0" u="none" strike="noStrike" cap="none" spc="0" normalizeH="0" baseline="0">
         <a:ln>
           <a:noFill/>
         </a:ln>
@@ -343,13 +341,14 @@
 </p:presentation>
 </file>
 
-<file path=ppt/commentAuthors.xml><?xml version="1.0" encoding="utf-8"?>
-<p:cmAuthorLst xmlns:a="http://schemas.openxmlformats.org/drawingml/2006/main" xmlns:r="http://schemas.openxmlformats.org/officeDocument/2006/relationships" xmlns:p="http://schemas.openxmlformats.org/presentationml/2006/main"/>
-</file>
-
 <file path=ppt/notesMasters/notesMaster1.xml><?xml version="1.0" encoding="utf-8"?>
 <p:notesMaster xmlns:a="http://schemas.openxmlformats.org/drawingml/2006/main" xmlns:r="http://schemas.openxmlformats.org/officeDocument/2006/relationships" xmlns:p="http://schemas.openxmlformats.org/presentationml/2006/main">
   <p:cSld>
+    <p:bg>
+      <p:bgRef idx="1001">
+        <a:schemeClr val="bg1"/>
+      </p:bgRef>
+    </p:bg>
     <p:spTree>
       <p:nvGrpSpPr>
         <p:cNvPr id="1" name=""/>
@@ -367,7 +366,9 @@
       <p:sp>
         <p:nvSpPr>
           <p:cNvPr id="64" name="Shape 64"/>
-          <p:cNvSpPr/>
+          <p:cNvSpPr>
+            <a:spLocks noGrp="1" noRot="1" noChangeAspect="1"/>
+          </p:cNvSpPr>
           <p:nvPr>
             <p:ph type="sldImg"/>
           </p:nvPr>
@@ -385,14 +386,16 @@
           <a:bodyPr/>
           <a:lstStyle/>
           <a:p>
-            <a:pPr/>
+            <a:endParaRPr/>
           </a:p>
         </p:txBody>
       </p:sp>
       <p:sp>
         <p:nvSpPr>
           <p:cNvPr id="65" name="Shape 65"/>
-          <p:cNvSpPr/>
+          <p:cNvSpPr>
+            <a:spLocks noGrp="1"/>
+          </p:cNvSpPr>
           <p:nvPr>
             <p:ph type="body" sz="quarter" idx="1"/>
           </p:nvPr>
@@ -410,7 +413,7 @@
           <a:bodyPr/>
           <a:lstStyle/>
           <a:p>
-            <a:pPr/>
+            <a:endParaRPr/>
           </a:p>
         </p:txBody>
       </p:sp>
@@ -521,8 +524,69 @@
 </p:notesMaster>
 </file>
 
+<file path=ppt/notesSlides/notesSlide1.xml><?xml version="1.0" encoding="utf-8"?>
+<p:notes xmlns:a="http://schemas.openxmlformats.org/drawingml/2006/main" xmlns:r="http://schemas.openxmlformats.org/officeDocument/2006/relationships" xmlns:p="http://schemas.openxmlformats.org/presentationml/2006/main">
+  <p:cSld>
+    <p:spTree>
+      <p:nvGrpSpPr>
+        <p:cNvPr id="1" name=""/>
+        <p:cNvGrpSpPr/>
+        <p:nvPr/>
+      </p:nvGrpSpPr>
+      <p:grpSpPr>
+        <a:xfrm>
+          <a:off x="0" y="0"/>
+          <a:ext cx="0" cy="0"/>
+          <a:chOff x="0" y="0"/>
+          <a:chExt cx="0" cy="0"/>
+        </a:xfrm>
+      </p:grpSpPr>
+      <p:sp>
+        <p:nvSpPr>
+          <p:cNvPr id="2" name="Slide Image Placeholder 1"/>
+          <p:cNvSpPr>
+            <a:spLocks noGrp="1" noRot="1" noChangeAspect="1"/>
+          </p:cNvSpPr>
+          <p:nvPr>
+            <p:ph type="sldImg"/>
+          </p:nvPr>
+        </p:nvSpPr>
+        <p:spPr/>
+      </p:sp>
+      <p:sp>
+        <p:nvSpPr>
+          <p:cNvPr id="3" name="Notes Placeholder 2"/>
+          <p:cNvSpPr>
+            <a:spLocks noGrp="1"/>
+          </p:cNvSpPr>
+          <p:nvPr>
+            <p:ph type="body" idx="1"/>
+          </p:nvPr>
+        </p:nvSpPr>
+        <p:spPr/>
+        <p:txBody>
+          <a:bodyPr/>
+          <a:lstStyle/>
+          <a:p>
+            <a:endParaRPr lang="en-US" dirty="0"/>
+          </a:p>
+        </p:txBody>
+      </p:sp>
+    </p:spTree>
+    <p:extLst>
+      <p:ext uri="{BB962C8B-B14F-4D97-AF65-F5344CB8AC3E}">
+        <p14:creationId xmlns:p14="http://schemas.microsoft.com/office/powerpoint/2010/main" val="1517901412"/>
+      </p:ext>
+    </p:extLst>
+  </p:cSld>
+  <p:clrMapOvr>
+    <a:masterClrMapping/>
+  </p:clrMapOvr>
+</p:notes>
+</file>
+
 <file path=ppt/slideLayouts/slideLayout1.xml><?xml version="1.0" encoding="utf-8"?>
-<p:sldLayout xmlns:a="http://schemas.openxmlformats.org/drawingml/2006/main" xmlns:r="http://schemas.openxmlformats.org/officeDocument/2006/relationships" xmlns:p="http://schemas.openxmlformats.org/presentationml/2006/main" type="tx" showMasterSp="1" showMasterPhAnim="1">
+<p:sldLayout xmlns:a="http://schemas.openxmlformats.org/drawingml/2006/main" xmlns:r="http://schemas.openxmlformats.org/officeDocument/2006/relationships" xmlns:p="http://schemas.openxmlformats.org/presentationml/2006/main" type="tx">
   <p:cSld name="Title Slide">
     <p:spTree>
       <p:nvGrpSpPr>
@@ -541,7 +605,9 @@
       <p:sp>
         <p:nvSpPr>
           <p:cNvPr id="11" name="Shape 11"/>
-          <p:cNvSpPr/>
+          <p:cNvSpPr>
+            <a:spLocks noGrp="1"/>
+          </p:cNvSpPr>
           <p:nvPr>
             <p:ph type="title"/>
           </p:nvPr>
@@ -563,7 +629,6 @@
             </a:lvl1pPr>
           </a:lstStyle>
           <a:p>
-            <a:pPr/>
             <a:r>
               <a:t>Title Text</a:t>
             </a:r>
@@ -573,7 +638,9 @@
       <p:sp>
         <p:nvSpPr>
           <p:cNvPr id="12" name="Shape 12"/>
-          <p:cNvSpPr/>
+          <p:cNvSpPr>
+            <a:spLocks noGrp="1"/>
+          </p:cNvSpPr>
           <p:nvPr>
             <p:ph type="body" sz="half" idx="1"/>
           </p:nvPr>
@@ -645,7 +712,6 @@
             </a:lvl5pPr>
           </a:lstStyle>
           <a:p>
-            <a:pPr/>
             <a:r>
               <a:t>Body Level One</a:t>
             </a:r>
@@ -679,7 +745,9 @@
       <p:sp>
         <p:nvSpPr>
           <p:cNvPr id="13" name="Shape 13"/>
-          <p:cNvSpPr/>
+          <p:cNvSpPr>
+            <a:spLocks noGrp="1"/>
+          </p:cNvSpPr>
           <p:nvPr>
             <p:ph type="sldNum" sz="quarter" idx="2"/>
           </p:nvPr>
@@ -693,8 +761,10 @@
           <a:bodyPr/>
           <a:lstStyle/>
           <a:p>
-            <a:pPr/>
-            <a:fld id="{86CB4B4D-7CA3-9044-876B-883B54F8677D}" type="slidenum"/>
+            <a:fld id="{86CB4B4D-7CA3-9044-876B-883B54F8677D}" type="slidenum">
+              <a:t>‹#›</a:t>
+            </a:fld>
+            <a:endParaRPr/>
           </a:p>
         </p:txBody>
       </p:sp>
@@ -703,12 +773,12 @@
   <p:clrMapOvr>
     <a:masterClrMapping/>
   </p:clrMapOvr>
-  <p:transition xmlns:p14="http://schemas.microsoft.com/office/powerpoint/2010/main" spd="med" advClick="1"/>
+  <p:transition spd="med"/>
 </p:sldLayout>
 </file>
 
 <file path=ppt/slideLayouts/slideLayout2.xml><?xml version="1.0" encoding="utf-8"?>
-<p:sldLayout xmlns:a="http://schemas.openxmlformats.org/drawingml/2006/main" xmlns:r="http://schemas.openxmlformats.org/officeDocument/2006/relationships" xmlns:p="http://schemas.openxmlformats.org/presentationml/2006/main" type="tx" showMasterSp="1" showMasterPhAnim="1">
+<p:sldLayout xmlns:a="http://schemas.openxmlformats.org/drawingml/2006/main" xmlns:r="http://schemas.openxmlformats.org/officeDocument/2006/relationships" xmlns:p="http://schemas.openxmlformats.org/presentationml/2006/main" type="tx">
   <p:cSld name="Title and Body">
     <p:spTree>
       <p:nvGrpSpPr>
@@ -727,7 +797,9 @@
       <p:sp>
         <p:nvSpPr>
           <p:cNvPr id="20" name="Shape 20"/>
-          <p:cNvSpPr/>
+          <p:cNvSpPr>
+            <a:spLocks noGrp="1"/>
+          </p:cNvSpPr>
           <p:nvPr>
             <p:ph type="title"/>
           </p:nvPr>
@@ -741,7 +813,6 @@
           <a:bodyPr/>
           <a:lstStyle/>
           <a:p>
-            <a:pPr/>
             <a:r>
               <a:t>Title Text</a:t>
             </a:r>
@@ -751,7 +822,9 @@
       <p:sp>
         <p:nvSpPr>
           <p:cNvPr id="21" name="Shape 21"/>
-          <p:cNvSpPr/>
+          <p:cNvSpPr>
+            <a:spLocks noGrp="1"/>
+          </p:cNvSpPr>
           <p:nvPr>
             <p:ph type="body" idx="1"/>
           </p:nvPr>
@@ -765,7 +838,6 @@
           <a:bodyPr/>
           <a:lstStyle/>
           <a:p>
-            <a:pPr/>
             <a:r>
               <a:t>Body Level One</a:t>
             </a:r>
@@ -799,7 +871,9 @@
       <p:sp>
         <p:nvSpPr>
           <p:cNvPr id="22" name="Shape 22"/>
-          <p:cNvSpPr/>
+          <p:cNvSpPr>
+            <a:spLocks noGrp="1"/>
+          </p:cNvSpPr>
           <p:nvPr>
             <p:ph type="sldNum" sz="quarter" idx="2"/>
           </p:nvPr>
@@ -813,8 +887,10 @@
           <a:bodyPr/>
           <a:lstStyle/>
           <a:p>
-            <a:pPr/>
-            <a:fld id="{86CB4B4D-7CA3-9044-876B-883B54F8677D}" type="slidenum"/>
+            <a:fld id="{86CB4B4D-7CA3-9044-876B-883B54F8677D}" type="slidenum">
+              <a:t>‹#›</a:t>
+            </a:fld>
+            <a:endParaRPr/>
           </a:p>
         </p:txBody>
       </p:sp>
@@ -823,12 +899,12 @@
   <p:clrMapOvr>
     <a:masterClrMapping/>
   </p:clrMapOvr>
-  <p:transition xmlns:p14="http://schemas.microsoft.com/office/powerpoint/2010/main" spd="med" advClick="1"/>
+  <p:transition spd="med"/>
 </p:sldLayout>
 </file>
 
 <file path=ppt/slideLayouts/slideLayout3.xml><?xml version="1.0" encoding="utf-8"?>
-<p:sldLayout xmlns:a="http://schemas.openxmlformats.org/drawingml/2006/main" xmlns:r="http://schemas.openxmlformats.org/officeDocument/2006/relationships" xmlns:p="http://schemas.openxmlformats.org/presentationml/2006/main" type="tx" showMasterSp="1" showMasterPhAnim="1">
+<p:sldLayout xmlns:a="http://schemas.openxmlformats.org/drawingml/2006/main" xmlns:r="http://schemas.openxmlformats.org/officeDocument/2006/relationships" xmlns:p="http://schemas.openxmlformats.org/presentationml/2006/main" type="tx">
   <p:cSld name="Title Slide">
     <p:spTree>
       <p:nvGrpSpPr>
@@ -847,7 +923,9 @@
       <p:sp>
         <p:nvSpPr>
           <p:cNvPr id="29" name="Shape 29"/>
-          <p:cNvSpPr/>
+          <p:cNvSpPr>
+            <a:spLocks noGrp="1"/>
+          </p:cNvSpPr>
           <p:nvPr>
             <p:ph type="title"/>
           </p:nvPr>
@@ -877,7 +955,6 @@
             </a:lvl1pPr>
           </a:lstStyle>
           <a:p>
-            <a:pPr/>
             <a:r>
               <a:t>Title Text</a:t>
             </a:r>
@@ -887,7 +964,9 @@
       <p:sp>
         <p:nvSpPr>
           <p:cNvPr id="30" name="Shape 30"/>
-          <p:cNvSpPr/>
+          <p:cNvSpPr>
+            <a:spLocks noGrp="1"/>
+          </p:cNvSpPr>
           <p:nvPr>
             <p:ph type="body" sz="half" idx="1"/>
           </p:nvPr>
@@ -1014,7 +1093,6 @@
             </a:lvl5pPr>
           </a:lstStyle>
           <a:p>
-            <a:pPr/>
             <a:r>
               <a:t>Body Level One</a:t>
             </a:r>
@@ -1048,7 +1126,9 @@
       <p:sp>
         <p:nvSpPr>
           <p:cNvPr id="31" name="Shape 31"/>
-          <p:cNvSpPr/>
+          <p:cNvSpPr>
+            <a:spLocks noGrp="1"/>
+          </p:cNvSpPr>
           <p:nvPr>
             <p:ph type="sldNum" sz="quarter" idx="2"/>
           </p:nvPr>
@@ -1066,8 +1146,10 @@
           <a:bodyPr/>
           <a:lstStyle/>
           <a:p>
-            <a:pPr/>
-            <a:fld id="{86CB4B4D-7CA3-9044-876B-883B54F8677D}" type="slidenum"/>
+            <a:fld id="{86CB4B4D-7CA3-9044-876B-883B54F8677D}" type="slidenum">
+              <a:t>‹#›</a:t>
+            </a:fld>
+            <a:endParaRPr/>
           </a:p>
         </p:txBody>
       </p:sp>
@@ -1076,12 +1158,12 @@
   <p:clrMapOvr>
     <a:masterClrMapping/>
   </p:clrMapOvr>
-  <p:transition xmlns:p14="http://schemas.microsoft.com/office/powerpoint/2010/main" spd="med" advClick="1"/>
+  <p:transition spd="med"/>
 </p:sldLayout>
 </file>
 
 <file path=ppt/slideLayouts/slideLayout4.xml><?xml version="1.0" encoding="utf-8"?>
-<p:sldLayout xmlns:a="http://schemas.openxmlformats.org/drawingml/2006/main" xmlns:r="http://schemas.openxmlformats.org/officeDocument/2006/relationships" xmlns:p="http://schemas.openxmlformats.org/presentationml/2006/main" type="tx" showMasterSp="1" showMasterPhAnim="1">
+<p:sldLayout xmlns:a="http://schemas.openxmlformats.org/drawingml/2006/main" xmlns:r="http://schemas.openxmlformats.org/officeDocument/2006/relationships" xmlns:p="http://schemas.openxmlformats.org/presentationml/2006/main" type="tx">
   <p:cSld name="Title and Body">
     <p:spTree>
       <p:nvGrpSpPr>
@@ -1100,7 +1182,9 @@
       <p:sp>
         <p:nvSpPr>
           <p:cNvPr id="38" name="Shape 38"/>
-          <p:cNvSpPr/>
+          <p:cNvSpPr>
+            <a:spLocks noGrp="1"/>
+          </p:cNvSpPr>
           <p:nvPr>
             <p:ph type="title"/>
           </p:nvPr>
@@ -1130,7 +1214,6 @@
             </a:lvl1pPr>
           </a:lstStyle>
           <a:p>
-            <a:pPr/>
             <a:r>
               <a:t>Title Text</a:t>
             </a:r>
@@ -1140,7 +1223,9 @@
       <p:sp>
         <p:nvSpPr>
           <p:cNvPr id="39" name="Shape 39"/>
-          <p:cNvSpPr/>
+          <p:cNvSpPr>
+            <a:spLocks noGrp="1"/>
+          </p:cNvSpPr>
           <p:nvPr>
             <p:ph type="sldNum" sz="quarter" idx="2"/>
           </p:nvPr>
@@ -1158,15 +1243,19 @@
           <a:bodyPr/>
           <a:lstStyle/>
           <a:p>
-            <a:pPr/>
-            <a:fld id="{86CB4B4D-7CA3-9044-876B-883B54F8677D}" type="slidenum"/>
+            <a:fld id="{86CB4B4D-7CA3-9044-876B-883B54F8677D}" type="slidenum">
+              <a:t>‹#›</a:t>
+            </a:fld>
+            <a:endParaRPr/>
           </a:p>
         </p:txBody>
       </p:sp>
       <p:sp>
         <p:nvSpPr>
           <p:cNvPr id="40" name="Shape 40"/>
-          <p:cNvSpPr/>
+          <p:cNvSpPr>
+            <a:spLocks noGrp="1"/>
+          </p:cNvSpPr>
           <p:nvPr>
             <p:ph type="body" idx="1"/>
           </p:nvPr>
@@ -1255,7 +1344,6 @@
             </a:lvl5pPr>
           </a:lstStyle>
           <a:p>
-            <a:pPr/>
             <a:r>
               <a:t>Body Level One</a:t>
             </a:r>
@@ -1291,12 +1379,12 @@
   <p:clrMapOvr>
     <a:masterClrMapping/>
   </p:clrMapOvr>
-  <p:transition xmlns:p14="http://schemas.microsoft.com/office/powerpoint/2010/main" spd="med" advClick="1"/>
+  <p:transition spd="med"/>
 </p:sldLayout>
 </file>
 
 <file path=ppt/slideLayouts/slideLayout5.xml><?xml version="1.0" encoding="utf-8"?>
-<p:sldLayout xmlns:a="http://schemas.openxmlformats.org/drawingml/2006/main" xmlns:r="http://schemas.openxmlformats.org/officeDocument/2006/relationships" xmlns:p="http://schemas.openxmlformats.org/presentationml/2006/main" type="tx" showMasterSp="1" showMasterPhAnim="1">
+<p:sldLayout xmlns:a="http://schemas.openxmlformats.org/drawingml/2006/main" xmlns:r="http://schemas.openxmlformats.org/officeDocument/2006/relationships" xmlns:p="http://schemas.openxmlformats.org/presentationml/2006/main" type="tx">
   <p:cSld name="Title and Two Columns">
     <p:spTree>
       <p:nvGrpSpPr>
@@ -1315,7 +1403,9 @@
       <p:sp>
         <p:nvSpPr>
           <p:cNvPr id="47" name="Shape 47"/>
-          <p:cNvSpPr/>
+          <p:cNvSpPr>
+            <a:spLocks noGrp="1"/>
+          </p:cNvSpPr>
           <p:nvPr>
             <p:ph type="title"/>
           </p:nvPr>
@@ -1345,7 +1435,6 @@
             </a:lvl1pPr>
           </a:lstStyle>
           <a:p>
-            <a:pPr/>
             <a:r>
               <a:t>Title Text</a:t>
             </a:r>
@@ -1355,7 +1444,9 @@
       <p:sp>
         <p:nvSpPr>
           <p:cNvPr id="48" name="Shape 48"/>
-          <p:cNvSpPr/>
+          <p:cNvSpPr>
+            <a:spLocks noGrp="1"/>
+          </p:cNvSpPr>
           <p:nvPr>
             <p:ph type="body" sz="half" idx="1"/>
           </p:nvPr>
@@ -1444,7 +1535,6 @@
             </a:lvl5pPr>
           </a:lstStyle>
           <a:p>
-            <a:pPr/>
             <a:r>
               <a:t>Body Level One</a:t>
             </a:r>
@@ -1478,7 +1568,9 @@
       <p:sp>
         <p:nvSpPr>
           <p:cNvPr id="49" name="Shape 49"/>
-          <p:cNvSpPr/>
+          <p:cNvSpPr>
+            <a:spLocks noGrp="1"/>
+          </p:cNvSpPr>
           <p:nvPr>
             <p:ph type="sldNum" sz="quarter" idx="2"/>
           </p:nvPr>
@@ -1496,8 +1588,10 @@
           <a:bodyPr/>
           <a:lstStyle/>
           <a:p>
-            <a:pPr/>
-            <a:fld id="{86CB4B4D-7CA3-9044-876B-883B54F8677D}" type="slidenum"/>
+            <a:fld id="{86CB4B4D-7CA3-9044-876B-883B54F8677D}" type="slidenum">
+              <a:t>‹#›</a:t>
+            </a:fld>
+            <a:endParaRPr/>
           </a:p>
         </p:txBody>
       </p:sp>
@@ -1506,12 +1600,12 @@
   <p:clrMapOvr>
     <a:masterClrMapping/>
   </p:clrMapOvr>
-  <p:transition xmlns:p14="http://schemas.microsoft.com/office/powerpoint/2010/main" spd="med" advClick="1"/>
+  <p:transition spd="med"/>
 </p:sldLayout>
 </file>
 
 <file path=ppt/slideLayouts/slideLayout6.xml><?xml version="1.0" encoding="utf-8"?>
-<p:sldLayout xmlns:a="http://schemas.openxmlformats.org/drawingml/2006/main" xmlns:r="http://schemas.openxmlformats.org/officeDocument/2006/relationships" xmlns:p="http://schemas.openxmlformats.org/presentationml/2006/main" type="tx" showMasterSp="1" showMasterPhAnim="1">
+<p:sldLayout xmlns:a="http://schemas.openxmlformats.org/drawingml/2006/main" xmlns:r="http://schemas.openxmlformats.org/officeDocument/2006/relationships" xmlns:p="http://schemas.openxmlformats.org/presentationml/2006/main" type="tx">
   <p:cSld name="Default">
     <p:spTree>
       <p:nvGrpSpPr>
@@ -1530,7 +1624,9 @@
       <p:sp>
         <p:nvSpPr>
           <p:cNvPr id="56" name="Shape 56"/>
-          <p:cNvSpPr/>
+          <p:cNvSpPr>
+            <a:spLocks noGrp="1"/>
+          </p:cNvSpPr>
           <p:nvPr>
             <p:ph type="title"/>
           </p:nvPr>
@@ -1557,7 +1653,6 @@
             </a:lvl1pPr>
           </a:lstStyle>
           <a:p>
-            <a:pPr/>
             <a:r>
               <a:t>Title Text</a:t>
             </a:r>
@@ -1567,7 +1662,9 @@
       <p:sp>
         <p:nvSpPr>
           <p:cNvPr id="57" name="Shape 57"/>
-          <p:cNvSpPr/>
+          <p:cNvSpPr>
+            <a:spLocks noGrp="1"/>
+          </p:cNvSpPr>
           <p:nvPr>
             <p:ph type="body" idx="1"/>
           </p:nvPr>
@@ -1656,7 +1753,6 @@
             </a:lvl5pPr>
           </a:lstStyle>
           <a:p>
-            <a:pPr/>
             <a:r>
               <a:t>Body Level One</a:t>
             </a:r>
@@ -1690,7 +1786,9 @@
       <p:sp>
         <p:nvSpPr>
           <p:cNvPr id="58" name="Shape 58"/>
-          <p:cNvSpPr/>
+          <p:cNvSpPr>
+            <a:spLocks noGrp="1"/>
+          </p:cNvSpPr>
           <p:nvPr>
             <p:ph type="sldNum" sz="quarter" idx="2"/>
           </p:nvPr>
@@ -1721,8 +1819,10 @@
             </a:lvl1pPr>
           </a:lstStyle>
           <a:p>
-            <a:pPr/>
-            <a:fld id="{86CB4B4D-7CA3-9044-876B-883B54F8677D}" type="slidenum"/>
+            <a:fld id="{86CB4B4D-7CA3-9044-876B-883B54F8677D}" type="slidenum">
+              <a:t>‹#›</a:t>
+            </a:fld>
+            <a:endParaRPr/>
           </a:p>
         </p:txBody>
       </p:sp>
@@ -1731,7 +1831,7 @@
   <p:clrMapOvr>
     <a:masterClrMapping/>
   </p:clrMapOvr>
-  <p:transition xmlns:p14="http://schemas.microsoft.com/office/powerpoint/2010/main" spd="med" advClick="1"/>
+  <p:transition spd="med"/>
 </p:sldLayout>
 </file>
 
@@ -1745,6 +1845,7 @@
             <a:lumOff val="44000"/>
           </a:schemeClr>
         </a:solidFill>
+        <a:effectLst/>
       </p:bgPr>
     </p:bg>
     <p:spTree>
@@ -1764,7 +1865,9 @@
       <p:sp>
         <p:nvSpPr>
           <p:cNvPr id="2" name="Shape 2"/>
-          <p:cNvSpPr/>
+          <p:cNvSpPr>
+            <a:spLocks noGrp="1"/>
+          </p:cNvSpPr>
           <p:nvPr>
             <p:ph type="title"/>
           </p:nvPr>
@@ -1790,7 +1893,6 @@
           <a:bodyPr lIns="91424" tIns="91424" rIns="91424" bIns="91424"/>
           <a:lstStyle/>
           <a:p>
-            <a:pPr/>
             <a:r>
               <a:t>Title Text</a:t>
             </a:r>
@@ -1800,7 +1902,9 @@
       <p:sp>
         <p:nvSpPr>
           <p:cNvPr id="3" name="Shape 3"/>
-          <p:cNvSpPr/>
+          <p:cNvSpPr>
+            <a:spLocks noGrp="1"/>
+          </p:cNvSpPr>
           <p:nvPr>
             <p:ph type="body" idx="1"/>
           </p:nvPr>
@@ -1826,7 +1930,6 @@
           <a:bodyPr lIns="91424" tIns="91424" rIns="91424" bIns="91424"/>
           <a:lstStyle/>
           <a:p>
-            <a:pPr/>
             <a:r>
               <a:t>Body Level One</a:t>
             </a:r>
@@ -1860,7 +1963,9 @@
       <p:sp>
         <p:nvSpPr>
           <p:cNvPr id="4" name="Shape 4"/>
-          <p:cNvSpPr/>
+          <p:cNvSpPr>
+            <a:spLocks noGrp="1"/>
+          </p:cNvSpPr>
           <p:nvPr>
             <p:ph type="sldNum" sz="quarter" idx="2"/>
           </p:nvPr>
@@ -1892,8 +1997,10 @@
             </a:lvl1pPr>
           </a:lstStyle>
           <a:p>
-            <a:pPr/>
-            <a:fld id="{86CB4B4D-7CA3-9044-876B-883B54F8677D}" type="slidenum"/>
+            <a:fld id="{86CB4B4D-7CA3-9044-876B-883B54F8677D}" type="slidenum">
+              <a:t>‹#›</a:t>
+            </a:fld>
+            <a:endParaRPr/>
           </a:p>
         </p:txBody>
       </p:sp>
@@ -1901,14 +2008,14 @@
   </p:cSld>
   <p:clrMap bg1="lt1" tx1="dk1" bg2="lt2" tx2="dk2" accent1="accent1" accent2="accent2" accent3="accent3" accent4="accent4" accent5="accent5" accent6="accent6" hlink="hlink" folHlink="folHlink"/>
   <p:sldLayoutIdLst>
-    <p:sldLayoutId id="2147483649" r:id="rId2"/>
-    <p:sldLayoutId id="2147483650" r:id="rId3"/>
-    <p:sldLayoutId id="2147483651" r:id="rId4"/>
-    <p:sldLayoutId id="2147483652" r:id="rId5"/>
-    <p:sldLayoutId id="2147483653" r:id="rId6"/>
-    <p:sldLayoutId id="2147483654" r:id="rId7"/>
+    <p:sldLayoutId id="2147483649" r:id="rId1"/>
+    <p:sldLayoutId id="2147483650" r:id="rId2"/>
+    <p:sldLayoutId id="2147483651" r:id="rId3"/>
+    <p:sldLayoutId id="2147483652" r:id="rId4"/>
+    <p:sldLayoutId id="2147483653" r:id="rId5"/>
+    <p:sldLayoutId id="2147483654" r:id="rId6"/>
   </p:sldLayoutIdLst>
-  <p:transition xmlns:p14="http://schemas.microsoft.com/office/powerpoint/2010/main" spd="med" advClick="1"/>
+  <p:transition spd="med"/>
   <p:txStyles>
     <p:titleStyle>
       <a:lvl1pPr marL="0" marR="0" indent="0" algn="ctr" defTabSz="914400" rtl="0" latinLnBrk="0">
@@ -1926,7 +2033,7 @@
         <a:buFontTx/>
         <a:buNone/>
         <a:tabLst/>
-        <a:defRPr b="0" baseline="0" cap="none" i="0" spc="0" strike="noStrike" sz="4400" u="none">
+        <a:defRPr sz="4400" b="0" i="0" u="none" strike="noStrike" cap="none" spc="0" baseline="0">
           <a:ln>
             <a:noFill/>
           </a:ln>
@@ -1955,7 +2062,7 @@
         <a:buFontTx/>
         <a:buNone/>
         <a:tabLst/>
-        <a:defRPr b="0" baseline="0" cap="none" i="0" spc="0" strike="noStrike" sz="4400" u="none">
+        <a:defRPr sz="4400" b="0" i="0" u="none" strike="noStrike" cap="none" spc="0" baseline="0">
           <a:ln>
             <a:noFill/>
           </a:ln>
@@ -1984,7 +2091,7 @@
         <a:buFontTx/>
         <a:buNone/>
         <a:tabLst/>
-        <a:defRPr b="0" baseline="0" cap="none" i="0" spc="0" strike="noStrike" sz="4400" u="none">
+        <a:defRPr sz="4400" b="0" i="0" u="none" strike="noStrike" cap="none" spc="0" baseline="0">
           <a:ln>
             <a:noFill/>
           </a:ln>
@@ -2013,7 +2120,7 @@
         <a:buFontTx/>
         <a:buNone/>
         <a:tabLst/>
-        <a:defRPr b="0" baseline="0" cap="none" i="0" spc="0" strike="noStrike" sz="4400" u="none">
+        <a:defRPr sz="4400" b="0" i="0" u="none" strike="noStrike" cap="none" spc="0" baseline="0">
           <a:ln>
             <a:noFill/>
           </a:ln>
@@ -2042,7 +2149,7 @@
         <a:buFontTx/>
         <a:buNone/>
         <a:tabLst/>
-        <a:defRPr b="0" baseline="0" cap="none" i="0" spc="0" strike="noStrike" sz="4400" u="none">
+        <a:defRPr sz="4400" b="0" i="0" u="none" strike="noStrike" cap="none" spc="0" baseline="0">
           <a:ln>
             <a:noFill/>
           </a:ln>
@@ -2071,7 +2178,7 @@
         <a:buFontTx/>
         <a:buNone/>
         <a:tabLst/>
-        <a:defRPr b="0" baseline="0" cap="none" i="0" spc="0" strike="noStrike" sz="4400" u="none">
+        <a:defRPr sz="4400" b="0" i="0" u="none" strike="noStrike" cap="none" spc="0" baseline="0">
           <a:ln>
             <a:noFill/>
           </a:ln>
@@ -2100,7 +2207,7 @@
         <a:buFontTx/>
         <a:buNone/>
         <a:tabLst/>
-        <a:defRPr b="0" baseline="0" cap="none" i="0" spc="0" strike="noStrike" sz="4400" u="none">
+        <a:defRPr sz="4400" b="0" i="0" u="none" strike="noStrike" cap="none" spc="0" baseline="0">
           <a:ln>
             <a:noFill/>
           </a:ln>
@@ -2129,7 +2236,7 @@
         <a:buFontTx/>
         <a:buNone/>
         <a:tabLst/>
-        <a:defRPr b="0" baseline="0" cap="none" i="0" spc="0" strike="noStrike" sz="4400" u="none">
+        <a:defRPr sz="4400" b="0" i="0" u="none" strike="noStrike" cap="none" spc="0" baseline="0">
           <a:ln>
             <a:noFill/>
           </a:ln>
@@ -2158,7 +2265,7 @@
         <a:buFontTx/>
         <a:buNone/>
         <a:tabLst/>
-        <a:defRPr b="0" baseline="0" cap="none" i="0" spc="0" strike="noStrike" sz="4400" u="none">
+        <a:defRPr sz="4400" b="0" i="0" u="none" strike="noStrike" cap="none" spc="0" baseline="0">
           <a:ln>
             <a:noFill/>
           </a:ln>
@@ -2191,7 +2298,7 @@
         <a:buFont typeface="Arial"/>
         <a:buChar char="●"/>
         <a:tabLst/>
-        <a:defRPr b="0" baseline="0" cap="none" i="0" spc="0" strike="noStrike" sz="3200" u="none">
+        <a:defRPr sz="3200" b="0" i="0" u="none" strike="noStrike" cap="none" spc="0" baseline="0">
           <a:ln>
             <a:noFill/>
           </a:ln>
@@ -2222,7 +2329,7 @@
         <a:buFont typeface="Arial"/>
         <a:buChar char="●"/>
         <a:tabLst/>
-        <a:defRPr b="0" baseline="0" cap="none" i="0" spc="0" strike="noStrike" sz="3200" u="none">
+        <a:defRPr sz="3200" b="0" i="0" u="none" strike="noStrike" cap="none" spc="0" baseline="0">
           <a:ln>
             <a:noFill/>
           </a:ln>
@@ -2253,7 +2360,7 @@
         <a:buFont typeface="Arial"/>
         <a:buChar char="●"/>
         <a:tabLst/>
-        <a:defRPr b="0" baseline="0" cap="none" i="0" spc="0" strike="noStrike" sz="3200" u="none">
+        <a:defRPr sz="3200" b="0" i="0" u="none" strike="noStrike" cap="none" spc="0" baseline="0">
           <a:ln>
             <a:noFill/>
           </a:ln>
@@ -2284,7 +2391,7 @@
         <a:buFont typeface="Arial"/>
         <a:buChar char="●"/>
         <a:tabLst/>
-        <a:defRPr b="0" baseline="0" cap="none" i="0" spc="0" strike="noStrike" sz="3200" u="none">
+        <a:defRPr sz="3200" b="0" i="0" u="none" strike="noStrike" cap="none" spc="0" baseline="0">
           <a:ln>
             <a:noFill/>
           </a:ln>
@@ -2315,7 +2422,7 @@
         <a:buFont typeface="Arial"/>
         <a:buChar char="●"/>
         <a:tabLst/>
-        <a:defRPr b="0" baseline="0" cap="none" i="0" spc="0" strike="noStrike" sz="3200" u="none">
+        <a:defRPr sz="3200" b="0" i="0" u="none" strike="noStrike" cap="none" spc="0" baseline="0">
           <a:ln>
             <a:noFill/>
           </a:ln>
@@ -2346,7 +2453,7 @@
         <a:buFont typeface="Arial"/>
         <a:buChar char="●"/>
         <a:tabLst/>
-        <a:defRPr b="0" baseline="0" cap="none" i="0" spc="0" strike="noStrike" sz="3200" u="none">
+        <a:defRPr sz="3200" b="0" i="0" u="none" strike="noStrike" cap="none" spc="0" baseline="0">
           <a:ln>
             <a:noFill/>
           </a:ln>
@@ -2377,7 +2484,7 @@
         <a:buFont typeface="Arial"/>
         <a:buChar char="●"/>
         <a:tabLst/>
-        <a:defRPr b="0" baseline="0" cap="none" i="0" spc="0" strike="noStrike" sz="3200" u="none">
+        <a:defRPr sz="3200" b="0" i="0" u="none" strike="noStrike" cap="none" spc="0" baseline="0">
           <a:ln>
             <a:noFill/>
           </a:ln>
@@ -2408,7 +2515,7 @@
         <a:buFont typeface="Arial"/>
         <a:buChar char="●"/>
         <a:tabLst/>
-        <a:defRPr b="0" baseline="0" cap="none" i="0" spc="0" strike="noStrike" sz="3200" u="none">
+        <a:defRPr sz="3200" b="0" i="0" u="none" strike="noStrike" cap="none" spc="0" baseline="0">
           <a:ln>
             <a:noFill/>
           </a:ln>
@@ -2439,7 +2546,7 @@
         <a:buFont typeface="Arial"/>
         <a:buChar char="●"/>
         <a:tabLst/>
-        <a:defRPr b="0" baseline="0" cap="none" i="0" spc="0" strike="noStrike" sz="3200" u="none">
+        <a:defRPr sz="3200" b="0" i="0" u="none" strike="noStrike" cap="none" spc="0" baseline="0">
           <a:ln>
             <a:noFill/>
           </a:ln>
@@ -2472,7 +2579,7 @@
         <a:buFont typeface="Arial"/>
         <a:buChar char="●"/>
         <a:tabLst/>
-        <a:defRPr b="0" baseline="0" cap="none" i="0" spc="0" strike="noStrike" sz="1400" u="none">
+        <a:defRPr sz="1400" b="0" i="0" u="none" strike="noStrike" cap="none" spc="0" baseline="0">
           <a:ln>
             <a:noFill/>
           </a:ln>
@@ -2503,7 +2610,7 @@
         <a:buFont typeface="Arial"/>
         <a:buChar char="o"/>
         <a:tabLst/>
-        <a:defRPr b="0" baseline="0" cap="none" i="0" spc="0" strike="noStrike" sz="1400" u="none">
+        <a:defRPr sz="1400" b="0" i="0" u="none" strike="noStrike" cap="none" spc="0" baseline="0">
           <a:ln>
             <a:noFill/>
           </a:ln>
@@ -2534,7 +2641,7 @@
         <a:buFont typeface="Arial"/>
         <a:buChar char="▪"/>
         <a:tabLst/>
-        <a:defRPr b="0" baseline="0" cap="none" i="0" spc="0" strike="noStrike" sz="1400" u="none">
+        <a:defRPr sz="1400" b="0" i="0" u="none" strike="noStrike" cap="none" spc="0" baseline="0">
           <a:ln>
             <a:noFill/>
           </a:ln>
@@ -2565,7 +2672,7 @@
         <a:buFont typeface="Arial"/>
         <a:buChar char="●"/>
         <a:tabLst/>
-        <a:defRPr b="0" baseline="0" cap="none" i="0" spc="0" strike="noStrike" sz="1400" u="none">
+        <a:defRPr sz="1400" b="0" i="0" u="none" strike="noStrike" cap="none" spc="0" baseline="0">
           <a:ln>
             <a:noFill/>
           </a:ln>
@@ -2596,7 +2703,7 @@
         <a:buFont typeface="Arial"/>
         <a:buChar char="o"/>
         <a:tabLst/>
-        <a:defRPr b="0" baseline="0" cap="none" i="0" spc="0" strike="noStrike" sz="1400" u="none">
+        <a:defRPr sz="1400" b="0" i="0" u="none" strike="noStrike" cap="none" spc="0" baseline="0">
           <a:ln>
             <a:noFill/>
           </a:ln>
@@ -2627,7 +2734,7 @@
         <a:buFont typeface="Arial"/>
         <a:buChar char="▪"/>
         <a:tabLst/>
-        <a:defRPr b="0" baseline="0" cap="none" i="0" spc="0" strike="noStrike" sz="1400" u="none">
+        <a:defRPr sz="1400" b="0" i="0" u="none" strike="noStrike" cap="none" spc="0" baseline="0">
           <a:ln>
             <a:noFill/>
           </a:ln>
@@ -2658,7 +2765,7 @@
         <a:buFont typeface="Arial"/>
         <a:buChar char="●"/>
         <a:tabLst/>
-        <a:defRPr b="0" baseline="0" cap="none" i="0" spc="0" strike="noStrike" sz="1400" u="none">
+        <a:defRPr sz="1400" b="0" i="0" u="none" strike="noStrike" cap="none" spc="0" baseline="0">
           <a:ln>
             <a:noFill/>
           </a:ln>
@@ -2689,7 +2796,7 @@
         <a:buFont typeface="Arial"/>
         <a:buChar char="o"/>
         <a:tabLst/>
-        <a:defRPr b="0" baseline="0" cap="none" i="0" spc="0" strike="noStrike" sz="1400" u="none">
+        <a:defRPr sz="1400" b="0" i="0" u="none" strike="noStrike" cap="none" spc="0" baseline="0">
           <a:ln>
             <a:noFill/>
           </a:ln>
@@ -2720,7 +2827,7 @@
         <a:buFont typeface="Arial"/>
         <a:buChar char="▪"/>
         <a:tabLst/>
-        <a:defRPr b="0" baseline="0" cap="none" i="0" spc="0" strike="noStrike" sz="1400" u="none">
+        <a:defRPr sz="1400" b="0" i="0" u="none" strike="noStrike" cap="none" spc="0" baseline="0">
           <a:ln>
             <a:noFill/>
           </a:ln>
@@ -2740,7 +2847,7 @@
 </file>
 
 <file path=ppt/slides/slide1.xml><?xml version="1.0" encoding="utf-8"?>
-<p:sld xmlns:a="http://schemas.openxmlformats.org/drawingml/2006/main" xmlns:r="http://schemas.openxmlformats.org/officeDocument/2006/relationships" xmlns:p="http://schemas.openxmlformats.org/presentationml/2006/main" showMasterSp="1" showMasterPhAnim="1">
+<p:sld xmlns:a="http://schemas.openxmlformats.org/drawingml/2006/main" xmlns:r="http://schemas.openxmlformats.org/officeDocument/2006/relationships" xmlns:p="http://schemas.openxmlformats.org/presentationml/2006/main">
   <p:cSld>
     <p:spTree>
       <p:nvGrpSpPr>
@@ -2759,7 +2866,9 @@
       <p:sp>
         <p:nvSpPr>
           <p:cNvPr id="67" name="Shape 67"/>
-          <p:cNvSpPr/>
+          <p:cNvSpPr>
+            <a:spLocks noGrp="1"/>
+          </p:cNvSpPr>
           <p:nvPr>
             <p:ph type="title"/>
           </p:nvPr>
@@ -2775,7 +2884,7 @@
         </p:spPr>
         <p:txBody>
           <a:bodyPr lIns="45699" tIns="45699" rIns="45699" bIns="45699">
-            <a:normAutofit fontScale="100000" lnSpcReduction="0"/>
+            <a:normAutofit fontScale="90000"/>
           </a:bodyPr>
           <a:lstStyle/>
           <a:p>
@@ -2796,13 +2905,16 @@
             <a:br>
               <a:rPr b="1"/>
             </a:br>
+            <a:endParaRPr b="1"/>
           </a:p>
         </p:txBody>
       </p:sp>
       <p:sp>
         <p:nvSpPr>
           <p:cNvPr id="68" name="Shape 68"/>
-          <p:cNvSpPr/>
+          <p:cNvSpPr>
+            <a:spLocks noGrp="1"/>
+          </p:cNvSpPr>
           <p:nvPr>
             <p:ph type="body" sz="quarter" idx="1"/>
           </p:nvPr>
@@ -2818,7 +2930,7 @@
         </p:spPr>
         <p:txBody>
           <a:bodyPr lIns="45699" tIns="45699" rIns="45699" bIns="45699">
-            <a:normAutofit fontScale="100000" lnSpcReduction="0"/>
+            <a:normAutofit/>
           </a:bodyPr>
           <a:lstStyle/>
           <a:p>
@@ -2834,6 +2946,7 @@
               <a:t>Bell Laboratories</a:t>
             </a:r>
             <a:br/>
+            <a:endParaRPr/>
           </a:p>
           <a:p>
             <a:pPr marL="0" indent="0" algn="ctr">
@@ -2860,12 +2973,12 @@
   <p:clrMapOvr>
     <a:masterClrMapping/>
   </p:clrMapOvr>
-  <p:transition xmlns:p14="http://schemas.microsoft.com/office/powerpoint/2010/main" spd="med" advClick="1"/>
+  <p:transition spd="med"/>
 </p:sld>
 </file>
 
 <file path=ppt/slides/slide10.xml><?xml version="1.0" encoding="utf-8"?>
-<p:sld xmlns:a="http://schemas.openxmlformats.org/drawingml/2006/main" xmlns:r="http://schemas.openxmlformats.org/officeDocument/2006/relationships" xmlns:p="http://schemas.openxmlformats.org/presentationml/2006/main" showMasterSp="1" showMasterPhAnim="1">
+<p:sld xmlns:a="http://schemas.openxmlformats.org/drawingml/2006/main" xmlns:r="http://schemas.openxmlformats.org/officeDocument/2006/relationships" xmlns:p="http://schemas.openxmlformats.org/presentationml/2006/main">
   <p:cSld>
     <p:spTree>
       <p:nvGrpSpPr>
@@ -2883,8 +2996,10 @@
       </p:grpSpPr>
       <p:sp>
         <p:nvSpPr>
-          <p:cNvPr id="107" name="Shape 107"/>
-          <p:cNvSpPr/>
+          <p:cNvPr id="91" name="Shape 91"/>
+          <p:cNvSpPr>
+            <a:spLocks noGrp="1"/>
+          </p:cNvSpPr>
           <p:nvPr>
             <p:ph type="title"/>
           </p:nvPr>
@@ -2895,612 +3010,384 @@
           </a:prstGeom>
         </p:spPr>
         <p:txBody>
-          <a:bodyPr lIns="45699" tIns="45699" rIns="45699" bIns="45699">
-            <a:normAutofit fontScale="100000" lnSpcReduction="0"/>
-          </a:bodyPr>
+          <a:bodyPr/>
           <a:lstStyle/>
           <a:p>
-            <a:pPr/>
-            <a:r>
-              <a:t>Directories</a:t>
+            <a:r>
+              <a:t>Virtual File System (VFS)</a:t>
             </a:r>
           </a:p>
         </p:txBody>
       </p:sp>
       <p:sp>
         <p:nvSpPr>
-          <p:cNvPr id="108" name="Shape 108"/>
-          <p:cNvSpPr/>
+          <p:cNvPr id="92" name="Shape 92"/>
+          <p:cNvSpPr>
+            <a:spLocks noGrp="1"/>
+          </p:cNvSpPr>
           <p:nvPr>
-            <p:ph type="body" idx="1"/>
+            <p:ph type="body" sz="half" idx="1"/>
           </p:nvPr>
         </p:nvSpPr>
         <p:spPr>
           <a:xfrm>
-            <a:off x="457200" y="1219200"/>
-            <a:ext cx="8229600" cy="5105399"/>
+            <a:off x="76200" y="762000"/>
+            <a:ext cx="8991601" cy="1762026"/>
           </a:xfrm>
           <a:prstGeom prst="rect">
             <a:avLst/>
           </a:prstGeom>
         </p:spPr>
         <p:txBody>
-          <a:bodyPr lIns="45699" tIns="45699" rIns="45699" bIns="45699">
-            <a:normAutofit fontScale="100000" lnSpcReduction="0"/>
-          </a:bodyPr>
+          <a:bodyPr/>
           <a:lstStyle/>
           <a:p>
-            <a:pPr defTabSz="868680">
-              <a:lnSpc>
-                <a:spcPct val="80000"/>
-              </a:lnSpc>
-              <a:spcBef>
-                <a:spcPts val="200"/>
-              </a:spcBef>
-              <a:buSzPct val="61110"/>
-              <a:defRPr sz="3040"/>
-            </a:pPr>
-            <a:r>
-              <a:rPr sz="1710"/>
-              <a:t>Directory groups files together</a:t>
-            </a:r>
-            <a:endParaRPr sz="1710"/>
-          </a:p>
-          <a:p>
-            <a:pPr defTabSz="868680">
-              <a:lnSpc>
-                <a:spcPct val="80000"/>
-              </a:lnSpc>
-              <a:spcBef>
-                <a:spcPts val="200"/>
-              </a:spcBef>
-              <a:buSzPct val="61110"/>
-              <a:defRPr sz="3040"/>
-            </a:pPr>
-            <a:endParaRPr sz="1710"/>
-          </a:p>
-          <a:p>
-            <a:pPr defTabSz="868680">
-              <a:lnSpc>
-                <a:spcPct val="80000"/>
-              </a:lnSpc>
-              <a:spcBef>
-                <a:spcPts val="200"/>
-              </a:spcBef>
-              <a:buSzPct val="61110"/>
-              <a:defRPr sz="3040"/>
-            </a:pPr>
-            <a:r>
-              <a:rPr sz="1710"/>
-              <a:t>Directories can contain sub-directories</a:t>
-            </a:r>
-            <a:endParaRPr sz="1710"/>
-          </a:p>
-          <a:p>
-            <a:pPr lvl="1" marL="589461" indent="-155121" defTabSz="868680">
-              <a:lnSpc>
-                <a:spcPct val="80000"/>
-              </a:lnSpc>
-              <a:spcBef>
-                <a:spcPts val="200"/>
-              </a:spcBef>
-              <a:buSzPct val="59375"/>
-              <a:defRPr sz="2660"/>
-            </a:pPr>
-            <a:r>
-              <a:rPr i="1" sz="1520"/>
-              <a:t>root </a:t>
-            </a:r>
-            <a:r>
-              <a:rPr sz="1520"/>
-              <a:t>directory is at the top</a:t>
-            </a:r>
-          </a:p>
-          <a:p>
-            <a:pPr lvl="1" marL="589461" indent="-155121" defTabSz="868680">
-              <a:lnSpc>
-                <a:spcPct val="80000"/>
-              </a:lnSpc>
-              <a:spcBef>
-                <a:spcPts val="200"/>
-              </a:spcBef>
-              <a:buSzPct val="59375"/>
-              <a:defRPr sz="2660"/>
-            </a:pPr>
-            <a:r>
-              <a:rPr i="1" sz="1520"/>
-              <a:t>/bin </a:t>
-            </a:r>
-            <a:r>
-              <a:rPr sz="1520"/>
-              <a:t>contains all executables</a:t>
-            </a:r>
-          </a:p>
-          <a:p>
-            <a:pPr lvl="1" marL="589461" indent="-155121" defTabSz="868680">
-              <a:lnSpc>
-                <a:spcPct val="80000"/>
-              </a:lnSpc>
-              <a:spcBef>
-                <a:spcPts val="200"/>
-              </a:spcBef>
-              <a:buSzPct val="59375"/>
-              <a:defRPr sz="2660"/>
-            </a:pPr>
-            <a:r>
-              <a:rPr sz="1520"/>
-              <a:t>Two special entries in each directory -- . and ..</a:t>
-            </a:r>
-          </a:p>
-          <a:p>
-            <a:pPr defTabSz="868680">
-              <a:lnSpc>
-                <a:spcPct val="80000"/>
-              </a:lnSpc>
-              <a:spcBef>
-                <a:spcPts val="200"/>
-              </a:spcBef>
-              <a:buSzPct val="61110"/>
-              <a:defRPr sz="3040"/>
-            </a:pPr>
-            <a:endParaRPr sz="2660"/>
-          </a:p>
-          <a:p>
-            <a:pPr defTabSz="868680">
-              <a:lnSpc>
-                <a:spcPct val="80000"/>
-              </a:lnSpc>
-              <a:spcBef>
-                <a:spcPts val="200"/>
-              </a:spcBef>
-              <a:buSzPct val="61110"/>
-              <a:defRPr sz="3040"/>
-            </a:pPr>
-            <a:r>
-              <a:rPr sz="1710"/>
-              <a:t>Directories are treated just like ordinary  files</a:t>
-            </a:r>
-            <a:endParaRPr sz="1710"/>
-          </a:p>
-          <a:p>
-            <a:pPr lvl="1" marL="589461" indent="-155121" defTabSz="868680">
-              <a:lnSpc>
-                <a:spcPct val="80000"/>
-              </a:lnSpc>
-              <a:spcBef>
-                <a:spcPts val="200"/>
-              </a:spcBef>
-              <a:buSzPct val="59375"/>
-              <a:defRPr sz="2660"/>
-            </a:pPr>
-            <a:r>
-              <a:rPr sz="1520"/>
-              <a:t>Except they cannot be written by unprivileged programs</a:t>
-            </a:r>
-          </a:p>
-          <a:p>
-            <a:pPr indent="114617" defTabSz="868680">
-              <a:spcBef>
-                <a:spcPts val="500"/>
-              </a:spcBef>
-              <a:buSzTx/>
-              <a:buNone/>
-              <a:defRPr sz="3040"/>
-            </a:pPr>
-            <a:endParaRPr sz="1140"/>
-          </a:p>
-          <a:p>
-            <a:pPr defTabSz="868680">
-              <a:lnSpc>
-                <a:spcPct val="80000"/>
-              </a:lnSpc>
-              <a:spcBef>
-                <a:spcPts val="200"/>
-              </a:spcBef>
-              <a:buSzPct val="61110"/>
-              <a:defRPr sz="3040"/>
-            </a:pPr>
-            <a:r>
-              <a:rPr sz="1710"/>
-              <a:t>Filenames  had 14 or fewer characters</a:t>
-            </a:r>
-            <a:endParaRPr sz="1710"/>
-          </a:p>
-          <a:p>
-            <a:pPr indent="114617" defTabSz="868680">
-              <a:spcBef>
-                <a:spcPts val="500"/>
-              </a:spcBef>
-              <a:buSzTx/>
-              <a:buNone/>
-              <a:defRPr sz="3040"/>
-            </a:pPr>
-            <a:endParaRPr sz="1140"/>
-          </a:p>
-          <a:p>
-            <a:pPr defTabSz="868680">
-              <a:lnSpc>
-                <a:spcPct val="80000"/>
-              </a:lnSpc>
-              <a:spcBef>
-                <a:spcPts val="200"/>
-              </a:spcBef>
-              <a:buSzPct val="61110"/>
-              <a:defRPr sz="3040"/>
-            </a:pPr>
-            <a:r>
-              <a:rPr sz="1710"/>
-              <a:t>Pathname = sequence of filenames separated by /</a:t>
-            </a:r>
-            <a:endParaRPr sz="1710"/>
-          </a:p>
-          <a:p>
-            <a:pPr lvl="1" marL="589461" indent="-155121" defTabSz="868680">
-              <a:lnSpc>
-                <a:spcPct val="80000"/>
-              </a:lnSpc>
-              <a:spcBef>
-                <a:spcPts val="200"/>
-              </a:spcBef>
-              <a:buSzPct val="59375"/>
-              <a:defRPr sz="2660"/>
-            </a:pPr>
-            <a:r>
-              <a:rPr i="1" sz="1520"/>
-              <a:t>/alpha/beta/gamma</a:t>
-            </a:r>
-          </a:p>
-          <a:p>
-            <a:pPr indent="114617" defTabSz="868680">
-              <a:spcBef>
-                <a:spcPts val="500"/>
-              </a:spcBef>
-              <a:buSzTx/>
-              <a:buNone/>
-              <a:defRPr sz="3040"/>
-            </a:pPr>
-            <a:endParaRPr sz="1140"/>
-          </a:p>
-          <a:p>
-            <a:pPr defTabSz="868680">
-              <a:lnSpc>
-                <a:spcPct val="80000"/>
-              </a:lnSpc>
-              <a:spcBef>
-                <a:spcPts val="200"/>
-              </a:spcBef>
-              <a:buSzPct val="61110"/>
-              <a:defRPr sz="3040"/>
-            </a:pPr>
-            <a:r>
-              <a:rPr sz="1710"/>
-              <a:t>Linking: different directories can contain the same non-directory file under different names</a:t>
-            </a:r>
-            <a:endParaRPr sz="1710"/>
-          </a:p>
-          <a:p>
-            <a:pPr lvl="1" marL="589461" indent="-155121" defTabSz="868680">
-              <a:lnSpc>
-                <a:spcPct val="80000"/>
-              </a:lnSpc>
-              <a:spcBef>
-                <a:spcPts val="200"/>
-              </a:spcBef>
-              <a:buSzPct val="59375"/>
-              <a:defRPr sz="2660"/>
-            </a:pPr>
-            <a:r>
-              <a:rPr sz="1520"/>
-              <a:t>In modern UNIX, this is a </a:t>
-            </a:r>
-            <a:r>
-              <a:rPr i="1" sz="1520"/>
-              <a:t>hard </a:t>
-            </a:r>
-            <a:r>
-              <a:rPr sz="1520"/>
-              <a:t>link.</a:t>
-            </a:r>
-          </a:p>
-          <a:p>
-            <a:pPr lvl="1" marL="589461" indent="-155121" defTabSz="868680">
-              <a:lnSpc>
-                <a:spcPct val="80000"/>
-              </a:lnSpc>
-              <a:spcBef>
-                <a:spcPts val="200"/>
-              </a:spcBef>
-              <a:buSzPct val="59375"/>
-              <a:defRPr sz="2660"/>
-            </a:pPr>
-            <a:r>
-              <a:rPr sz="1520"/>
-              <a:t>As opposed to </a:t>
-            </a:r>
-            <a:r>
-              <a:rPr i="1" sz="1520"/>
-              <a:t>soft </a:t>
-            </a:r>
-            <a:r>
-              <a:rPr sz="1520"/>
-              <a:t>link, which is?</a:t>
-            </a:r>
-          </a:p>
-          <a:p>
-            <a:pPr indent="114617" defTabSz="868680">
-              <a:spcBef>
-                <a:spcPts val="500"/>
-              </a:spcBef>
-              <a:buSzTx/>
-              <a:buNone/>
-              <a:defRPr sz="3040"/>
-            </a:pPr>
-            <a:endParaRPr sz="1140"/>
-          </a:p>
-          <a:p>
-            <a:pPr defTabSz="868680">
-              <a:lnSpc>
-                <a:spcPct val="80000"/>
-              </a:lnSpc>
-              <a:spcBef>
-                <a:spcPts val="200"/>
-              </a:spcBef>
-              <a:buSzPct val="61110"/>
-              <a:defRPr sz="3040"/>
-            </a:pPr>
-            <a:r>
-              <a:rPr sz="1710"/>
-              <a:t>Directory structure is a single rooted tree.</a:t>
-            </a:r>
-          </a:p>
-        </p:txBody>
-      </p:sp>
-    </p:spTree>
-  </p:cSld>
-  <p:clrMapOvr>
-    <a:masterClrMapping/>
-  </p:clrMapOvr>
-  <p:transition xmlns:p14="http://schemas.microsoft.com/office/powerpoint/2010/main" spd="med" advClick="1"/>
-</p:sld>
-</file>
-
-<file path=ppt/slides/slide11.xml><?xml version="1.0" encoding="utf-8"?>
-<p:sld xmlns:a="http://schemas.openxmlformats.org/drawingml/2006/main" xmlns:r="http://schemas.openxmlformats.org/officeDocument/2006/relationships" xmlns:p="http://schemas.openxmlformats.org/presentationml/2006/main" showMasterSp="1" showMasterPhAnim="1">
-  <p:cSld>
-    <p:spTree>
-      <p:nvGrpSpPr>
-        <p:cNvPr id="1" name=""/>
-        <p:cNvGrpSpPr/>
-        <p:nvPr/>
-      </p:nvGrpSpPr>
-      <p:grpSpPr>
-        <a:xfrm>
-          <a:off x="0" y="0"/>
-          <a:ext cx="0" cy="0"/>
-          <a:chOff x="0" y="0"/>
-          <a:chExt cx="0" cy="0"/>
-        </a:xfrm>
-      </p:grpSpPr>
-      <p:sp>
-        <p:nvSpPr>
-          <p:cNvPr id="110" name="Shape 110"/>
-          <p:cNvSpPr/>
-          <p:nvPr>
-            <p:ph type="title"/>
-          </p:nvPr>
-        </p:nvSpPr>
-        <p:spPr>
-          <a:prstGeom prst="rect">
-            <a:avLst/>
-          </a:prstGeom>
-        </p:spPr>
-        <p:txBody>
-          <a:bodyPr>
-            <a:normAutofit fontScale="100000" lnSpcReduction="0"/>
-          </a:bodyPr>
-          <a:lstStyle/>
-          <a:p>
-            <a:pPr/>
-            <a:r>
-              <a:t>Shared Files — Hard Links</a:t>
-            </a:r>
-          </a:p>
-        </p:txBody>
-      </p:sp>
-      <p:pic>
-        <p:nvPicPr>
-          <p:cNvPr id="111" name="6-18.jpg"/>
-          <p:cNvPicPr>
-            <a:picLocks noChangeAspect="1"/>
-          </p:cNvPicPr>
-          <p:nvPr/>
-        </p:nvPicPr>
-        <p:blipFill>
-          <a:blip r:embed="rId2">
-            <a:extLst/>
-          </a:blip>
-          <a:stretch>
-            <a:fillRect/>
-          </a:stretch>
-        </p:blipFill>
-        <p:spPr>
-          <a:xfrm>
-            <a:off x="2212975" y="1158875"/>
-            <a:ext cx="4719638" cy="4468813"/>
-          </a:xfrm>
-          <a:prstGeom prst="rect">
-            <a:avLst/>
-          </a:prstGeom>
-          <a:ln w="12700">
-            <a:miter lim="400000"/>
-          </a:ln>
-        </p:spPr>
-      </p:pic>
-      <p:sp>
-        <p:nvSpPr>
-          <p:cNvPr id="112" name="Shape 112"/>
-          <p:cNvSpPr/>
-          <p:nvPr>
-            <p:ph type="body" sz="quarter" idx="1"/>
-          </p:nvPr>
-        </p:nvSpPr>
-        <p:spPr>
-          <a:xfrm>
-            <a:off x="736600" y="5892800"/>
-            <a:ext cx="7772400" cy="685800"/>
-          </a:xfrm>
-          <a:prstGeom prst="rect">
-            <a:avLst/>
-          </a:prstGeom>
-        </p:spPr>
-        <p:txBody>
-          <a:bodyPr>
-            <a:normAutofit fontScale="100000" lnSpcReduction="0"/>
-          </a:bodyPr>
-          <a:lstStyle>
-            <a:lvl1pPr marL="342900" indent="-342900" algn="ctr">
-              <a:buSzTx/>
-              <a:buNone/>
-            </a:lvl1pPr>
-          </a:lstStyle>
-          <a:p>
-            <a:pPr/>
-            <a:r>
-              <a:t>A file shared between two directories </a:t>
-            </a:r>
-          </a:p>
-        </p:txBody>
-      </p:sp>
-    </p:spTree>
-  </p:cSld>
-  <p:clrMapOvr>
-    <a:masterClrMapping/>
-  </p:clrMapOvr>
-  <p:transition xmlns:p14="http://schemas.microsoft.com/office/powerpoint/2010/main" spd="med" advClick="1"/>
-</p:sld>
-</file>
-
-<file path=ppt/slides/slide12.xml><?xml version="1.0" encoding="utf-8"?>
-<p:sld xmlns:a="http://schemas.openxmlformats.org/drawingml/2006/main" xmlns:r="http://schemas.openxmlformats.org/officeDocument/2006/relationships" xmlns:p="http://schemas.openxmlformats.org/presentationml/2006/main" showMasterSp="1" showMasterPhAnim="1">
-  <p:cSld>
-    <p:spTree>
-      <p:nvGrpSpPr>
-        <p:cNvPr id="1" name=""/>
-        <p:cNvGrpSpPr/>
-        <p:nvPr/>
-      </p:nvGrpSpPr>
-      <p:grpSpPr>
-        <a:xfrm>
-          <a:off x="0" y="0"/>
-          <a:ext cx="0" cy="0"/>
-          <a:chOff x="0" y="0"/>
-          <a:chExt cx="0" cy="0"/>
-        </a:xfrm>
-      </p:grpSpPr>
-      <p:sp>
-        <p:nvSpPr>
-          <p:cNvPr id="114" name="Shape 114"/>
-          <p:cNvSpPr/>
-          <p:nvPr>
-            <p:ph type="title"/>
-          </p:nvPr>
-        </p:nvSpPr>
-        <p:spPr>
-          <a:prstGeom prst="rect">
-            <a:avLst/>
-          </a:prstGeom>
-        </p:spPr>
-        <p:txBody>
-          <a:bodyPr>
-            <a:normAutofit fontScale="100000" lnSpcReduction="0"/>
-          </a:bodyPr>
-          <a:lstStyle/>
-          <a:p>
-            <a:pPr/>
-            <a:r>
-              <a:t>Shared Files – Hard Links</a:t>
-            </a:r>
-          </a:p>
-        </p:txBody>
-      </p:sp>
-      <p:pic>
-        <p:nvPicPr>
-          <p:cNvPr id="115" name="6-19.jpg"/>
-          <p:cNvPicPr>
-            <a:picLocks noChangeAspect="1"/>
-          </p:cNvPicPr>
-          <p:nvPr/>
-        </p:nvPicPr>
-        <p:blipFill>
-          <a:blip r:embed="rId2">
-            <a:extLst/>
-          </a:blip>
-          <a:stretch>
-            <a:fillRect/>
-          </a:stretch>
-        </p:blipFill>
-        <p:spPr>
-          <a:xfrm>
-            <a:off x="1001712" y="1095375"/>
-            <a:ext cx="7123113" cy="3663950"/>
-          </a:xfrm>
-          <a:prstGeom prst="rect">
-            <a:avLst/>
-          </a:prstGeom>
-          <a:ln w="12700">
-            <a:miter lim="400000"/>
-          </a:ln>
-        </p:spPr>
-      </p:pic>
-      <p:sp>
-        <p:nvSpPr>
-          <p:cNvPr id="116" name="Shape 116"/>
-          <p:cNvSpPr/>
-          <p:nvPr>
-            <p:ph type="body" sz="quarter" idx="1"/>
-          </p:nvPr>
-        </p:nvSpPr>
-        <p:spPr>
-          <a:xfrm>
-            <a:off x="250725" y="4775200"/>
-            <a:ext cx="2794745" cy="1600200"/>
-          </a:xfrm>
-          <a:prstGeom prst="rect">
-            <a:avLst/>
-          </a:prstGeom>
-        </p:spPr>
-        <p:txBody>
-          <a:bodyPr>
-            <a:normAutofit fontScale="100000" lnSpcReduction="0"/>
-          </a:bodyPr>
-          <a:lstStyle>
-            <a:lvl1pPr marL="342900" indent="-342900">
-              <a:spcBef>
-                <a:spcPts val="500"/>
-              </a:spcBef>
-              <a:buSzTx/>
-              <a:buNone/>
-              <a:defRPr sz="1900"/>
-            </a:lvl1pPr>
-          </a:lstStyle>
-          <a:p>
-            <a:pPr/>
-            <a:r>
-              <a:t>Situation prior to linking</a:t>
+            <a:pPr marL="240631" indent="-240631">
+              <a:spcBef>
+                <a:spcPts val="0"/>
+              </a:spcBef>
+              <a:defRPr sz="2300"/>
+            </a:pPr>
+            <a:r>
+              <a:t>VFS provides </a:t>
+            </a:r>
+          </a:p>
+          <a:p>
+            <a:pPr marL="828842" lvl="1">
+              <a:spcBef>
+                <a:spcPts val="0"/>
+              </a:spcBef>
+              <a:buAutoNum type="arabicPeriod"/>
+              <a:defRPr sz="2300"/>
+            </a:pPr>
+            <a:r>
+              <a:t>A common system call interface to user applications to access different file systems implemented in the OS.</a:t>
+            </a:r>
+          </a:p>
+          <a:p>
+            <a:pPr marL="828842" lvl="1">
+              <a:spcBef>
+                <a:spcPts val="0"/>
+              </a:spcBef>
+              <a:buAutoNum type="arabicPeriod"/>
+              <a:defRPr sz="2300"/>
+            </a:pPr>
+            <a:r>
+              <a:t>A common interface to file systems to “plug into” the operating system and provide services to user applications.</a:t>
             </a:r>
           </a:p>
         </p:txBody>
       </p:sp>
       <p:sp>
         <p:nvSpPr>
-          <p:cNvPr id="117" name="Shape 117"/>
+          <p:cNvPr id="93" name="Shape 93"/>
           <p:cNvSpPr/>
           <p:nvPr/>
         </p:nvSpPr>
         <p:spPr>
           <a:xfrm>
-            <a:off x="6283225" y="4775200"/>
-            <a:ext cx="2794745" cy="1600200"/>
+            <a:off x="1889769" y="2514600"/>
+            <a:ext cx="4595417" cy="542826"/>
+          </a:xfrm>
+          <a:prstGeom prst="rect">
+            <a:avLst/>
+          </a:prstGeom>
+          <a:solidFill>
+            <a:schemeClr val="accent3">
+              <a:lumOff val="44000"/>
+            </a:schemeClr>
+          </a:solidFill>
+          <a:ln w="25400">
+            <a:solidFill>
+              <a:srgbClr val="000000"/>
+            </a:solidFill>
+            <a:bevel/>
+          </a:ln>
+          <a:extLst>
+            <a:ext uri="{C572A759-6A51-4108-AA02-DFA0A04FC94B}">
+              <ma14:wrappingTextBoxFlag xmlns:ma14="http://schemas.microsoft.com/office/mac/drawingml/2011/main" val="1"/>
+            </a:ext>
+          </a:extLst>
+        </p:spPr>
+        <p:txBody>
+          <a:bodyPr lIns="45719" rIns="45719" anchor="ctr"/>
+          <a:lstStyle>
+            <a:lvl1pPr algn="ctr">
+              <a:defRPr sz="2400">
+                <a:latin typeface="Times New Roman"/>
+                <a:ea typeface="Times New Roman"/>
+                <a:cs typeface="Times New Roman"/>
+                <a:sym typeface="Times New Roman"/>
+              </a:defRPr>
+            </a:lvl1pPr>
+          </a:lstStyle>
+          <a:p>
+            <a:r>
+              <a:t>User Applications</a:t>
+            </a:r>
+          </a:p>
+        </p:txBody>
+      </p:sp>
+      <p:sp>
+        <p:nvSpPr>
+          <p:cNvPr id="94" name="Shape 94"/>
+          <p:cNvSpPr/>
+          <p:nvPr/>
+        </p:nvSpPr>
+        <p:spPr>
+          <a:xfrm>
+            <a:off x="1889769" y="3048000"/>
+            <a:ext cx="4595417" cy="542826"/>
+          </a:xfrm>
+          <a:prstGeom prst="rect">
+            <a:avLst/>
+          </a:prstGeom>
+          <a:solidFill>
+            <a:schemeClr val="accent3">
+              <a:lumOff val="44000"/>
+            </a:schemeClr>
+          </a:solidFill>
+          <a:ln w="25400">
+            <a:solidFill>
+              <a:srgbClr val="000000"/>
+            </a:solidFill>
+            <a:bevel/>
+          </a:ln>
+          <a:extLst>
+            <a:ext uri="{C572A759-6A51-4108-AA02-DFA0A04FC94B}">
+              <ma14:wrappingTextBoxFlag xmlns:ma14="http://schemas.microsoft.com/office/mac/drawingml/2011/main" val="1"/>
+            </a:ext>
+          </a:extLst>
+        </p:spPr>
+        <p:txBody>
+          <a:bodyPr lIns="45719" rIns="45719" anchor="ctr"/>
+          <a:lstStyle>
+            <a:lvl1pPr algn="ctr">
+              <a:defRPr sz="2400">
+                <a:latin typeface="Times New Roman"/>
+                <a:ea typeface="Times New Roman"/>
+                <a:cs typeface="Times New Roman"/>
+                <a:sym typeface="Times New Roman"/>
+              </a:defRPr>
+            </a:lvl1pPr>
+          </a:lstStyle>
+          <a:p>
+            <a:r>
+              <a:t>System Calls</a:t>
+            </a:r>
+          </a:p>
+        </p:txBody>
+      </p:sp>
+      <p:sp>
+        <p:nvSpPr>
+          <p:cNvPr id="95" name="Shape 95"/>
+          <p:cNvSpPr/>
+          <p:nvPr/>
+        </p:nvSpPr>
+        <p:spPr>
+          <a:xfrm>
+            <a:off x="1889769" y="3581400"/>
+            <a:ext cx="4595417" cy="542826"/>
+          </a:xfrm>
+          <a:prstGeom prst="rect">
+            <a:avLst/>
+          </a:prstGeom>
+          <a:solidFill>
+            <a:schemeClr val="accent3">
+              <a:lumOff val="44000"/>
+            </a:schemeClr>
+          </a:solidFill>
+          <a:ln w="25400">
+            <a:solidFill>
+              <a:srgbClr val="000000"/>
+            </a:solidFill>
+            <a:bevel/>
+          </a:ln>
+          <a:extLst>
+            <a:ext uri="{C572A759-6A51-4108-AA02-DFA0A04FC94B}">
+              <ma14:wrappingTextBoxFlag xmlns:ma14="http://schemas.microsoft.com/office/mac/drawingml/2011/main" val="1"/>
+            </a:ext>
+          </a:extLst>
+        </p:spPr>
+        <p:txBody>
+          <a:bodyPr lIns="45719" rIns="45719" anchor="ctr"/>
+          <a:lstStyle>
+            <a:lvl1pPr algn="ctr">
+              <a:defRPr sz="2400">
+                <a:latin typeface="Times New Roman"/>
+                <a:ea typeface="Times New Roman"/>
+                <a:cs typeface="Times New Roman"/>
+                <a:sym typeface="Times New Roman"/>
+              </a:defRPr>
+            </a:lvl1pPr>
+          </a:lstStyle>
+          <a:p>
+            <a:r>
+              <a:t>Virtual File System</a:t>
+            </a:r>
+          </a:p>
+        </p:txBody>
+      </p:sp>
+      <p:sp>
+        <p:nvSpPr>
+          <p:cNvPr id="96" name="Shape 96"/>
+          <p:cNvSpPr/>
+          <p:nvPr/>
+        </p:nvSpPr>
+        <p:spPr>
+          <a:xfrm>
+            <a:off x="1889769" y="4129740"/>
+            <a:ext cx="1321694" cy="858243"/>
+          </a:xfrm>
+          <a:prstGeom prst="rect">
+            <a:avLst/>
+          </a:prstGeom>
+          <a:solidFill>
+            <a:schemeClr val="accent3">
+              <a:lumOff val="44000"/>
+            </a:schemeClr>
+          </a:solidFill>
+          <a:ln w="25400">
+            <a:solidFill>
+              <a:srgbClr val="000000"/>
+            </a:solidFill>
+            <a:bevel/>
+          </a:ln>
+          <a:extLst>
+            <a:ext uri="{C572A759-6A51-4108-AA02-DFA0A04FC94B}">
+              <ma14:wrappingTextBoxFlag xmlns:ma14="http://schemas.microsoft.com/office/mac/drawingml/2011/main" val="1"/>
+            </a:ext>
+          </a:extLst>
+        </p:spPr>
+        <p:txBody>
+          <a:bodyPr lIns="45719" rIns="45719" anchor="ctr"/>
+          <a:lstStyle>
+            <a:lvl1pPr algn="ctr">
+              <a:defRPr sz="2400">
+                <a:latin typeface="Times New Roman"/>
+                <a:ea typeface="Times New Roman"/>
+                <a:cs typeface="Times New Roman"/>
+                <a:sym typeface="Times New Roman"/>
+              </a:defRPr>
+            </a:lvl1pPr>
+          </a:lstStyle>
+          <a:p>
+            <a:r>
+              <a:t>File System 1</a:t>
+            </a:r>
+          </a:p>
+        </p:txBody>
+      </p:sp>
+      <p:sp>
+        <p:nvSpPr>
+          <p:cNvPr id="97" name="Shape 97"/>
+          <p:cNvSpPr/>
+          <p:nvPr/>
+        </p:nvSpPr>
+        <p:spPr>
+          <a:xfrm>
+            <a:off x="3210569" y="4129740"/>
+            <a:ext cx="1321694" cy="858243"/>
+          </a:xfrm>
+          <a:prstGeom prst="rect">
+            <a:avLst/>
+          </a:prstGeom>
+          <a:solidFill>
+            <a:schemeClr val="accent3">
+              <a:lumOff val="44000"/>
+            </a:schemeClr>
+          </a:solidFill>
+          <a:ln w="25400">
+            <a:solidFill>
+              <a:srgbClr val="000000"/>
+            </a:solidFill>
+            <a:bevel/>
+          </a:ln>
+          <a:extLst>
+            <a:ext uri="{C572A759-6A51-4108-AA02-DFA0A04FC94B}">
+              <ma14:wrappingTextBoxFlag xmlns:ma14="http://schemas.microsoft.com/office/mac/drawingml/2011/main" val="1"/>
+            </a:ext>
+          </a:extLst>
+        </p:spPr>
+        <p:txBody>
+          <a:bodyPr lIns="45719" rIns="45719" anchor="ctr"/>
+          <a:lstStyle>
+            <a:lvl1pPr algn="ctr">
+              <a:defRPr sz="2400">
+                <a:latin typeface="Times New Roman"/>
+                <a:ea typeface="Times New Roman"/>
+                <a:cs typeface="Times New Roman"/>
+                <a:sym typeface="Times New Roman"/>
+              </a:defRPr>
+            </a:lvl1pPr>
+          </a:lstStyle>
+          <a:p>
+            <a:r>
+              <a:t>File System 2</a:t>
+            </a:r>
+          </a:p>
+        </p:txBody>
+      </p:sp>
+      <p:sp>
+        <p:nvSpPr>
+          <p:cNvPr id="98" name="Shape 98"/>
+          <p:cNvSpPr/>
+          <p:nvPr/>
+        </p:nvSpPr>
+        <p:spPr>
+          <a:xfrm>
+            <a:off x="5168850" y="4129740"/>
+            <a:ext cx="1321694" cy="858243"/>
+          </a:xfrm>
+          <a:prstGeom prst="rect">
+            <a:avLst/>
+          </a:prstGeom>
+          <a:solidFill>
+            <a:schemeClr val="accent3">
+              <a:lumOff val="44000"/>
+            </a:schemeClr>
+          </a:solidFill>
+          <a:ln w="25400">
+            <a:solidFill>
+              <a:srgbClr val="000000"/>
+            </a:solidFill>
+            <a:bevel/>
+          </a:ln>
+          <a:extLst>
+            <a:ext uri="{C572A759-6A51-4108-AA02-DFA0A04FC94B}">
+              <ma14:wrappingTextBoxFlag xmlns:ma14="http://schemas.microsoft.com/office/mac/drawingml/2011/main" val="1"/>
+            </a:ext>
+          </a:extLst>
+        </p:spPr>
+        <p:txBody>
+          <a:bodyPr lIns="45719" rIns="45719" anchor="ctr"/>
+          <a:lstStyle>
+            <a:lvl1pPr algn="ctr">
+              <a:defRPr sz="2400">
+                <a:latin typeface="Times New Roman"/>
+                <a:ea typeface="Times New Roman"/>
+                <a:cs typeface="Times New Roman"/>
+                <a:sym typeface="Times New Roman"/>
+              </a:defRPr>
+            </a:lvl1pPr>
+          </a:lstStyle>
+          <a:p>
+            <a:r>
+              <a:t>File System N</a:t>
+            </a:r>
+          </a:p>
+        </p:txBody>
+      </p:sp>
+      <p:sp>
+        <p:nvSpPr>
+          <p:cNvPr id="99" name="Shape 99"/>
+          <p:cNvSpPr/>
+          <p:nvPr/>
+        </p:nvSpPr>
+        <p:spPr>
+          <a:xfrm>
+            <a:off x="4492595" y="4348165"/>
+            <a:ext cx="713741" cy="421393"/>
           </a:xfrm>
           <a:prstGeom prst="rect">
             <a:avLst/>
@@ -3515,54 +3402,286 @@
           </a:extLst>
         </p:spPr>
         <p:txBody>
-          <a:bodyPr lIns="45719" rIns="45719">
-            <a:normAutofit fontScale="100000" lnSpcReduction="0"/>
+          <a:bodyPr wrap="none" lIns="45719" rIns="45719">
+            <a:spAutoFit/>
           </a:bodyPr>
-          <a:lstStyle/>
-          <a:p>
-            <a:pPr marL="342900" indent="-342900">
-              <a:spcBef>
-                <a:spcPts val="500"/>
-              </a:spcBef>
-              <a:defRPr sz="1900">
+          <a:lstStyle>
+            <a:lvl1pPr>
+              <a:defRPr sz="2400">
                 <a:latin typeface="Times New Roman"/>
                 <a:ea typeface="Times New Roman"/>
                 <a:cs typeface="Times New Roman"/>
                 <a:sym typeface="Times New Roman"/>
               </a:defRPr>
-            </a:pPr>
-            <a:r>
-              <a:t>After the original owner removes the file</a:t>
-            </a:r>
-          </a:p>
-          <a:p>
-            <a:pPr marL="342900" indent="-342900">
-              <a:spcBef>
-                <a:spcPts val="500"/>
-              </a:spcBef>
-              <a:defRPr sz="1900">
+            </a:lvl1pPr>
+          </a:lstStyle>
+          <a:p>
+            <a:r>
+              <a:t>……</a:t>
+            </a:r>
+          </a:p>
+        </p:txBody>
+      </p:sp>
+      <p:sp>
+        <p:nvSpPr>
+          <p:cNvPr id="100" name="Shape 100"/>
+          <p:cNvSpPr/>
+          <p:nvPr/>
+        </p:nvSpPr>
+        <p:spPr>
+          <a:xfrm>
+            <a:off x="1889769" y="4993497"/>
+            <a:ext cx="4595417" cy="542826"/>
+          </a:xfrm>
+          <a:prstGeom prst="rect">
+            <a:avLst/>
+          </a:prstGeom>
+          <a:solidFill>
+            <a:schemeClr val="accent3">
+              <a:lumOff val="44000"/>
+            </a:schemeClr>
+          </a:solidFill>
+          <a:ln w="25400">
+            <a:solidFill>
+              <a:srgbClr val="000000"/>
+            </a:solidFill>
+            <a:bevel/>
+          </a:ln>
+          <a:extLst>
+            <a:ext uri="{C572A759-6A51-4108-AA02-DFA0A04FC94B}">
+              <ma14:wrappingTextBoxFlag xmlns:ma14="http://schemas.microsoft.com/office/mac/drawingml/2011/main" val="1"/>
+            </a:ext>
+          </a:extLst>
+        </p:spPr>
+        <p:txBody>
+          <a:bodyPr lIns="45719" rIns="45719" anchor="ctr"/>
+          <a:lstStyle>
+            <a:lvl1pPr algn="ctr">
+              <a:defRPr sz="2400">
                 <a:latin typeface="Times New Roman"/>
                 <a:ea typeface="Times New Roman"/>
                 <a:cs typeface="Times New Roman"/>
                 <a:sym typeface="Times New Roman"/>
               </a:defRPr>
-            </a:pPr>
-            <a:r>
-              <a:t>File still exists, but with count decremented</a:t>
+            </a:lvl1pPr>
+          </a:lstStyle>
+          <a:p>
+            <a:r>
+              <a:t>File System Cache</a:t>
             </a:r>
           </a:p>
         </p:txBody>
       </p:sp>
       <p:sp>
         <p:nvSpPr>
-          <p:cNvPr id="118" name="Shape 118"/>
+          <p:cNvPr id="101" name="Shape 101"/>
           <p:cNvSpPr/>
           <p:nvPr/>
         </p:nvSpPr>
         <p:spPr>
           <a:xfrm>
-            <a:off x="3175148" y="4775200"/>
-            <a:ext cx="3208438" cy="1600200"/>
+            <a:off x="1889769" y="5526897"/>
+            <a:ext cx="4595417" cy="542826"/>
+          </a:xfrm>
+          <a:prstGeom prst="rect">
+            <a:avLst/>
+          </a:prstGeom>
+          <a:solidFill>
+            <a:schemeClr val="accent3">
+              <a:lumOff val="44000"/>
+            </a:schemeClr>
+          </a:solidFill>
+          <a:ln w="25400">
+            <a:solidFill>
+              <a:srgbClr val="000000"/>
+            </a:solidFill>
+            <a:bevel/>
+          </a:ln>
+          <a:extLst>
+            <a:ext uri="{C572A759-6A51-4108-AA02-DFA0A04FC94B}">
+              <ma14:wrappingTextBoxFlag xmlns:ma14="http://schemas.microsoft.com/office/mac/drawingml/2011/main" val="1"/>
+            </a:ext>
+          </a:extLst>
+        </p:spPr>
+        <p:txBody>
+          <a:bodyPr lIns="45719" rIns="45719" anchor="ctr"/>
+          <a:lstStyle>
+            <a:lvl1pPr algn="ctr">
+              <a:defRPr sz="2400">
+                <a:latin typeface="Times New Roman"/>
+                <a:ea typeface="Times New Roman"/>
+                <a:cs typeface="Times New Roman"/>
+                <a:sym typeface="Times New Roman"/>
+              </a:defRPr>
+            </a:lvl1pPr>
+          </a:lstStyle>
+          <a:p>
+            <a:r>
+              <a:t>Device Drivers</a:t>
+            </a:r>
+          </a:p>
+        </p:txBody>
+      </p:sp>
+      <p:sp>
+        <p:nvSpPr>
+          <p:cNvPr id="102" name="Shape 102"/>
+          <p:cNvSpPr/>
+          <p:nvPr/>
+        </p:nvSpPr>
+        <p:spPr>
+          <a:xfrm>
+            <a:off x="1887091" y="6060297"/>
+            <a:ext cx="1321694" cy="689819"/>
+          </a:xfrm>
+          <a:prstGeom prst="rect">
+            <a:avLst/>
+          </a:prstGeom>
+          <a:solidFill>
+            <a:schemeClr val="accent3">
+              <a:lumOff val="44000"/>
+            </a:schemeClr>
+          </a:solidFill>
+          <a:ln w="25400">
+            <a:solidFill>
+              <a:srgbClr val="000000"/>
+            </a:solidFill>
+            <a:bevel/>
+          </a:ln>
+          <a:extLst>
+            <a:ext uri="{C572A759-6A51-4108-AA02-DFA0A04FC94B}">
+              <ma14:wrappingTextBoxFlag xmlns:ma14="http://schemas.microsoft.com/office/mac/drawingml/2011/main" val="1"/>
+            </a:ext>
+          </a:extLst>
+        </p:spPr>
+        <p:txBody>
+          <a:bodyPr lIns="45719" rIns="45719" anchor="ctr"/>
+          <a:lstStyle>
+            <a:lvl1pPr algn="ctr">
+              <a:defRPr sz="2400">
+                <a:latin typeface="Times New Roman"/>
+                <a:ea typeface="Times New Roman"/>
+                <a:cs typeface="Times New Roman"/>
+                <a:sym typeface="Times New Roman"/>
+              </a:defRPr>
+            </a:lvl1pPr>
+          </a:lstStyle>
+          <a:p>
+            <a:r>
+              <a:t>Storage 1</a:t>
+            </a:r>
+          </a:p>
+        </p:txBody>
+      </p:sp>
+      <p:sp>
+        <p:nvSpPr>
+          <p:cNvPr id="103" name="Shape 103"/>
+          <p:cNvSpPr/>
+          <p:nvPr/>
+        </p:nvSpPr>
+        <p:spPr>
+          <a:xfrm>
+            <a:off x="3207891" y="6060297"/>
+            <a:ext cx="1321693" cy="689819"/>
+          </a:xfrm>
+          <a:prstGeom prst="rect">
+            <a:avLst/>
+          </a:prstGeom>
+          <a:solidFill>
+            <a:schemeClr val="accent3">
+              <a:lumOff val="44000"/>
+            </a:schemeClr>
+          </a:solidFill>
+          <a:ln w="25400">
+            <a:solidFill>
+              <a:srgbClr val="000000"/>
+            </a:solidFill>
+            <a:bevel/>
+          </a:ln>
+          <a:extLst>
+            <a:ext uri="{C572A759-6A51-4108-AA02-DFA0A04FC94B}">
+              <ma14:wrappingTextBoxFlag xmlns:ma14="http://schemas.microsoft.com/office/mac/drawingml/2011/main" val="1"/>
+            </a:ext>
+          </a:extLst>
+        </p:spPr>
+        <p:txBody>
+          <a:bodyPr lIns="45719" rIns="45719" anchor="ctr"/>
+          <a:lstStyle>
+            <a:lvl1pPr algn="ctr">
+              <a:defRPr sz="2400">
+                <a:latin typeface="Times New Roman"/>
+                <a:ea typeface="Times New Roman"/>
+                <a:cs typeface="Times New Roman"/>
+                <a:sym typeface="Times New Roman"/>
+              </a:defRPr>
+            </a:lvl1pPr>
+          </a:lstStyle>
+          <a:p>
+            <a:r>
+              <a:t>Storage 2</a:t>
+            </a:r>
+          </a:p>
+        </p:txBody>
+      </p:sp>
+      <p:sp>
+        <p:nvSpPr>
+          <p:cNvPr id="104" name="Shape 104"/>
+          <p:cNvSpPr/>
+          <p:nvPr/>
+        </p:nvSpPr>
+        <p:spPr>
+          <a:xfrm>
+            <a:off x="5166171" y="6072997"/>
+            <a:ext cx="1321694" cy="664419"/>
+          </a:xfrm>
+          <a:prstGeom prst="rect">
+            <a:avLst/>
+          </a:prstGeom>
+          <a:solidFill>
+            <a:schemeClr val="accent3">
+              <a:lumOff val="44000"/>
+            </a:schemeClr>
+          </a:solidFill>
+          <a:ln w="25400">
+            <a:solidFill>
+              <a:srgbClr val="000000"/>
+            </a:solidFill>
+            <a:bevel/>
+          </a:ln>
+          <a:extLst>
+            <a:ext uri="{C572A759-6A51-4108-AA02-DFA0A04FC94B}">
+              <ma14:wrappingTextBoxFlag xmlns:ma14="http://schemas.microsoft.com/office/mac/drawingml/2011/main" val="1"/>
+            </a:ext>
+          </a:extLst>
+        </p:spPr>
+        <p:txBody>
+          <a:bodyPr lIns="45719" rIns="45719" anchor="ctr"/>
+          <a:lstStyle>
+            <a:lvl1pPr algn="ctr">
+              <a:defRPr sz="2400">
+                <a:latin typeface="Times New Roman"/>
+                <a:ea typeface="Times New Roman"/>
+                <a:cs typeface="Times New Roman"/>
+                <a:sym typeface="Times New Roman"/>
+              </a:defRPr>
+            </a:lvl1pPr>
+          </a:lstStyle>
+          <a:p>
+            <a:r>
+              <a:t>Storage 3</a:t>
+            </a:r>
+          </a:p>
+        </p:txBody>
+      </p:sp>
+      <p:sp>
+        <p:nvSpPr>
+          <p:cNvPr id="105" name="Shape 105"/>
+          <p:cNvSpPr/>
+          <p:nvPr/>
+        </p:nvSpPr>
+        <p:spPr>
+          <a:xfrm>
+            <a:off x="4492595" y="6194510"/>
+            <a:ext cx="713741" cy="421393"/>
           </a:xfrm>
           <a:prstGeom prst="rect">
             <a:avLst/>
@@ -3577,15 +3696,12 @@
           </a:extLst>
         </p:spPr>
         <p:txBody>
-          <a:bodyPr lIns="45719" rIns="45719">
-            <a:normAutofit fontScale="100000" lnSpcReduction="0"/>
+          <a:bodyPr wrap="none" lIns="45719" rIns="45719">
+            <a:spAutoFit/>
           </a:bodyPr>
           <a:lstStyle>
-            <a:lvl1pPr marL="342900" indent="-342900">
-              <a:spcBef>
-                <a:spcPts val="500"/>
-              </a:spcBef>
-              <a:defRPr sz="1900">
+            <a:lvl1pPr>
+              <a:defRPr sz="2400">
                 <a:latin typeface="Times New Roman"/>
                 <a:ea typeface="Times New Roman"/>
                 <a:cs typeface="Times New Roman"/>
@@ -3594,9 +3710,8 @@
             </a:lvl1pPr>
           </a:lstStyle>
           <a:p>
-            <a:pPr/>
-            <a:r>
-              <a:t>After the hard link is created</a:t>
+            <a:r>
+              <a:t>……</a:t>
             </a:r>
           </a:p>
         </p:txBody>
@@ -3606,12 +3721,12 @@
   <p:clrMapOvr>
     <a:masterClrMapping/>
   </p:clrMapOvr>
-  <p:transition xmlns:p14="http://schemas.microsoft.com/office/powerpoint/2010/main" spd="med" advClick="1"/>
+  <p:transition spd="med"/>
 </p:sld>
 </file>
 
-<file path=ppt/slides/slide13.xml><?xml version="1.0" encoding="utf-8"?>
-<p:sld xmlns:a="http://schemas.openxmlformats.org/drawingml/2006/main" xmlns:r="http://schemas.openxmlformats.org/officeDocument/2006/relationships" xmlns:p="http://schemas.openxmlformats.org/presentationml/2006/main" showMasterSp="1" showMasterPhAnim="1">
+<file path=ppt/slides/slide11.xml><?xml version="1.0" encoding="utf-8"?>
+<p:sld xmlns:a="http://schemas.openxmlformats.org/drawingml/2006/main" xmlns:r="http://schemas.openxmlformats.org/officeDocument/2006/relationships" xmlns:p="http://schemas.openxmlformats.org/presentationml/2006/main">
   <p:cSld>
     <p:spTree>
       <p:nvGrpSpPr>
@@ -3630,7 +3745,9 @@
       <p:sp>
         <p:nvSpPr>
           <p:cNvPr id="120" name="Shape 120"/>
-          <p:cNvSpPr/>
+          <p:cNvSpPr>
+            <a:spLocks noGrp="1"/>
+          </p:cNvSpPr>
           <p:nvPr>
             <p:ph type="title"/>
           </p:nvPr>
@@ -3644,7 +3761,6 @@
           <a:bodyPr/>
           <a:lstStyle/>
           <a:p>
-            <a:pPr/>
             <a:r>
               <a:t>Partitions and File-system Layout</a:t>
             </a:r>
@@ -3663,7 +3779,7 @@
           <a:blip r:embed="rId2">
             <a:extLst/>
           </a:blip>
-          <a:srcRect l="0" t="0" r="0" b="0"/>
+          <a:srcRect/>
           <a:stretch>
             <a:fillRect/>
           </a:stretch>
@@ -3719,7 +3835,6 @@
             </a:lvl1pPr>
           </a:lstStyle>
           <a:p>
-            <a:pPr/>
             <a:r>
               <a:t>File System 1</a:t>
             </a:r>
@@ -3764,7 +3879,6 @@
             </a:lvl1pPr>
           </a:lstStyle>
           <a:p>
-            <a:pPr/>
             <a:r>
               <a:t>File System 2</a:t>
             </a:r>
@@ -3809,7 +3923,6 @@
             </a:lvl1pPr>
           </a:lstStyle>
           <a:p>
-            <a:pPr/>
             <a:r>
               <a:t>File System 3</a:t>
             </a:r>
@@ -3854,7 +3967,6 @@
             </a:lvl1pPr>
           </a:lstStyle>
           <a:p>
-            <a:pPr/>
             <a:r>
               <a:t>…</a:t>
             </a:r>
@@ -3866,12 +3978,12 @@
   <p:clrMapOvr>
     <a:masterClrMapping/>
   </p:clrMapOvr>
-  <p:transition xmlns:p14="http://schemas.microsoft.com/office/powerpoint/2010/main" spd="med" advClick="1"/>
+  <p:transition spd="med"/>
 </p:sld>
 </file>
 
-<file path=ppt/slides/slide14.xml><?xml version="1.0" encoding="utf-8"?>
-<p:sld xmlns:a="http://schemas.openxmlformats.org/drawingml/2006/main" xmlns:r="http://schemas.openxmlformats.org/officeDocument/2006/relationships" xmlns:p="http://schemas.openxmlformats.org/presentationml/2006/main" showMasterSp="1" showMasterPhAnim="1">
+<file path=ppt/slides/slide12.xml><?xml version="1.0" encoding="utf-8"?>
+<p:sld xmlns:a="http://schemas.openxmlformats.org/drawingml/2006/main" xmlns:r="http://schemas.openxmlformats.org/officeDocument/2006/relationships" xmlns:p="http://schemas.openxmlformats.org/presentationml/2006/main">
   <p:cSld>
     <p:spTree>
       <p:nvGrpSpPr>
@@ -3890,7 +4002,9 @@
       <p:sp>
         <p:nvSpPr>
           <p:cNvPr id="127" name="Shape 127"/>
-          <p:cNvSpPr/>
+          <p:cNvSpPr>
+            <a:spLocks noGrp="1"/>
+          </p:cNvSpPr>
           <p:nvPr>
             <p:ph type="title"/>
           </p:nvPr>
@@ -3908,7 +4022,6 @@
             </a:lvl1pPr>
           </a:lstStyle>
           <a:p>
-            <a:pPr/>
             <a:r>
               <a:t>Organizing Files on Disk: Contiguous Allocation</a:t>
             </a:r>
@@ -3918,7 +4031,9 @@
       <p:sp>
         <p:nvSpPr>
           <p:cNvPr id="128" name="Shape 128"/>
-          <p:cNvSpPr/>
+          <p:cNvSpPr>
+            <a:spLocks noGrp="1"/>
+          </p:cNvSpPr>
           <p:nvPr>
             <p:ph type="body" sz="half" idx="1"/>
           </p:nvPr>
@@ -3991,12 +4106,12 @@
   <p:clrMapOvr>
     <a:masterClrMapping/>
   </p:clrMapOvr>
-  <p:transition xmlns:p14="http://schemas.microsoft.com/office/powerpoint/2010/main" spd="med" advClick="1"/>
+  <p:transition spd="med"/>
 </p:sld>
 </file>
 
-<file path=ppt/slides/slide15.xml><?xml version="1.0" encoding="utf-8"?>
-<p:sld xmlns:a="http://schemas.openxmlformats.org/drawingml/2006/main" xmlns:r="http://schemas.openxmlformats.org/officeDocument/2006/relationships" xmlns:p="http://schemas.openxmlformats.org/presentationml/2006/main" showMasterSp="1" showMasterPhAnim="1">
+<file path=ppt/slides/slide13.xml><?xml version="1.0" encoding="utf-8"?>
+<p:sld xmlns:a="http://schemas.openxmlformats.org/drawingml/2006/main" xmlns:r="http://schemas.openxmlformats.org/officeDocument/2006/relationships" xmlns:p="http://schemas.openxmlformats.org/presentationml/2006/main">
   <p:cSld>
     <p:spTree>
       <p:nvGrpSpPr>
@@ -4015,7 +4130,9 @@
       <p:sp>
         <p:nvSpPr>
           <p:cNvPr id="131" name="Shape 131"/>
-          <p:cNvSpPr/>
+          <p:cNvSpPr>
+            <a:spLocks noGrp="1"/>
+          </p:cNvSpPr>
           <p:nvPr>
             <p:ph type="title"/>
           </p:nvPr>
@@ -4033,7 +4150,6 @@
             </a:lvl1pPr>
           </a:lstStyle>
           <a:p>
-            <a:pPr/>
             <a:r>
               <a:t>Organizing Files on Disk: Singly Linked List of Blocks</a:t>
             </a:r>
@@ -4043,7 +4159,9 @@
       <p:sp>
         <p:nvSpPr>
           <p:cNvPr id="132" name="Shape 132"/>
-          <p:cNvSpPr/>
+          <p:cNvSpPr>
+            <a:spLocks noGrp="1"/>
+          </p:cNvSpPr>
           <p:nvPr>
             <p:ph type="body" sz="quarter" idx="1"/>
           </p:nvPr>
@@ -4112,14 +4230,14 @@
   <p:clrMapOvr>
     <a:masterClrMapping/>
   </p:clrMapOvr>
-  <p:transition xmlns:p14="http://schemas.microsoft.com/office/powerpoint/2010/main" spd="med" advClick="1"/>
+  <p:transition spd="med"/>
   <p:timing>
     <p:tnLst>
       <p:par>
-        <p:cTn id="1" nodeType="tmRoot" restart="never" dur="indefinite" fill="hold">
+        <p:cTn id="1" dur="indefinite" restart="never" fill="hold" nodeType="tmRoot">
           <p:childTnLst>
             <p:seq concurrent="1" prevAc="none" nextAc="seek">
-              <p:cTn id="2" nodeType="mainSeq" dur="indefinite" fill="hold">
+              <p:cTn id="2" dur="indefinite" fill="hold" nodeType="mainSeq">
                 <p:childTnLst>
                   <p:par>
                     <p:cTn id="3" fill="hold">
@@ -4134,11 +4252,11 @@
                             </p:stCondLst>
                             <p:childTnLst>
                               <p:par>
-                                <p:cTn id="5" presetClass="entr" nodeType="clickEffect" presetSubtype="0" presetID="1" grpId="1" fill="hold">
+                                <p:cTn id="5" presetID="1" presetClass="entr" presetSubtype="0" fill="hold" grpId="1" nodeType="clickEffect">
                                   <p:stCondLst>
                                     <p:cond delay="0"/>
                                   </p:stCondLst>
-                                  <p:iterate type="el" backwards="0">
+                                  <p:iterate>
                                     <p:tmAbs val="0"/>
                                   </p:iterate>
                                   <p:childTnLst>
@@ -4162,11 +4280,11 @@
                                 </p:cTn>
                               </p:par>
                               <p:par>
-                                <p:cTn id="7" presetClass="entr" nodeType="withEffect" presetSubtype="0" presetID="1" grpId="1" fill="hold">
+                                <p:cTn id="7" presetID="1" presetClass="entr" presetSubtype="0" fill="hold" grpId="1" nodeType="withEffect">
                                   <p:stCondLst>
                                     <p:cond delay="0"/>
                                   </p:stCondLst>
-                                  <p:iterate type="el" backwards="0">
+                                  <p:iterate>
                                     <p:tmAbs val="0"/>
                                   </p:iterate>
                                   <p:childTnLst>
@@ -4201,11 +4319,11 @@
                             </p:stCondLst>
                             <p:childTnLst>
                               <p:par>
-                                <p:cTn id="10" presetClass="entr" nodeType="afterEffect" presetSubtype="0" presetID="1" grpId="1" fill="hold">
+                                <p:cTn id="10" presetID="1" presetClass="entr" presetSubtype="0" fill="hold" grpId="1" nodeType="afterEffect">
                                   <p:stCondLst>
                                     <p:cond delay="0"/>
                                   </p:stCondLst>
-                                  <p:iterate type="el" backwards="0">
+                                  <p:iterate>
                                     <p:tmAbs val="0"/>
                                   </p:iterate>
                                   <p:childTnLst>
@@ -4239,14 +4357,14 @@
                 </p:childTnLst>
               </p:cTn>
               <p:prevCondLst>
-                <p:cond evt="onPrev">
+                <p:cond evt="onPrev" delay="0">
                   <p:tgtEl>
                     <p:sldTgt/>
                   </p:tgtEl>
                 </p:cond>
               </p:prevCondLst>
               <p:nextCondLst>
-                <p:cond evt="onNext">
+                <p:cond evt="onNext" delay="0">
                   <p:tgtEl>
                     <p:sldTgt/>
                   </p:tgtEl>
@@ -4258,14 +4376,14 @@
       </p:par>
     </p:tnLst>
     <p:bldLst>
-      <p:bldP build="p" bldLvl="1" animBg="1" rev="0" advAuto="0" spid="132" grpId="1"/>
+      <p:bldP spid="132" grpId="1" build="p" animBg="1" advAuto="0"/>
     </p:bldLst>
   </p:timing>
 </p:sld>
 </file>
 
-<file path=ppt/slides/slide16.xml><?xml version="1.0" encoding="utf-8"?>
-<p:sld xmlns:a="http://schemas.openxmlformats.org/drawingml/2006/main" xmlns:r="http://schemas.openxmlformats.org/officeDocument/2006/relationships" xmlns:p="http://schemas.openxmlformats.org/presentationml/2006/main" showMasterSp="1" showMasterPhAnim="1">
+<file path=ppt/slides/slide14.xml><?xml version="1.0" encoding="utf-8"?>
+<p:sld xmlns:a="http://schemas.openxmlformats.org/drawingml/2006/main" xmlns:r="http://schemas.openxmlformats.org/officeDocument/2006/relationships" xmlns:p="http://schemas.openxmlformats.org/presentationml/2006/main">
   <p:cSld>
     <p:spTree>
       <p:nvGrpSpPr>
@@ -4313,7 +4431,9 @@
       <p:sp>
         <p:nvSpPr>
           <p:cNvPr id="136" name="Shape 136"/>
-          <p:cNvSpPr/>
+          <p:cNvSpPr>
+            <a:spLocks noGrp="1"/>
+          </p:cNvSpPr>
           <p:nvPr>
             <p:ph type="title"/>
           </p:nvPr>
@@ -4331,7 +4451,6 @@
             </a:lvl1pPr>
           </a:lstStyle>
           <a:p>
-            <a:pPr/>
             <a:r>
               <a:t>Organizing Files on Disk: File Allocation Table</a:t>
             </a:r>
@@ -4341,7 +4460,9 @@
       <p:sp>
         <p:nvSpPr>
           <p:cNvPr id="137" name="Shape 137"/>
-          <p:cNvSpPr/>
+          <p:cNvSpPr>
+            <a:spLocks noGrp="1"/>
+          </p:cNvSpPr>
           <p:nvPr>
             <p:ph type="body" idx="1"/>
           </p:nvPr>
@@ -4389,12 +4510,12 @@
   <p:clrMapOvr>
     <a:masterClrMapping/>
   </p:clrMapOvr>
-  <p:transition xmlns:p14="http://schemas.microsoft.com/office/powerpoint/2010/main" spd="med" advClick="1"/>
+  <p:transition spd="med"/>
 </p:sld>
 </file>
 
-<file path=ppt/slides/slide17.xml><?xml version="1.0" encoding="utf-8"?>
-<p:sld xmlns:a="http://schemas.openxmlformats.org/drawingml/2006/main" xmlns:r="http://schemas.openxmlformats.org/officeDocument/2006/relationships" xmlns:p="http://schemas.openxmlformats.org/presentationml/2006/main" showMasterSp="1" showMasterPhAnim="1">
+<file path=ppt/slides/slide15.xml><?xml version="1.0" encoding="utf-8"?>
+<p:sld xmlns:a="http://schemas.openxmlformats.org/drawingml/2006/main" xmlns:r="http://schemas.openxmlformats.org/officeDocument/2006/relationships" xmlns:p="http://schemas.openxmlformats.org/presentationml/2006/main">
   <p:cSld>
     <p:spTree>
       <p:nvGrpSpPr>
@@ -4413,7 +4534,9 @@
       <p:sp>
         <p:nvSpPr>
           <p:cNvPr id="139" name="Shape 139"/>
-          <p:cNvSpPr/>
+          <p:cNvSpPr>
+            <a:spLocks noGrp="1"/>
+          </p:cNvSpPr>
           <p:nvPr>
             <p:ph type="title"/>
           </p:nvPr>
@@ -4427,7 +4550,6 @@
           <a:bodyPr/>
           <a:lstStyle/>
           <a:p>
-            <a:pPr/>
             <a:r>
               <a:t>i-nodes (index nodes)</a:t>
             </a:r>
@@ -4437,7 +4559,9 @@
       <p:sp>
         <p:nvSpPr>
           <p:cNvPr id="140" name="Shape 140"/>
-          <p:cNvSpPr/>
+          <p:cNvSpPr>
+            <a:spLocks noGrp="1"/>
+          </p:cNvSpPr>
           <p:nvPr>
             <p:ph type="body" idx="1"/>
           </p:nvPr>
@@ -4501,6 +4625,7 @@
               </a:lnSpc>
               <a:defRPr sz="2500"/>
             </a:pPr>
+            <a:endParaRPr/>
           </a:p>
           <a:p>
             <a:pPr marL="320842" indent="-320842">
@@ -4520,6 +4645,7 @@
               </a:lnSpc>
               <a:defRPr sz="2500"/>
             </a:pPr>
+            <a:endParaRPr/>
           </a:p>
           <a:p>
             <a:pPr lvl="1">
@@ -4572,12 +4698,12 @@
   <p:clrMapOvr>
     <a:masterClrMapping/>
   </p:clrMapOvr>
-  <p:transition xmlns:p14="http://schemas.microsoft.com/office/powerpoint/2010/main" spd="med" advClick="1"/>
+  <p:transition spd="med"/>
 </p:sld>
 </file>
 
-<file path=ppt/slides/slide18.xml><?xml version="1.0" encoding="utf-8"?>
-<p:sld xmlns:a="http://schemas.openxmlformats.org/drawingml/2006/main" xmlns:r="http://schemas.openxmlformats.org/officeDocument/2006/relationships" xmlns:p="http://schemas.openxmlformats.org/presentationml/2006/main" showMasterSp="1" showMasterPhAnim="1">
+<file path=ppt/slides/slide16.xml><?xml version="1.0" encoding="utf-8"?>
+<p:sld xmlns:a="http://schemas.openxmlformats.org/drawingml/2006/main" xmlns:r="http://schemas.openxmlformats.org/officeDocument/2006/relationships" xmlns:p="http://schemas.openxmlformats.org/presentationml/2006/main">
   <p:cSld>
     <p:spTree>
       <p:nvGrpSpPr>
@@ -4626,7 +4752,9 @@
       <p:sp>
         <p:nvSpPr>
           <p:cNvPr id="143" name="Shape 143"/>
-          <p:cNvSpPr/>
+          <p:cNvSpPr>
+            <a:spLocks noGrp="1"/>
+          </p:cNvSpPr>
           <p:nvPr>
             <p:ph type="title"/>
           </p:nvPr>
@@ -4640,7 +4768,6 @@
           <a:bodyPr/>
           <a:lstStyle/>
           <a:p>
-            <a:pPr/>
             <a:r>
               <a:t>Unix i-node (index node)</a:t>
             </a:r>
@@ -4650,7 +4777,9 @@
       <p:sp>
         <p:nvSpPr>
           <p:cNvPr id="144" name="Shape 144"/>
-          <p:cNvSpPr/>
+          <p:cNvSpPr>
+            <a:spLocks noGrp="1"/>
+          </p:cNvSpPr>
           <p:nvPr>
             <p:ph type="body" sz="half" idx="1"/>
           </p:nvPr>
@@ -4685,6 +4814,7 @@
               </a:lnSpc>
               <a:defRPr sz="2100"/>
             </a:pPr>
+            <a:endParaRPr/>
           </a:p>
           <a:p>
             <a:pPr marL="320842" indent="-320842">
@@ -4748,6 +4878,7 @@
               </a:lnSpc>
               <a:defRPr sz="2100"/>
             </a:pPr>
+            <a:endParaRPr/>
           </a:p>
           <a:p>
             <a:pPr lvl="1">
@@ -4756,6 +4887,7 @@
               </a:lnSpc>
               <a:defRPr sz="2100"/>
             </a:pPr>
+            <a:endParaRPr/>
           </a:p>
           <a:p>
             <a:pPr marL="320842" indent="-320842">
@@ -4775,12 +4907,12 @@
   <p:clrMapOvr>
     <a:masterClrMapping/>
   </p:clrMapOvr>
-  <p:transition xmlns:p14="http://schemas.microsoft.com/office/powerpoint/2010/main" spd="med" advClick="1"/>
+  <p:transition spd="med"/>
 </p:sld>
 </file>
 
-<file path=ppt/slides/slide19.xml><?xml version="1.0" encoding="utf-8"?>
-<p:sld xmlns:a="http://schemas.openxmlformats.org/drawingml/2006/main" xmlns:r="http://schemas.openxmlformats.org/officeDocument/2006/relationships" xmlns:p="http://schemas.openxmlformats.org/presentationml/2006/main" showMasterSp="1" showMasterPhAnim="1">
+<file path=ppt/slides/slide17.xml><?xml version="1.0" encoding="utf-8"?>
+<p:sld xmlns:a="http://schemas.openxmlformats.org/drawingml/2006/main" xmlns:r="http://schemas.openxmlformats.org/officeDocument/2006/relationships" xmlns:p="http://schemas.openxmlformats.org/presentationml/2006/main">
   <p:cSld>
     <p:spTree>
       <p:nvGrpSpPr>
@@ -4828,7 +4960,9 @@
       <p:sp>
         <p:nvSpPr>
           <p:cNvPr id="147" name="Shape 147"/>
-          <p:cNvSpPr/>
+          <p:cNvSpPr>
+            <a:spLocks noGrp="1"/>
+          </p:cNvSpPr>
           <p:nvPr>
             <p:ph type="title"/>
           </p:nvPr>
@@ -4840,11 +4974,10 @@
         </p:spPr>
         <p:txBody>
           <a:bodyPr>
-            <a:normAutofit fontScale="100000" lnSpcReduction="0"/>
+            <a:normAutofit fontScale="90000"/>
           </a:bodyPr>
           <a:lstStyle/>
           <a:p>
-            <a:pPr/>
             <a:r>
               <a:t>Another view of a UNIX i-node</a:t>
             </a:r>
@@ -4946,12 +5079,400 @@
   <p:clrMapOvr>
     <a:masterClrMapping/>
   </p:clrMapOvr>
-  <p:transition xmlns:p14="http://schemas.microsoft.com/office/powerpoint/2010/main" spd="med" advClick="1"/>
+  <p:transition spd="med"/>
+</p:sld>
+</file>
+
+<file path=ppt/slides/slide18.xml><?xml version="1.0" encoding="utf-8"?>
+<p:sld xmlns:a="http://schemas.openxmlformats.org/drawingml/2006/main" xmlns:r="http://schemas.openxmlformats.org/officeDocument/2006/relationships" xmlns:p="http://schemas.openxmlformats.org/presentationml/2006/main">
+  <p:cSld>
+    <p:spTree>
+      <p:nvGrpSpPr>
+        <p:cNvPr id="1" name=""/>
+        <p:cNvGrpSpPr/>
+        <p:nvPr/>
+      </p:nvGrpSpPr>
+      <p:grpSpPr>
+        <a:xfrm>
+          <a:off x="0" y="0"/>
+          <a:ext cx="0" cy="0"/>
+          <a:chOff x="0" y="0"/>
+          <a:chExt cx="0" cy="0"/>
+        </a:xfrm>
+      </p:grpSpPr>
+      <p:sp>
+        <p:nvSpPr>
+          <p:cNvPr id="150" name="Shape 150"/>
+          <p:cNvSpPr>
+            <a:spLocks noGrp="1"/>
+          </p:cNvSpPr>
+          <p:nvPr>
+            <p:ph type="title"/>
+          </p:nvPr>
+        </p:nvSpPr>
+        <p:spPr>
+          <a:prstGeom prst="rect">
+            <a:avLst/>
+          </a:prstGeom>
+        </p:spPr>
+        <p:txBody>
+          <a:bodyPr lIns="45699" tIns="45699" rIns="45699" bIns="45699">
+            <a:normAutofit/>
+          </a:bodyPr>
+          <a:lstStyle/>
+          <a:p>
+            <a:r>
+              <a:t>Special files</a:t>
+            </a:r>
+          </a:p>
+        </p:txBody>
+      </p:sp>
+      <p:sp>
+        <p:nvSpPr>
+          <p:cNvPr id="151" name="Shape 151"/>
+          <p:cNvSpPr>
+            <a:spLocks noGrp="1"/>
+          </p:cNvSpPr>
+          <p:nvPr>
+            <p:ph type="body" idx="1"/>
+          </p:nvPr>
+        </p:nvSpPr>
+        <p:spPr>
+          <a:xfrm>
+            <a:off x="457198" y="1069600"/>
+            <a:ext cx="8229601" cy="4876799"/>
+          </a:xfrm>
+          <a:prstGeom prst="rect">
+            <a:avLst/>
+          </a:prstGeom>
+        </p:spPr>
+        <p:txBody>
+          <a:bodyPr lIns="45699" tIns="45699" rIns="45699" bIns="45699">
+            <a:normAutofit/>
+          </a:bodyPr>
+          <a:lstStyle/>
+          <a:p>
+            <a:pPr>
+              <a:lnSpc>
+                <a:spcPct val="80000"/>
+              </a:lnSpc>
+              <a:spcBef>
+                <a:spcPts val="400"/>
+              </a:spcBef>
+              <a:buSzPct val="60416"/>
+            </a:pPr>
+            <a:r>
+              <a:rPr sz="2400"/>
+              <a:t>“most unusual feature”</a:t>
+            </a:r>
+          </a:p>
+          <a:p>
+            <a:pPr indent="120650">
+              <a:buSzTx/>
+              <a:buNone/>
+            </a:pPr>
+            <a:endParaRPr sz="1800"/>
+          </a:p>
+          <a:p>
+            <a:pPr>
+              <a:lnSpc>
+                <a:spcPct val="80000"/>
+              </a:lnSpc>
+              <a:spcBef>
+                <a:spcPts val="400"/>
+              </a:spcBef>
+              <a:buSzPct val="60416"/>
+            </a:pPr>
+            <a:r>
+              <a:rPr sz="2400"/>
+              <a:t>Located in /dev</a:t>
+            </a:r>
+          </a:p>
+          <a:p>
+            <a:pPr indent="120650">
+              <a:buSzTx/>
+              <a:buNone/>
+            </a:pPr>
+            <a:endParaRPr sz="1800"/>
+          </a:p>
+          <a:p>
+            <a:pPr>
+              <a:lnSpc>
+                <a:spcPct val="80000"/>
+              </a:lnSpc>
+              <a:spcBef>
+                <a:spcPts val="400"/>
+              </a:spcBef>
+              <a:buSzPct val="60416"/>
+            </a:pPr>
+            <a:r>
+              <a:rPr sz="2400"/>
+              <a:t>Just like ordinary files.</a:t>
+            </a:r>
+          </a:p>
+          <a:p>
+            <a:pPr indent="120650">
+              <a:buSzTx/>
+              <a:buNone/>
+            </a:pPr>
+            <a:endParaRPr sz="1800"/>
+          </a:p>
+          <a:p>
+            <a:pPr>
+              <a:lnSpc>
+                <a:spcPct val="80000"/>
+              </a:lnSpc>
+              <a:spcBef>
+                <a:spcPts val="400"/>
+              </a:spcBef>
+              <a:buSzPct val="60416"/>
+            </a:pPr>
+            <a:r>
+              <a:rPr sz="2400"/>
+              <a:t>But read/write requests result in activation of the associated device.</a:t>
+            </a:r>
+          </a:p>
+          <a:p>
+            <a:pPr indent="120650">
+              <a:buSzTx/>
+              <a:buNone/>
+            </a:pPr>
+            <a:endParaRPr sz="2400"/>
+          </a:p>
+          <a:p>
+            <a:pPr>
+              <a:lnSpc>
+                <a:spcPct val="80000"/>
+              </a:lnSpc>
+              <a:spcBef>
+                <a:spcPts val="400"/>
+              </a:spcBef>
+              <a:buSzPct val="60416"/>
+            </a:pPr>
+            <a:r>
+              <a:rPr sz="2400"/>
+              <a:t>Advantages of treating I/O devices as files:</a:t>
+            </a:r>
+          </a:p>
+          <a:p>
+            <a:pPr marL="661307" lvl="1" indent="-204107">
+              <a:lnSpc>
+                <a:spcPct val="80000"/>
+              </a:lnSpc>
+              <a:spcBef>
+                <a:spcPts val="400"/>
+              </a:spcBef>
+              <a:buSzPct val="60000"/>
+              <a:defRPr sz="2800"/>
+            </a:pPr>
+            <a:r>
+              <a:rPr sz="2000"/>
+              <a:t>File and device I/O are similar</a:t>
+            </a:r>
+          </a:p>
+          <a:p>
+            <a:pPr marL="661307" lvl="1" indent="-204107">
+              <a:lnSpc>
+                <a:spcPct val="80000"/>
+              </a:lnSpc>
+              <a:spcBef>
+                <a:spcPts val="400"/>
+              </a:spcBef>
+              <a:buSzPct val="60000"/>
+              <a:defRPr sz="2800"/>
+            </a:pPr>
+            <a:r>
+              <a:rPr sz="2000"/>
+              <a:t>File and device names have same syntax and meaning. </a:t>
+            </a:r>
+          </a:p>
+          <a:p>
+            <a:pPr marL="1085850" lvl="2" indent="-171450">
+              <a:lnSpc>
+                <a:spcPct val="80000"/>
+              </a:lnSpc>
+              <a:spcBef>
+                <a:spcPts val="300"/>
+              </a:spcBef>
+              <a:buSzPct val="61110"/>
+              <a:defRPr sz="2400"/>
+            </a:pPr>
+            <a:r>
+              <a:rPr sz="1800"/>
+              <a:t>Programs that operate on files can also operate on devices.</a:t>
+            </a:r>
+          </a:p>
+          <a:p>
+            <a:pPr marL="661307" lvl="1" indent="-204107">
+              <a:lnSpc>
+                <a:spcPct val="80000"/>
+              </a:lnSpc>
+              <a:spcBef>
+                <a:spcPts val="400"/>
+              </a:spcBef>
+              <a:buSzPct val="60000"/>
+              <a:defRPr sz="2800"/>
+            </a:pPr>
+            <a:r>
+              <a:rPr sz="2000"/>
+              <a:t>Same protection mechanisms as regular files</a:t>
+            </a:r>
+          </a:p>
+        </p:txBody>
+      </p:sp>
+    </p:spTree>
+  </p:cSld>
+  <p:clrMapOvr>
+    <a:masterClrMapping/>
+  </p:clrMapOvr>
+  <p:transition spd="med"/>
+</p:sld>
+</file>
+
+<file path=ppt/slides/slide19.xml><?xml version="1.0" encoding="utf-8"?>
+<p:sld xmlns:a="http://schemas.openxmlformats.org/drawingml/2006/main" xmlns:r="http://schemas.openxmlformats.org/officeDocument/2006/relationships" xmlns:p="http://schemas.openxmlformats.org/presentationml/2006/main">
+  <p:cSld>
+    <p:spTree>
+      <p:nvGrpSpPr>
+        <p:cNvPr id="1" name=""/>
+        <p:cNvGrpSpPr/>
+        <p:nvPr/>
+      </p:nvGrpSpPr>
+      <p:grpSpPr>
+        <a:xfrm>
+          <a:off x="0" y="0"/>
+          <a:ext cx="0" cy="0"/>
+          <a:chOff x="0" y="0"/>
+          <a:chExt cx="0" cy="0"/>
+        </a:xfrm>
+      </p:grpSpPr>
+      <p:sp>
+        <p:nvSpPr>
+          <p:cNvPr id="153" name="Shape 153"/>
+          <p:cNvSpPr>
+            <a:spLocks noGrp="1"/>
+          </p:cNvSpPr>
+          <p:nvPr>
+            <p:ph type="title"/>
+          </p:nvPr>
+        </p:nvSpPr>
+        <p:spPr>
+          <a:prstGeom prst="rect">
+            <a:avLst/>
+          </a:prstGeom>
+        </p:spPr>
+        <p:txBody>
+          <a:bodyPr lIns="45699" tIns="45699" rIns="45699" bIns="45699">
+            <a:normAutofit/>
+          </a:bodyPr>
+          <a:lstStyle/>
+          <a:p>
+            <a:r>
+              <a:t>Removable file system</a:t>
+            </a:r>
+          </a:p>
+        </p:txBody>
+      </p:sp>
+      <p:sp>
+        <p:nvSpPr>
+          <p:cNvPr id="154" name="Shape 154"/>
+          <p:cNvSpPr>
+            <a:spLocks noGrp="1"/>
+          </p:cNvSpPr>
+          <p:nvPr>
+            <p:ph type="body" idx="1"/>
+          </p:nvPr>
+        </p:nvSpPr>
+        <p:spPr>
+          <a:xfrm>
+            <a:off x="457200" y="1600200"/>
+            <a:ext cx="8229600" cy="4525961"/>
+          </a:xfrm>
+          <a:prstGeom prst="rect">
+            <a:avLst/>
+          </a:prstGeom>
+        </p:spPr>
+        <p:txBody>
+          <a:bodyPr lIns="45699" tIns="45699" rIns="45699" bIns="45699">
+            <a:normAutofit/>
+          </a:bodyPr>
+          <a:lstStyle/>
+          <a:p>
+            <a:pPr>
+              <a:lnSpc>
+                <a:spcPct val="90000"/>
+              </a:lnSpc>
+              <a:buSzPct val="59375"/>
+            </a:pPr>
+            <a:r>
+              <a:t>Different parts of filesystem can be on different devices</a:t>
+            </a:r>
+          </a:p>
+          <a:p>
+            <a:pPr indent="120650">
+              <a:buSzTx/>
+              <a:buNone/>
+            </a:pPr>
+            <a:endParaRPr/>
+          </a:p>
+          <a:p>
+            <a:pPr>
+              <a:lnSpc>
+                <a:spcPct val="90000"/>
+              </a:lnSpc>
+              <a:buSzPct val="59375"/>
+            </a:pPr>
+            <a:r>
+              <a:rPr i="1"/>
+              <a:t>mount </a:t>
+            </a:r>
+          </a:p>
+          <a:p>
+            <a:pPr marL="742950" lvl="1" indent="-285750">
+              <a:lnSpc>
+                <a:spcPct val="90000"/>
+              </a:lnSpc>
+              <a:spcBef>
+                <a:spcPts val="500"/>
+              </a:spcBef>
+              <a:buSzPct val="60714"/>
+              <a:defRPr sz="2800"/>
+            </a:pPr>
+            <a:r>
+              <a:t>Allows a storage device to be referenced as a subtree of existing rooted filesystem.</a:t>
+            </a:r>
+          </a:p>
+          <a:p>
+            <a:pPr indent="120650">
+              <a:buSzTx/>
+              <a:buNone/>
+            </a:pPr>
+            <a:endParaRPr sz="2800"/>
+          </a:p>
+          <a:p>
+            <a:pPr>
+              <a:lnSpc>
+                <a:spcPct val="90000"/>
+              </a:lnSpc>
+              <a:buSzPct val="59375"/>
+            </a:pPr>
+            <a:r>
+              <a:t>Hard links across mounted file systems disallowed. Why?</a:t>
+            </a:r>
+          </a:p>
+        </p:txBody>
+      </p:sp>
+    </p:spTree>
+  </p:cSld>
+  <p:clrMapOvr>
+    <a:masterClrMapping/>
+  </p:clrMapOvr>
+  <p:transition spd="med"/>
 </p:sld>
 </file>
 
 <file path=ppt/slides/slide2.xml><?xml version="1.0" encoding="utf-8"?>
-<p:sld xmlns:a="http://schemas.openxmlformats.org/drawingml/2006/main" xmlns:r="http://schemas.openxmlformats.org/officeDocument/2006/relationships" xmlns:p="http://schemas.openxmlformats.org/presentationml/2006/main" showMasterSp="1" showMasterPhAnim="1">
+<p:sld xmlns:a="http://schemas.openxmlformats.org/drawingml/2006/main" xmlns:r="http://schemas.openxmlformats.org/officeDocument/2006/relationships" xmlns:p="http://schemas.openxmlformats.org/presentationml/2006/main">
   <p:cSld>
     <p:spTree>
       <p:nvGrpSpPr>
@@ -4970,7 +5491,9 @@
       <p:sp>
         <p:nvSpPr>
           <p:cNvPr id="70" name="Shape 70"/>
-          <p:cNvSpPr/>
+          <p:cNvSpPr>
+            <a:spLocks noGrp="1"/>
+          </p:cNvSpPr>
           <p:nvPr>
             <p:ph type="title"/>
           </p:nvPr>
@@ -4982,11 +5505,10 @@
         </p:spPr>
         <p:txBody>
           <a:bodyPr lIns="45699" tIns="45699" rIns="45699" bIns="45699">
-            <a:normAutofit fontScale="100000" lnSpcReduction="0"/>
+            <a:normAutofit/>
           </a:bodyPr>
           <a:lstStyle/>
           <a:p>
-            <a:pPr/>
             <a:r>
               <a:t>UNIX overview</a:t>
             </a:r>
@@ -4996,7 +5518,9 @@
       <p:sp>
         <p:nvSpPr>
           <p:cNvPr id="71" name="Shape 71"/>
-          <p:cNvSpPr/>
+          <p:cNvSpPr>
+            <a:spLocks noGrp="1"/>
+          </p:cNvSpPr>
           <p:nvPr>
             <p:ph type="body" idx="1"/>
           </p:nvPr>
@@ -5012,7 +5536,7 @@
         </p:spPr>
         <p:txBody>
           <a:bodyPr lIns="45699" tIns="45699" rIns="45699" bIns="45699">
-            <a:normAutofit fontScale="100000" lnSpcReduction="0"/>
+            <a:normAutofit/>
           </a:bodyPr>
           <a:lstStyle/>
           <a:p>
@@ -5029,7 +5553,6 @@
               <a:rPr sz="1800"/>
               <a:t>Unix is a general-purpose, multi-user, interactive operating system</a:t>
             </a:r>
-            <a:endParaRPr sz="1800"/>
           </a:p>
           <a:p>
             <a:pPr indent="120650">
@@ -5052,7 +5575,6 @@
               <a:rPr sz="1800"/>
               <a:t>Originally developed for DEC PDP-7, -9, and -11 computers</a:t>
             </a:r>
-            <a:endParaRPr sz="1800"/>
           </a:p>
           <a:p>
             <a:pPr indent="120650">
@@ -5075,10 +5597,9 @@
               <a:rPr sz="1800"/>
               <a:t>PDP-11/45</a:t>
             </a:r>
-            <a:endParaRPr sz="1800"/>
-          </a:p>
-          <a:p>
-            <a:pPr lvl="1" marL="640896" indent="-183696">
+          </a:p>
+          <a:p>
+            <a:pPr marL="640896" lvl="1" indent="-183696">
               <a:lnSpc>
                 <a:spcPct val="80000"/>
               </a:lnSpc>
@@ -5094,7 +5615,7 @@
             </a:r>
           </a:p>
           <a:p>
-            <a:pPr lvl="1" marL="640896" indent="-183696">
+            <a:pPr marL="640896" lvl="1" indent="-183696">
               <a:lnSpc>
                 <a:spcPct val="80000"/>
               </a:lnSpc>
@@ -5110,7 +5631,7 @@
             </a:r>
           </a:p>
           <a:p>
-            <a:pPr lvl="1" marL="640896" indent="-183696">
+            <a:pPr marL="640896" lvl="1" indent="-183696">
               <a:lnSpc>
                 <a:spcPct val="80000"/>
               </a:lnSpc>
@@ -5126,7 +5647,7 @@
             </a:r>
           </a:p>
           <a:p>
-            <a:pPr lvl="1" marL="640896" indent="-183696">
+            <a:pPr marL="640896" lvl="1" indent="-183696">
               <a:lnSpc>
                 <a:spcPct val="80000"/>
               </a:lnSpc>
@@ -5142,7 +5663,7 @@
             </a:r>
           </a:p>
           <a:p>
-            <a:pPr lvl="1" marL="640896" indent="-183696">
+            <a:pPr marL="640896" lvl="1" indent="-183696">
               <a:lnSpc>
                 <a:spcPct val="80000"/>
               </a:lnSpc>
@@ -5158,7 +5679,7 @@
             </a:r>
           </a:p>
           <a:p>
-            <a:pPr lvl="1" marL="640896" indent="-183696">
+            <a:pPr marL="640896" lvl="1" indent="-183696">
               <a:lnSpc>
                 <a:spcPct val="80000"/>
               </a:lnSpc>
@@ -5174,7 +5695,7 @@
             </a:r>
           </a:p>
           <a:p>
-            <a:pPr lvl="1" marL="640896" indent="-183696">
+            <a:pPr marL="640896" lvl="1" indent="-183696">
               <a:lnSpc>
                 <a:spcPct val="80000"/>
               </a:lnSpc>
@@ -5210,7 +5731,6 @@
               <a:rPr sz="1800"/>
               <a:t>Written in C language</a:t>
             </a:r>
-            <a:endParaRPr sz="1800"/>
           </a:p>
           <a:p>
             <a:pPr indent="120650">
@@ -5233,10 +5753,9 @@
               <a:rPr sz="1800"/>
               <a:t>Now widely supported across almost all hardware platforms in various variants</a:t>
             </a:r>
-            <a:endParaRPr sz="1800"/>
-          </a:p>
-          <a:p>
-            <a:pPr lvl="1" marL="640896" indent="-183696">
+          </a:p>
+          <a:p>
+            <a:pPr marL="640896" lvl="1" indent="-183696">
               <a:lnSpc>
                 <a:spcPct val="80000"/>
               </a:lnSpc>
@@ -5258,399 +5777,12 @@
   <p:clrMapOvr>
     <a:masterClrMapping/>
   </p:clrMapOvr>
-  <p:transition xmlns:p14="http://schemas.microsoft.com/office/powerpoint/2010/main" spd="med" advClick="1"/>
+  <p:transition spd="med"/>
 </p:sld>
 </file>
 
 <file path=ppt/slides/slide20.xml><?xml version="1.0" encoding="utf-8"?>
-<p:sld xmlns:a="http://schemas.openxmlformats.org/drawingml/2006/main" xmlns:r="http://schemas.openxmlformats.org/officeDocument/2006/relationships" xmlns:p="http://schemas.openxmlformats.org/presentationml/2006/main" showMasterSp="1" showMasterPhAnim="1">
-  <p:cSld>
-    <p:spTree>
-      <p:nvGrpSpPr>
-        <p:cNvPr id="1" name=""/>
-        <p:cNvGrpSpPr/>
-        <p:nvPr/>
-      </p:nvGrpSpPr>
-      <p:grpSpPr>
-        <a:xfrm>
-          <a:off x="0" y="0"/>
-          <a:ext cx="0" cy="0"/>
-          <a:chOff x="0" y="0"/>
-          <a:chExt cx="0" cy="0"/>
-        </a:xfrm>
-      </p:grpSpPr>
-      <p:sp>
-        <p:nvSpPr>
-          <p:cNvPr id="150" name="Shape 150"/>
-          <p:cNvSpPr/>
-          <p:nvPr>
-            <p:ph type="title"/>
-          </p:nvPr>
-        </p:nvSpPr>
-        <p:spPr>
-          <a:prstGeom prst="rect">
-            <a:avLst/>
-          </a:prstGeom>
-        </p:spPr>
-        <p:txBody>
-          <a:bodyPr lIns="45699" tIns="45699" rIns="45699" bIns="45699">
-            <a:normAutofit fontScale="100000" lnSpcReduction="0"/>
-          </a:bodyPr>
-          <a:lstStyle/>
-          <a:p>
-            <a:pPr/>
-            <a:r>
-              <a:t>Special files</a:t>
-            </a:r>
-          </a:p>
-        </p:txBody>
-      </p:sp>
-      <p:sp>
-        <p:nvSpPr>
-          <p:cNvPr id="151" name="Shape 151"/>
-          <p:cNvSpPr/>
-          <p:nvPr>
-            <p:ph type="body" idx="1"/>
-          </p:nvPr>
-        </p:nvSpPr>
-        <p:spPr>
-          <a:xfrm>
-            <a:off x="457198" y="1069600"/>
-            <a:ext cx="8229601" cy="4876799"/>
-          </a:xfrm>
-          <a:prstGeom prst="rect">
-            <a:avLst/>
-          </a:prstGeom>
-        </p:spPr>
-        <p:txBody>
-          <a:bodyPr lIns="45699" tIns="45699" rIns="45699" bIns="45699">
-            <a:normAutofit fontScale="100000" lnSpcReduction="0"/>
-          </a:bodyPr>
-          <a:lstStyle/>
-          <a:p>
-            <a:pPr>
-              <a:lnSpc>
-                <a:spcPct val="80000"/>
-              </a:lnSpc>
-              <a:spcBef>
-                <a:spcPts val="400"/>
-              </a:spcBef>
-              <a:buSzPct val="60416"/>
-            </a:pPr>
-            <a:r>
-              <a:rPr sz="2400"/>
-              <a:t>“most unusual feature”</a:t>
-            </a:r>
-            <a:endParaRPr sz="2400"/>
-          </a:p>
-          <a:p>
-            <a:pPr indent="120650">
-              <a:buSzTx/>
-              <a:buNone/>
-            </a:pPr>
-            <a:endParaRPr sz="1800"/>
-          </a:p>
-          <a:p>
-            <a:pPr>
-              <a:lnSpc>
-                <a:spcPct val="80000"/>
-              </a:lnSpc>
-              <a:spcBef>
-                <a:spcPts val="400"/>
-              </a:spcBef>
-              <a:buSzPct val="60416"/>
-            </a:pPr>
-            <a:r>
-              <a:rPr sz="2400"/>
-              <a:t>Located in /dev</a:t>
-            </a:r>
-            <a:endParaRPr sz="2400"/>
-          </a:p>
-          <a:p>
-            <a:pPr indent="120650">
-              <a:buSzTx/>
-              <a:buNone/>
-            </a:pPr>
-            <a:endParaRPr sz="1800"/>
-          </a:p>
-          <a:p>
-            <a:pPr>
-              <a:lnSpc>
-                <a:spcPct val="80000"/>
-              </a:lnSpc>
-              <a:spcBef>
-                <a:spcPts val="400"/>
-              </a:spcBef>
-              <a:buSzPct val="60416"/>
-            </a:pPr>
-            <a:r>
-              <a:rPr sz="2400"/>
-              <a:t>Just like ordinary files.</a:t>
-            </a:r>
-            <a:endParaRPr sz="2400"/>
-          </a:p>
-          <a:p>
-            <a:pPr indent="120650">
-              <a:buSzTx/>
-              <a:buNone/>
-            </a:pPr>
-            <a:endParaRPr sz="1800"/>
-          </a:p>
-          <a:p>
-            <a:pPr>
-              <a:lnSpc>
-                <a:spcPct val="80000"/>
-              </a:lnSpc>
-              <a:spcBef>
-                <a:spcPts val="400"/>
-              </a:spcBef>
-              <a:buSzPct val="60416"/>
-            </a:pPr>
-            <a:r>
-              <a:rPr sz="2400"/>
-              <a:t>But read/write requests result in activation of the associated device.</a:t>
-            </a:r>
-            <a:endParaRPr sz="2400"/>
-          </a:p>
-          <a:p>
-            <a:pPr indent="120650">
-              <a:buSzTx/>
-              <a:buNone/>
-            </a:pPr>
-            <a:endParaRPr sz="2400"/>
-          </a:p>
-          <a:p>
-            <a:pPr>
-              <a:lnSpc>
-                <a:spcPct val="80000"/>
-              </a:lnSpc>
-              <a:spcBef>
-                <a:spcPts val="400"/>
-              </a:spcBef>
-              <a:buSzPct val="60416"/>
-            </a:pPr>
-            <a:r>
-              <a:rPr sz="2400"/>
-              <a:t>Advantages of treating I/O devices as files:</a:t>
-            </a:r>
-            <a:endParaRPr sz="2400"/>
-          </a:p>
-          <a:p>
-            <a:pPr lvl="1" marL="661307" indent="-204107">
-              <a:lnSpc>
-                <a:spcPct val="80000"/>
-              </a:lnSpc>
-              <a:spcBef>
-                <a:spcPts val="400"/>
-              </a:spcBef>
-              <a:buSzPct val="60000"/>
-              <a:defRPr sz="2800"/>
-            </a:pPr>
-            <a:r>
-              <a:rPr sz="2000"/>
-              <a:t>File and device I/O are similar</a:t>
-            </a:r>
-          </a:p>
-          <a:p>
-            <a:pPr lvl="1" marL="661307" indent="-204107">
-              <a:lnSpc>
-                <a:spcPct val="80000"/>
-              </a:lnSpc>
-              <a:spcBef>
-                <a:spcPts val="400"/>
-              </a:spcBef>
-              <a:buSzPct val="60000"/>
-              <a:defRPr sz="2800"/>
-            </a:pPr>
-            <a:r>
-              <a:rPr sz="2000"/>
-              <a:t>File and device names have same syntax and meaning. </a:t>
-            </a:r>
-          </a:p>
-          <a:p>
-            <a:pPr lvl="2" marL="1085850" indent="-171450">
-              <a:lnSpc>
-                <a:spcPct val="80000"/>
-              </a:lnSpc>
-              <a:spcBef>
-                <a:spcPts val="300"/>
-              </a:spcBef>
-              <a:buSzPct val="61110"/>
-              <a:defRPr sz="2400"/>
-            </a:pPr>
-            <a:r>
-              <a:rPr sz="1800"/>
-              <a:t>Programs that operate on files can also operate on devices.</a:t>
-            </a:r>
-          </a:p>
-          <a:p>
-            <a:pPr lvl="1" marL="661307" indent="-204107">
-              <a:lnSpc>
-                <a:spcPct val="80000"/>
-              </a:lnSpc>
-              <a:spcBef>
-                <a:spcPts val="400"/>
-              </a:spcBef>
-              <a:buSzPct val="60000"/>
-              <a:defRPr sz="2800"/>
-            </a:pPr>
-            <a:r>
-              <a:rPr sz="2000"/>
-              <a:t>Same protection mechanisms as regular files</a:t>
-            </a:r>
-          </a:p>
-        </p:txBody>
-      </p:sp>
-    </p:spTree>
-  </p:cSld>
-  <p:clrMapOvr>
-    <a:masterClrMapping/>
-  </p:clrMapOvr>
-  <p:transition xmlns:p14="http://schemas.microsoft.com/office/powerpoint/2010/main" spd="med" advClick="1"/>
-</p:sld>
-</file>
-
-<file path=ppt/slides/slide21.xml><?xml version="1.0" encoding="utf-8"?>
-<p:sld xmlns:a="http://schemas.openxmlformats.org/drawingml/2006/main" xmlns:r="http://schemas.openxmlformats.org/officeDocument/2006/relationships" xmlns:p="http://schemas.openxmlformats.org/presentationml/2006/main" showMasterSp="1" showMasterPhAnim="1">
-  <p:cSld>
-    <p:spTree>
-      <p:nvGrpSpPr>
-        <p:cNvPr id="1" name=""/>
-        <p:cNvGrpSpPr/>
-        <p:nvPr/>
-      </p:nvGrpSpPr>
-      <p:grpSpPr>
-        <a:xfrm>
-          <a:off x="0" y="0"/>
-          <a:ext cx="0" cy="0"/>
-          <a:chOff x="0" y="0"/>
-          <a:chExt cx="0" cy="0"/>
-        </a:xfrm>
-      </p:grpSpPr>
-      <p:sp>
-        <p:nvSpPr>
-          <p:cNvPr id="153" name="Shape 153"/>
-          <p:cNvSpPr/>
-          <p:nvPr>
-            <p:ph type="title"/>
-          </p:nvPr>
-        </p:nvSpPr>
-        <p:spPr>
-          <a:prstGeom prst="rect">
-            <a:avLst/>
-          </a:prstGeom>
-        </p:spPr>
-        <p:txBody>
-          <a:bodyPr lIns="45699" tIns="45699" rIns="45699" bIns="45699">
-            <a:normAutofit fontScale="100000" lnSpcReduction="0"/>
-          </a:bodyPr>
-          <a:lstStyle/>
-          <a:p>
-            <a:pPr/>
-            <a:r>
-              <a:t>Removable file system</a:t>
-            </a:r>
-          </a:p>
-        </p:txBody>
-      </p:sp>
-      <p:sp>
-        <p:nvSpPr>
-          <p:cNvPr id="154" name="Shape 154"/>
-          <p:cNvSpPr/>
-          <p:nvPr>
-            <p:ph type="body" idx="1"/>
-          </p:nvPr>
-        </p:nvSpPr>
-        <p:spPr>
-          <a:xfrm>
-            <a:off x="457200" y="1600200"/>
-            <a:ext cx="8229600" cy="4525961"/>
-          </a:xfrm>
-          <a:prstGeom prst="rect">
-            <a:avLst/>
-          </a:prstGeom>
-        </p:spPr>
-        <p:txBody>
-          <a:bodyPr lIns="45699" tIns="45699" rIns="45699" bIns="45699">
-            <a:normAutofit fontScale="100000" lnSpcReduction="0"/>
-          </a:bodyPr>
-          <a:lstStyle/>
-          <a:p>
-            <a:pPr>
-              <a:lnSpc>
-                <a:spcPct val="90000"/>
-              </a:lnSpc>
-              <a:buSzPct val="59375"/>
-            </a:pPr>
-            <a:r>
-              <a:t>Different parts of filesystem can be on different devices</a:t>
-            </a:r>
-          </a:p>
-          <a:p>
-            <a:pPr indent="120650">
-              <a:buSzTx/>
-              <a:buNone/>
-            </a:pPr>
-          </a:p>
-          <a:p>
-            <a:pPr>
-              <a:lnSpc>
-                <a:spcPct val="90000"/>
-              </a:lnSpc>
-              <a:buSzPct val="59375"/>
-            </a:pPr>
-            <a:r>
-              <a:rPr i="1"/>
-              <a:t>mount </a:t>
-            </a:r>
-            <a:endParaRPr i="1"/>
-          </a:p>
-          <a:p>
-            <a:pPr lvl="1" marL="742950" indent="-285750">
-              <a:lnSpc>
-                <a:spcPct val="90000"/>
-              </a:lnSpc>
-              <a:spcBef>
-                <a:spcPts val="500"/>
-              </a:spcBef>
-              <a:buSzPct val="60714"/>
-              <a:defRPr sz="2800"/>
-            </a:pPr>
-            <a:r>
-              <a:t>Allows a storage device to be referenced as a subtree of existing rooted filesystem.</a:t>
-            </a:r>
-          </a:p>
-          <a:p>
-            <a:pPr indent="120650">
-              <a:buSzTx/>
-              <a:buNone/>
-            </a:pPr>
-            <a:endParaRPr sz="2800"/>
-          </a:p>
-          <a:p>
-            <a:pPr>
-              <a:lnSpc>
-                <a:spcPct val="90000"/>
-              </a:lnSpc>
-              <a:buSzPct val="59375"/>
-            </a:pPr>
-            <a:r>
-              <a:t>Hard links across mounted file systems disallowed. Why?</a:t>
-            </a:r>
-          </a:p>
-        </p:txBody>
-      </p:sp>
-    </p:spTree>
-  </p:cSld>
-  <p:clrMapOvr>
-    <a:masterClrMapping/>
-  </p:clrMapOvr>
-  <p:transition xmlns:p14="http://schemas.microsoft.com/office/powerpoint/2010/main" spd="med" advClick="1"/>
-</p:sld>
-</file>
-
-<file path=ppt/slides/slide22.xml><?xml version="1.0" encoding="utf-8"?>
-<p:sld xmlns:a="http://schemas.openxmlformats.org/drawingml/2006/main" xmlns:r="http://schemas.openxmlformats.org/officeDocument/2006/relationships" xmlns:p="http://schemas.openxmlformats.org/presentationml/2006/main" showMasterSp="1" showMasterPhAnim="1">
+<p:sld xmlns:a="http://schemas.openxmlformats.org/drawingml/2006/main" xmlns:r="http://schemas.openxmlformats.org/officeDocument/2006/relationships" xmlns:p="http://schemas.openxmlformats.org/presentationml/2006/main">
   <p:cSld>
     <p:spTree>
       <p:nvGrpSpPr>
@@ -5669,7 +5801,9 @@
       <p:sp>
         <p:nvSpPr>
           <p:cNvPr id="156" name="Shape 156"/>
-          <p:cNvSpPr/>
+          <p:cNvSpPr>
+            <a:spLocks noGrp="1"/>
+          </p:cNvSpPr>
           <p:nvPr>
             <p:ph type="title"/>
           </p:nvPr>
@@ -5681,11 +5815,10 @@
         </p:spPr>
         <p:txBody>
           <a:bodyPr lIns="45699" tIns="45699" rIns="45699" bIns="45699">
-            <a:normAutofit fontScale="100000" lnSpcReduction="0"/>
+            <a:normAutofit/>
           </a:bodyPr>
           <a:lstStyle/>
           <a:p>
-            <a:pPr/>
             <a:r>
               <a:t>Protection</a:t>
             </a:r>
@@ -5695,7 +5828,9 @@
       <p:sp>
         <p:nvSpPr>
           <p:cNvPr id="157" name="Shape 157"/>
-          <p:cNvSpPr/>
+          <p:cNvSpPr>
+            <a:spLocks noGrp="1"/>
+          </p:cNvSpPr>
           <p:nvPr>
             <p:ph type="body" idx="1"/>
           </p:nvPr>
@@ -5711,7 +5846,7 @@
         </p:spPr>
         <p:txBody>
           <a:bodyPr lIns="45699" tIns="45699" rIns="45699" bIns="45699">
-            <a:normAutofit fontScale="100000" lnSpcReduction="0"/>
+            <a:normAutofit/>
           </a:bodyPr>
           <a:lstStyle/>
           <a:p>
@@ -5729,7 +5864,6 @@
               <a:rPr sz="2464"/>
               <a:t>Each user has a userid</a:t>
             </a:r>
-            <a:endParaRPr sz="2464"/>
           </a:p>
           <a:p>
             <a:pPr defTabSz="804672">
@@ -5760,7 +5894,6 @@
               <a:rPr sz="2464"/>
               <a:t>Files marked as owned with userid of the creator</a:t>
             </a:r>
-            <a:endParaRPr sz="2464"/>
           </a:p>
           <a:p>
             <a:pPr defTabSz="804672">
@@ -5791,10 +5924,9 @@
               <a:rPr sz="2464"/>
               <a:t>Seven protection bits</a:t>
             </a:r>
-            <a:endParaRPr sz="2464"/>
-          </a:p>
-          <a:p>
-            <a:pPr lvl="1" marL="617873" indent="-215537" defTabSz="804672">
+          </a:p>
+          <a:p>
+            <a:pPr marL="617873" lvl="1" indent="-215537" defTabSz="804672">
               <a:lnSpc>
                 <a:spcPct val="90000"/>
               </a:lnSpc>
@@ -5810,7 +5942,7 @@
             </a:r>
           </a:p>
           <a:p>
-            <a:pPr lvl="1" marL="617873" indent="-215537" defTabSz="804672">
+            <a:pPr marL="617873" lvl="1" indent="-215537" defTabSz="804672">
               <a:lnSpc>
                 <a:spcPct val="90000"/>
               </a:lnSpc>
@@ -5825,7 +5957,7 @@
               <a:t>7</a:t>
             </a:r>
             <a:r>
-              <a:rPr baseline="29727" sz="2112"/>
+              <a:rPr sz="2112" baseline="29727"/>
               <a:t>th</a:t>
             </a:r>
             <a:r>
@@ -5834,7 +5966,7 @@
             </a:r>
           </a:p>
           <a:p>
-            <a:pPr lvl="2" marL="972311" indent="-167639" defTabSz="804672">
+            <a:pPr marL="972311" lvl="2" indent="-167639" defTabSz="804672">
               <a:lnSpc>
                 <a:spcPct val="90000"/>
               </a:lnSpc>
@@ -5850,7 +5982,7 @@
             </a:r>
           </a:p>
           <a:p>
-            <a:pPr lvl="2" marL="972311" indent="-167639" defTabSz="804672">
+            <a:pPr marL="972311" lvl="2" indent="-167639" defTabSz="804672">
               <a:lnSpc>
                 <a:spcPct val="90000"/>
               </a:lnSpc>
@@ -5866,7 +5998,7 @@
             </a:r>
           </a:p>
           <a:p>
-            <a:pPr lvl="2" marL="972311" indent="-167639" defTabSz="804672">
+            <a:pPr marL="972311" lvl="2" indent="-167639" defTabSz="804672">
               <a:lnSpc>
                 <a:spcPct val="90000"/>
               </a:lnSpc>
@@ -5888,12 +6020,12 @@
   <p:clrMapOvr>
     <a:masterClrMapping/>
   </p:clrMapOvr>
-  <p:transition xmlns:p14="http://schemas.microsoft.com/office/powerpoint/2010/main" spd="med" advClick="1"/>
+  <p:transition spd="med"/>
 </p:sld>
 </file>
 
-<file path=ppt/slides/slide23.xml><?xml version="1.0" encoding="utf-8"?>
-<p:sld xmlns:a="http://schemas.openxmlformats.org/drawingml/2006/main" xmlns:r="http://schemas.openxmlformats.org/officeDocument/2006/relationships" xmlns:p="http://schemas.openxmlformats.org/presentationml/2006/main" showMasterSp="1" showMasterPhAnim="1">
+<file path=ppt/slides/slide21.xml><?xml version="1.0" encoding="utf-8"?>
+<p:sld xmlns:a="http://schemas.openxmlformats.org/drawingml/2006/main" xmlns:r="http://schemas.openxmlformats.org/officeDocument/2006/relationships" xmlns:p="http://schemas.openxmlformats.org/presentationml/2006/main">
   <p:cSld>
     <p:spTree>
       <p:nvGrpSpPr>
@@ -5912,7 +6044,9 @@
       <p:sp>
         <p:nvSpPr>
           <p:cNvPr id="159" name="Shape 159"/>
-          <p:cNvSpPr/>
+          <p:cNvSpPr>
+            <a:spLocks noGrp="1"/>
+          </p:cNvSpPr>
           <p:nvPr>
             <p:ph type="title"/>
           </p:nvPr>
@@ -5924,11 +6058,10 @@
         </p:spPr>
         <p:txBody>
           <a:bodyPr lIns="45699" tIns="45699" rIns="45699" bIns="45699">
-            <a:normAutofit fontScale="100000" lnSpcReduction="0"/>
+            <a:normAutofit/>
           </a:bodyPr>
           <a:lstStyle/>
           <a:p>
-            <a:pPr/>
             <a:r>
               <a:t>I/O calls</a:t>
             </a:r>
@@ -5938,7 +6071,9 @@
       <p:sp>
         <p:nvSpPr>
           <p:cNvPr id="160" name="Shape 160"/>
-          <p:cNvSpPr/>
+          <p:cNvSpPr>
+            <a:spLocks noGrp="1"/>
+          </p:cNvSpPr>
           <p:nvPr>
             <p:ph type="body" idx="1"/>
           </p:nvPr>
@@ -5954,7 +6089,7 @@
         </p:spPr>
         <p:txBody>
           <a:bodyPr lIns="45699" tIns="45699" rIns="45699" bIns="45699">
-            <a:normAutofit fontScale="100000" lnSpcReduction="0"/>
+            <a:normAutofit/>
           </a:bodyPr>
           <a:lstStyle/>
           <a:p>
@@ -5972,14 +6107,13 @@
               <a:t>filep = </a:t>
             </a:r>
             <a:r>
-              <a:rPr i="1" sz="1800"/>
+              <a:rPr sz="1800" i="1"/>
               <a:t>open </a:t>
             </a:r>
             <a:r>
               <a:rPr sz="1800"/>
               <a:t>(name, flag)</a:t>
             </a:r>
-            <a:endParaRPr sz="1800"/>
           </a:p>
           <a:p>
             <a:pPr>
@@ -5992,17 +6126,16 @@
               <a:buSzPct val="61110"/>
             </a:pPr>
             <a:r>
-              <a:rPr i="1" sz="1800"/>
+              <a:rPr sz="1800" i="1"/>
               <a:t>Create </a:t>
             </a:r>
             <a:r>
               <a:rPr sz="1800"/>
               <a:t>system call creates and opens a new file. Truncates to zero if file exists.</a:t>
             </a:r>
-            <a:endParaRPr sz="1800"/>
-          </a:p>
-          <a:p>
-            <a:pPr lvl="1" marL="457200" indent="0">
+          </a:p>
+          <a:p>
+            <a:pPr marL="457200" lvl="1" indent="0">
               <a:lnSpc>
                 <a:spcPct val="80000"/>
               </a:lnSpc>
@@ -6012,17 +6145,16 @@
               <a:buSzPct val="61110"/>
             </a:pPr>
             <a:r>
-              <a:rPr i="1" sz="1800"/>
+              <a:rPr sz="1800" i="1"/>
               <a:t>filep </a:t>
             </a:r>
             <a:r>
               <a:rPr sz="1800"/>
               <a:t> is a file descriptor</a:t>
             </a:r>
-            <a:endParaRPr sz="1800"/>
-          </a:p>
-          <a:p>
-            <a:pPr lvl="2" marL="1169760" indent="-163285">
+          </a:p>
+          <a:p>
+            <a:pPr marL="1169760" lvl="2" indent="-163285">
               <a:lnSpc>
                 <a:spcPct val="80000"/>
               </a:lnSpc>
@@ -6058,10 +6190,9 @@
               <a:rPr sz="1800"/>
               <a:t>No locking provided by OS for multi-user access</a:t>
             </a:r>
-            <a:endParaRPr sz="1800"/>
-          </a:p>
-          <a:p>
-            <a:pPr lvl="1" marL="620485" indent="-163285">
+          </a:p>
+          <a:p>
+            <a:pPr marL="620485" lvl="1" indent="-163285">
               <a:lnSpc>
                 <a:spcPct val="80000"/>
               </a:lnSpc>
@@ -6077,7 +6208,7 @@
             </a:r>
           </a:p>
           <a:p>
-            <a:pPr lvl="1" marL="620485" indent="-163285">
+            <a:pPr marL="620485" lvl="1" indent="-163285">
               <a:lnSpc>
                 <a:spcPct val="80000"/>
               </a:lnSpc>
@@ -6093,7 +6224,7 @@
             </a:r>
           </a:p>
           <a:p>
-            <a:pPr lvl="1" marL="620485" indent="-163285">
+            <a:pPr marL="620485" lvl="1" indent="-163285">
               <a:lnSpc>
                 <a:spcPct val="80000"/>
               </a:lnSpc>
@@ -6130,17 +6261,16 @@
               <a:t>n = </a:t>
             </a:r>
             <a:r>
-              <a:rPr i="1" sz="1800"/>
+              <a:rPr sz="1800" i="1"/>
               <a:t>read</a:t>
             </a:r>
             <a:r>
               <a:rPr sz="1800"/>
               <a:t>(filep, buffer, count)</a:t>
             </a:r>
-            <a:endParaRPr sz="1800"/>
-          </a:p>
-          <a:p>
-            <a:pPr lvl="1" marL="457200" indent="0">
+          </a:p>
+          <a:p>
+            <a:pPr marL="457200" lvl="1" indent="0">
               <a:lnSpc>
                 <a:spcPct val="80000"/>
               </a:lnSpc>
@@ -6153,7 +6283,6 @@
               <a:rPr sz="1800"/>
               <a:t>Read returns 0 when end of file (EOF) reached</a:t>
             </a:r>
-            <a:endParaRPr sz="1800"/>
           </a:p>
           <a:p>
             <a:pPr>
@@ -6170,17 +6299,16 @@
               <a:t>n = </a:t>
             </a:r>
             <a:r>
-              <a:rPr i="1" sz="1800"/>
+              <a:rPr sz="1800" i="1"/>
               <a:t>write</a:t>
             </a:r>
             <a:r>
               <a:rPr sz="1800"/>
               <a:t>(filep, buffer, count)</a:t>
             </a:r>
-            <a:endParaRPr sz="1800"/>
-          </a:p>
-          <a:p>
-            <a:pPr lvl="1" marL="457200" indent="0">
+          </a:p>
+          <a:p>
+            <a:pPr marL="457200" lvl="1" indent="0">
               <a:lnSpc>
                 <a:spcPct val="80000"/>
               </a:lnSpc>
@@ -6193,7 +6321,6 @@
               <a:rPr sz="1800"/>
               <a:t>Write beyond end of file grows the file automatically</a:t>
             </a:r>
-            <a:endParaRPr sz="1800"/>
           </a:p>
           <a:p>
             <a:pPr indent="120650">
@@ -6217,17 +6344,16 @@
               <a:t>location = </a:t>
             </a:r>
             <a:r>
-              <a:rPr i="1" sz="1800"/>
+              <a:rPr sz="1800" i="1"/>
               <a:t>seek</a:t>
             </a:r>
             <a:r>
               <a:rPr sz="1800"/>
               <a:t>(filep, base, offset)</a:t>
             </a:r>
-            <a:endParaRPr sz="1800"/>
-          </a:p>
-          <a:p>
-            <a:pPr lvl="1" marL="620485" indent="-163285">
+          </a:p>
+          <a:p>
+            <a:pPr marL="620485" lvl="1" indent="-163285">
               <a:lnSpc>
                 <a:spcPct val="80000"/>
               </a:lnSpc>
@@ -6249,12 +6375,12 @@
   <p:clrMapOvr>
     <a:masterClrMapping/>
   </p:clrMapOvr>
-  <p:transition xmlns:p14="http://schemas.microsoft.com/office/powerpoint/2010/main" spd="med" advClick="1"/>
+  <p:transition spd="med"/>
 </p:sld>
 </file>
 
-<file path=ppt/slides/slide24.xml><?xml version="1.0" encoding="utf-8"?>
-<p:sld xmlns:a="http://schemas.openxmlformats.org/drawingml/2006/main" xmlns:r="http://schemas.openxmlformats.org/officeDocument/2006/relationships" xmlns:p="http://schemas.openxmlformats.org/presentationml/2006/main" showMasterSp="1" showMasterPhAnim="1">
+<file path=ppt/slides/slide22.xml><?xml version="1.0" encoding="utf-8"?>
+<p:sld xmlns:a="http://schemas.openxmlformats.org/drawingml/2006/main" xmlns:r="http://schemas.openxmlformats.org/officeDocument/2006/relationships" xmlns:p="http://schemas.openxmlformats.org/presentationml/2006/main">
   <p:cSld>
     <p:spTree>
       <p:nvGrpSpPr>
@@ -6273,7 +6399,9 @@
       <p:sp>
         <p:nvSpPr>
           <p:cNvPr id="162" name="Shape 162"/>
-          <p:cNvSpPr/>
+          <p:cNvSpPr>
+            <a:spLocks noGrp="1"/>
+          </p:cNvSpPr>
           <p:nvPr>
             <p:ph type="title"/>
           </p:nvPr>
@@ -6285,11 +6413,10 @@
         </p:spPr>
         <p:txBody>
           <a:bodyPr lIns="45699" tIns="45699" rIns="45699" bIns="45699">
-            <a:normAutofit fontScale="100000" lnSpcReduction="0"/>
+            <a:normAutofit/>
           </a:bodyPr>
           <a:lstStyle/>
           <a:p>
-            <a:pPr/>
             <a:r>
               <a:t>Processes and images</a:t>
             </a:r>
@@ -6299,7 +6426,9 @@
       <p:sp>
         <p:nvSpPr>
           <p:cNvPr id="163" name="Shape 163"/>
-          <p:cNvSpPr/>
+          <p:cNvSpPr>
+            <a:spLocks noGrp="1"/>
+          </p:cNvSpPr>
           <p:nvPr>
             <p:ph type="body" idx="1"/>
           </p:nvPr>
@@ -6315,7 +6444,7 @@
         </p:spPr>
         <p:txBody>
           <a:bodyPr lIns="45699" tIns="45699" rIns="45699" bIns="45699">
-            <a:normAutofit fontScale="100000" lnSpcReduction="0"/>
+            <a:normAutofit/>
           </a:bodyPr>
           <a:lstStyle/>
           <a:p>
@@ -6365,12 +6494,12 @@
   <p:clrMapOvr>
     <a:masterClrMapping/>
   </p:clrMapOvr>
-  <p:transition xmlns:p14="http://schemas.microsoft.com/office/powerpoint/2010/main" spd="med" advClick="1"/>
+  <p:transition spd="med"/>
 </p:sld>
 </file>
 
-<file path=ppt/slides/slide25.xml><?xml version="1.0" encoding="utf-8"?>
-<p:sld xmlns:a="http://schemas.openxmlformats.org/drawingml/2006/main" xmlns:r="http://schemas.openxmlformats.org/officeDocument/2006/relationships" xmlns:p="http://schemas.openxmlformats.org/presentationml/2006/main" showMasterSp="1" showMasterPhAnim="1">
+<file path=ppt/slides/slide23.xml><?xml version="1.0" encoding="utf-8"?>
+<p:sld xmlns:a="http://schemas.openxmlformats.org/drawingml/2006/main" xmlns:r="http://schemas.openxmlformats.org/officeDocument/2006/relationships" xmlns:p="http://schemas.openxmlformats.org/presentationml/2006/main">
   <p:cSld>
     <p:spTree>
       <p:nvGrpSpPr>
@@ -6389,7 +6518,9 @@
       <p:sp>
         <p:nvSpPr>
           <p:cNvPr id="165" name="Shape 165"/>
-          <p:cNvSpPr/>
+          <p:cNvSpPr>
+            <a:spLocks noGrp="1"/>
+          </p:cNvSpPr>
           <p:nvPr>
             <p:ph type="title"/>
           </p:nvPr>
@@ -6401,11 +6532,10 @@
         </p:spPr>
         <p:txBody>
           <a:bodyPr lIns="45699" tIns="45699" rIns="45699" bIns="45699">
-            <a:normAutofit fontScale="100000" lnSpcReduction="0"/>
+            <a:normAutofit/>
           </a:bodyPr>
           <a:lstStyle/>
           <a:p>
-            <a:pPr/>
             <a:r>
               <a:t>Shell</a:t>
             </a:r>
@@ -6415,7 +6545,9 @@
       <p:sp>
         <p:nvSpPr>
           <p:cNvPr id="166" name="Shape 166"/>
-          <p:cNvSpPr/>
+          <p:cNvSpPr>
+            <a:spLocks noGrp="1"/>
+          </p:cNvSpPr>
           <p:nvPr>
             <p:ph type="body" idx="1"/>
           </p:nvPr>
@@ -6431,7 +6563,7 @@
         </p:spPr>
         <p:txBody>
           <a:bodyPr lIns="45699" tIns="45699" rIns="45699" bIns="45699">
-            <a:normAutofit fontScale="100000" lnSpcReduction="0"/>
+            <a:normAutofit/>
           </a:bodyPr>
           <a:lstStyle/>
           <a:p>
@@ -6448,10 +6580,9 @@
               <a:rPr sz="2800"/>
               <a:t>Triggered upon login by the init process</a:t>
             </a:r>
-            <a:endParaRPr sz="2800"/>
-          </a:p>
-          <a:p>
-            <a:pPr lvl="1" marL="702128" indent="-244928">
+          </a:p>
+          <a:p>
+            <a:pPr marL="702128" lvl="1" indent="-244928">
               <a:lnSpc>
                 <a:spcPct val="80000"/>
               </a:lnSpc>
@@ -6480,7 +6611,6 @@
               <a:rPr sz="2800"/>
               <a:t>command arg1 arg2 • • - argn</a:t>
             </a:r>
-            <a:endParaRPr sz="2800"/>
           </a:p>
           <a:p>
             <a:pPr>
@@ -6496,7 +6626,6 @@
               <a:rPr sz="2800"/>
               <a:t>ls &gt; there</a:t>
             </a:r>
-            <a:endParaRPr sz="2800"/>
           </a:p>
           <a:p>
             <a:pPr>
@@ -6512,7 +6641,6 @@
               <a:rPr sz="2800"/>
               <a:t>ed &lt; script</a:t>
             </a:r>
-            <a:endParaRPr sz="2800"/>
           </a:p>
           <a:p>
             <a:pPr>
@@ -6528,7 +6656,6 @@
               <a:rPr sz="2800"/>
               <a:t>Filters: ls | grep foo | wc -l</a:t>
             </a:r>
-            <a:endParaRPr sz="2800"/>
           </a:p>
           <a:p>
             <a:pPr>
@@ -6544,10 +6671,9 @@
               <a:rPr sz="2800"/>
               <a:t>Multitasking</a:t>
             </a:r>
-            <a:endParaRPr sz="2800"/>
-          </a:p>
-          <a:p>
-            <a:pPr lvl="1" marL="702128" indent="-244928">
+          </a:p>
+          <a:p>
+            <a:pPr marL="702128" lvl="1" indent="-244928">
               <a:lnSpc>
                 <a:spcPct val="80000"/>
               </a:lnSpc>
@@ -6563,7 +6689,7 @@
             </a:r>
           </a:p>
           <a:p>
-            <a:pPr lvl="1" marL="702128" indent="-244928">
+            <a:pPr marL="702128" lvl="1" indent="-244928">
               <a:lnSpc>
                 <a:spcPct val="80000"/>
               </a:lnSpc>
@@ -6579,7 +6705,7 @@
             </a:r>
           </a:p>
           <a:p>
-            <a:pPr lvl="1" marL="702128" indent="-244928">
+            <a:pPr marL="702128" lvl="1" indent="-244928">
               <a:lnSpc>
                 <a:spcPct val="80000"/>
               </a:lnSpc>
@@ -6595,7 +6721,7 @@
             </a:r>
           </a:p>
           <a:p>
-            <a:pPr lvl="1" marL="702128" indent="-244928">
+            <a:pPr marL="702128" lvl="1" indent="-244928">
               <a:lnSpc>
                 <a:spcPct val="80000"/>
               </a:lnSpc>
@@ -6617,12 +6743,12 @@
   <p:clrMapOvr>
     <a:masterClrMapping/>
   </p:clrMapOvr>
-  <p:transition xmlns:p14="http://schemas.microsoft.com/office/powerpoint/2010/main" spd="med" advClick="1"/>
+  <p:transition spd="med"/>
 </p:sld>
 </file>
 
-<file path=ppt/slides/slide26.xml><?xml version="1.0" encoding="utf-8"?>
-<p:sld xmlns:a="http://schemas.openxmlformats.org/drawingml/2006/main" xmlns:r="http://schemas.openxmlformats.org/officeDocument/2006/relationships" xmlns:p="http://schemas.openxmlformats.org/presentationml/2006/main" showMasterSp="1" showMasterPhAnim="1">
+<file path=ppt/slides/slide24.xml><?xml version="1.0" encoding="utf-8"?>
+<p:sld xmlns:a="http://schemas.openxmlformats.org/drawingml/2006/main" xmlns:r="http://schemas.openxmlformats.org/officeDocument/2006/relationships" xmlns:p="http://schemas.openxmlformats.org/presentationml/2006/main">
   <p:cSld>
     <p:spTree>
       <p:nvGrpSpPr>
@@ -6641,7 +6767,9 @@
       <p:sp>
         <p:nvSpPr>
           <p:cNvPr id="168" name="Shape 168"/>
-          <p:cNvSpPr/>
+          <p:cNvSpPr>
+            <a:spLocks noGrp="1"/>
+          </p:cNvSpPr>
           <p:nvPr>
             <p:ph type="title"/>
           </p:nvPr>
@@ -6653,11 +6781,10 @@
         </p:spPr>
         <p:txBody>
           <a:bodyPr lIns="45699" tIns="45699" rIns="45699" bIns="45699">
-            <a:normAutofit fontScale="100000" lnSpcReduction="0"/>
+            <a:normAutofit/>
           </a:bodyPr>
           <a:lstStyle/>
           <a:p>
-            <a:pPr/>
             <a:r>
               <a:t>read/write buffering</a:t>
             </a:r>
@@ -6667,7 +6794,9 @@
       <p:sp>
         <p:nvSpPr>
           <p:cNvPr id="169" name="Shape 169"/>
-          <p:cNvSpPr/>
+          <p:cNvSpPr>
+            <a:spLocks noGrp="1"/>
+          </p:cNvSpPr>
           <p:nvPr>
             <p:ph type="body" idx="1"/>
           </p:nvPr>
@@ -6683,7 +6812,7 @@
         </p:spPr>
         <p:txBody>
           <a:bodyPr lIns="45699" tIns="45699" rIns="45699" bIns="45699">
-            <a:normAutofit fontScale="100000" lnSpcReduction="0"/>
+            <a:normAutofit/>
           </a:bodyPr>
           <a:lstStyle/>
           <a:p>
@@ -6691,6 +6820,7 @@
               <a:buSzTx/>
               <a:buNone/>
             </a:pPr>
+            <a:endParaRPr/>
           </a:p>
           <a:p>
             <a:pPr>
@@ -6705,6 +6835,7 @@
               <a:buSzTx/>
               <a:buNone/>
             </a:pPr>
+            <a:endParaRPr/>
           </a:p>
           <a:p>
             <a:pPr>
@@ -6719,6 +6850,7 @@
               <a:buSzTx/>
               <a:buNone/>
             </a:pPr>
+            <a:endParaRPr/>
           </a:p>
           <a:p>
             <a:pPr>
@@ -6735,12 +6867,12 @@
   <p:clrMapOvr>
     <a:masterClrMapping/>
   </p:clrMapOvr>
-  <p:transition xmlns:p14="http://schemas.microsoft.com/office/powerpoint/2010/main" spd="med" advClick="1"/>
+  <p:transition spd="med"/>
 </p:sld>
 </file>
 
-<file path=ppt/slides/slide27.xml><?xml version="1.0" encoding="utf-8"?>
-<p:sld xmlns:a="http://schemas.openxmlformats.org/drawingml/2006/main" xmlns:r="http://schemas.openxmlformats.org/officeDocument/2006/relationships" xmlns:p="http://schemas.openxmlformats.org/presentationml/2006/main" showMasterSp="1" showMasterPhAnim="1">
+<file path=ppt/slides/slide25.xml><?xml version="1.0" encoding="utf-8"?>
+<p:sld xmlns:a="http://schemas.openxmlformats.org/drawingml/2006/main" xmlns:r="http://schemas.openxmlformats.org/officeDocument/2006/relationships" xmlns:p="http://schemas.openxmlformats.org/presentationml/2006/main">
   <p:cSld>
     <p:spTree>
       <p:nvGrpSpPr>
@@ -6759,7 +6891,9 @@
       <p:sp>
         <p:nvSpPr>
           <p:cNvPr id="171" name="Shape 171"/>
-          <p:cNvSpPr/>
+          <p:cNvSpPr>
+            <a:spLocks noGrp="1"/>
+          </p:cNvSpPr>
           <p:nvPr>
             <p:ph type="title"/>
           </p:nvPr>
@@ -6773,7 +6907,6 @@
           <a:bodyPr/>
           <a:lstStyle/>
           <a:p>
-            <a:pPr/>
             <a:r>
               <a:t>File System Cache</a:t>
             </a:r>
@@ -6783,7 +6916,9 @@
       <p:sp>
         <p:nvSpPr>
           <p:cNvPr id="172" name="Shape 172"/>
-          <p:cNvSpPr/>
+          <p:cNvSpPr>
+            <a:spLocks noGrp="1"/>
+          </p:cNvSpPr>
           <p:nvPr>
             <p:ph type="body" idx="1"/>
           </p:nvPr>
@@ -6808,6 +6943,7 @@
             <a:pPr marL="320842" indent="-320842">
               <a:defRPr sz="2600"/>
             </a:pPr>
+            <a:endParaRPr/>
           </a:p>
           <a:p>
             <a:pPr marL="320842" indent="-320842">
@@ -6821,6 +6957,7 @@
             <a:pPr marL="320842" indent="-320842">
               <a:defRPr sz="2600"/>
             </a:pPr>
+            <a:endParaRPr/>
           </a:p>
           <a:p>
             <a:pPr marL="320842" indent="-320842">
@@ -6834,6 +6971,7 @@
             <a:pPr marL="320842" indent="-320842">
               <a:defRPr sz="2600"/>
             </a:pPr>
+            <a:endParaRPr/>
           </a:p>
           <a:p>
             <a:pPr marL="320842" indent="-320842">
@@ -6847,6 +6985,7 @@
             <a:pPr marL="320842" indent="-320842">
               <a:defRPr sz="2600"/>
             </a:pPr>
+            <a:endParaRPr/>
           </a:p>
           <a:p>
             <a:pPr marL="320842" indent="-320842">
@@ -6863,12 +7002,12 @@
   <p:clrMapOvr>
     <a:masterClrMapping/>
   </p:clrMapOvr>
-  <p:transition xmlns:p14="http://schemas.microsoft.com/office/powerpoint/2010/main" spd="med" advClick="1"/>
+  <p:transition spd="med"/>
 </p:sld>
 </file>
 
-<file path=ppt/slides/slide28.xml><?xml version="1.0" encoding="utf-8"?>
-<p:sld xmlns:a="http://schemas.openxmlformats.org/drawingml/2006/main" xmlns:r="http://schemas.openxmlformats.org/officeDocument/2006/relationships" xmlns:p="http://schemas.openxmlformats.org/presentationml/2006/main" showMasterSp="1" showMasterPhAnim="1">
+<file path=ppt/slides/slide26.xml><?xml version="1.0" encoding="utf-8"?>
+<p:sld xmlns:a="http://schemas.openxmlformats.org/drawingml/2006/main" xmlns:r="http://schemas.openxmlformats.org/officeDocument/2006/relationships" xmlns:p="http://schemas.openxmlformats.org/presentationml/2006/main">
   <p:cSld>
     <p:spTree>
       <p:nvGrpSpPr>
@@ -6887,7 +7026,9 @@
       <p:sp>
         <p:nvSpPr>
           <p:cNvPr id="174" name="Shape 174"/>
-          <p:cNvSpPr/>
+          <p:cNvSpPr>
+            <a:spLocks noGrp="1"/>
+          </p:cNvSpPr>
           <p:nvPr>
             <p:ph type="title"/>
           </p:nvPr>
@@ -6901,7 +7042,6 @@
           <a:bodyPr/>
           <a:lstStyle/>
           <a:p>
-            <a:pPr/>
             <a:r>
               <a:t>Data Structure for File-System Cache</a:t>
             </a:r>
@@ -6940,7 +7080,9 @@
       <p:sp>
         <p:nvSpPr>
           <p:cNvPr id="176" name="Shape 176"/>
-          <p:cNvSpPr/>
+          <p:cNvSpPr>
+            <a:spLocks noGrp="1"/>
+          </p:cNvSpPr>
           <p:nvPr>
             <p:ph type="body" sz="half" idx="1"/>
           </p:nvPr>
@@ -7004,12 +7146,12 @@
   <p:clrMapOvr>
     <a:masterClrMapping/>
   </p:clrMapOvr>
-  <p:transition xmlns:p14="http://schemas.microsoft.com/office/powerpoint/2010/main" spd="med" advClick="1"/>
+  <p:transition spd="med"/>
 </p:sld>
 </file>
 
-<file path=ppt/slides/slide29.xml><?xml version="1.0" encoding="utf-8"?>
-<p:sld xmlns:a="http://schemas.openxmlformats.org/drawingml/2006/main" xmlns:r="http://schemas.openxmlformats.org/officeDocument/2006/relationships" xmlns:p="http://schemas.openxmlformats.org/presentationml/2006/main" showMasterSp="1" showMasterPhAnim="1">
+<file path=ppt/slides/slide27.xml><?xml version="1.0" encoding="utf-8"?>
+<p:sld xmlns:a="http://schemas.openxmlformats.org/drawingml/2006/main" xmlns:r="http://schemas.openxmlformats.org/officeDocument/2006/relationships" xmlns:p="http://schemas.openxmlformats.org/presentationml/2006/main">
   <p:cSld>
     <p:spTree>
       <p:nvGrpSpPr>
@@ -7028,7 +7170,9 @@
       <p:sp>
         <p:nvSpPr>
           <p:cNvPr id="178" name="Shape 178"/>
-          <p:cNvSpPr/>
+          <p:cNvSpPr>
+            <a:spLocks noGrp="1"/>
+          </p:cNvSpPr>
           <p:nvPr>
             <p:ph type="title"/>
           </p:nvPr>
@@ -7050,7 +7194,6 @@
             </a:lvl1pPr>
           </a:lstStyle>
           <a:p>
-            <a:pPr/>
             <a:r>
               <a:t>Virtual memory page cache and FS cache</a:t>
             </a:r>
@@ -7060,7 +7203,9 @@
       <p:sp>
         <p:nvSpPr>
           <p:cNvPr id="179" name="Shape 179"/>
-          <p:cNvSpPr/>
+          <p:cNvSpPr>
+            <a:spLocks noGrp="1"/>
+          </p:cNvSpPr>
           <p:nvPr>
             <p:ph type="body" idx="1"/>
           </p:nvPr>
@@ -7074,25 +7219,22 @@
           <a:bodyPr/>
           <a:lstStyle/>
           <a:p>
-            <a:pPr/>
             <a:r>
               <a:t>Often they are managed in a unified manner</a:t>
             </a:r>
           </a:p>
           <a:p>
-            <a:pPr/>
-          </a:p>
-          <a:p>
-            <a:pPr/>
+            <a:endParaRPr/>
+          </a:p>
+          <a:p>
             <a:r>
               <a:t>Meaning: one common page-cache is used for managing pages for both virtual memory and file system.</a:t>
             </a:r>
           </a:p>
           <a:p>
-            <a:pPr/>
-          </a:p>
-          <a:p>
-            <a:pPr/>
+            <a:endParaRPr/>
+          </a:p>
+          <a:p>
             <a:r>
               <a:t>For example, Linux maintains one common set of data structures to keep track of active and inactive (LRU) pages.</a:t>
             </a:r>
@@ -7104,12 +7246,408 @@
   <p:clrMapOvr>
     <a:masterClrMapping/>
   </p:clrMapOvr>
-  <p:transition xmlns:p14="http://schemas.microsoft.com/office/powerpoint/2010/main" spd="med" advClick="1"/>
+  <p:transition spd="med"/>
+</p:sld>
+</file>
+
+<file path=ppt/slides/slide28.xml><?xml version="1.0" encoding="utf-8"?>
+<p:sld xmlns:a="http://schemas.openxmlformats.org/drawingml/2006/main" xmlns:r="http://schemas.openxmlformats.org/officeDocument/2006/relationships" xmlns:p="http://schemas.openxmlformats.org/presentationml/2006/main">
+  <p:cSld>
+    <p:spTree>
+      <p:nvGrpSpPr>
+        <p:cNvPr id="1" name=""/>
+        <p:cNvGrpSpPr/>
+        <p:nvPr/>
+      </p:nvGrpSpPr>
+      <p:grpSpPr>
+        <a:xfrm>
+          <a:off x="0" y="0"/>
+          <a:ext cx="0" cy="0"/>
+          <a:chOff x="0" y="0"/>
+          <a:chExt cx="0" cy="0"/>
+        </a:xfrm>
+      </p:grpSpPr>
+      <p:sp>
+        <p:nvSpPr>
+          <p:cNvPr id="181" name="Shape 181"/>
+          <p:cNvSpPr>
+            <a:spLocks noGrp="1"/>
+          </p:cNvSpPr>
+          <p:nvPr>
+            <p:ph type="title"/>
+          </p:nvPr>
+        </p:nvSpPr>
+        <p:spPr>
+          <a:prstGeom prst="rect">
+            <a:avLst/>
+          </a:prstGeom>
+        </p:spPr>
+        <p:txBody>
+          <a:bodyPr/>
+          <a:lstStyle/>
+          <a:p>
+            <a:r>
+              <a:t>Log-Structured File Systems</a:t>
+            </a:r>
+          </a:p>
+        </p:txBody>
+      </p:sp>
+      <p:sp>
+        <p:nvSpPr>
+          <p:cNvPr id="182" name="Shape 182"/>
+          <p:cNvSpPr>
+            <a:spLocks noGrp="1"/>
+          </p:cNvSpPr>
+          <p:nvPr>
+            <p:ph type="body" idx="1"/>
+          </p:nvPr>
+        </p:nvSpPr>
+        <p:spPr>
+          <a:xfrm>
+            <a:off x="76200" y="876300"/>
+            <a:ext cx="8991600" cy="5815708"/>
+          </a:xfrm>
+          <a:prstGeom prst="rect">
+            <a:avLst/>
+          </a:prstGeom>
+        </p:spPr>
+        <p:txBody>
+          <a:bodyPr/>
+          <a:lstStyle/>
+          <a:p>
+            <a:pPr marL="320842" indent="-320842">
+              <a:defRPr sz="2800"/>
+            </a:pPr>
+            <a:r>
+              <a:t>With CPUs faster, memory larger</a:t>
+            </a:r>
+          </a:p>
+          <a:p>
+            <a:pPr lvl="1">
+              <a:defRPr sz="2800"/>
+            </a:pPr>
+            <a:r>
+              <a:t>disk caches are also getting larger</a:t>
+            </a:r>
+          </a:p>
+          <a:p>
+            <a:pPr lvl="1">
+              <a:defRPr sz="2800"/>
+            </a:pPr>
+            <a:r>
+              <a:t>increasing number of read requests come from file system cache</a:t>
+            </a:r>
+          </a:p>
+          <a:p>
+            <a:pPr lvl="1">
+              <a:defRPr sz="2800"/>
+            </a:pPr>
+            <a:r>
+              <a:t>Thus, most disk accesses will be writes</a:t>
+            </a:r>
+          </a:p>
+          <a:p>
+            <a:pPr lvl="1">
+              <a:defRPr sz="2800"/>
+            </a:pPr>
+            <a:endParaRPr/>
+          </a:p>
+          <a:p>
+            <a:pPr marL="320842" indent="-320842">
+              <a:defRPr sz="2800"/>
+            </a:pPr>
+            <a:r>
+              <a:t>LFS treats the entire disk as a log</a:t>
+            </a:r>
+          </a:p>
+          <a:p>
+            <a:pPr lvl="1">
+              <a:defRPr sz="2800"/>
+            </a:pPr>
+            <a:r>
+              <a:t>all writes are initially buffered in memory</a:t>
+            </a:r>
+          </a:p>
+          <a:p>
+            <a:pPr lvl="1">
+              <a:defRPr sz="2800"/>
+            </a:pPr>
+            <a:r>
+              <a:t>periodically commit the writes to the end of the disk log</a:t>
+            </a:r>
+          </a:p>
+          <a:p>
+            <a:pPr lvl="1">
+              <a:defRPr sz="2800"/>
+            </a:pPr>
+            <a:r>
+              <a:t>When file is opened, locate i-node, then find blocks</a:t>
+            </a:r>
+          </a:p>
+        </p:txBody>
+      </p:sp>
+    </p:spTree>
+  </p:cSld>
+  <p:clrMapOvr>
+    <a:masterClrMapping/>
+  </p:clrMapOvr>
+  <p:transition spd="med"/>
+</p:sld>
+</file>
+
+<file path=ppt/slides/slide29.xml><?xml version="1.0" encoding="utf-8"?>
+<p:sld xmlns:a="http://schemas.openxmlformats.org/drawingml/2006/main" xmlns:r="http://schemas.openxmlformats.org/officeDocument/2006/relationships" xmlns:p="http://schemas.openxmlformats.org/presentationml/2006/main">
+  <p:cSld>
+    <p:spTree>
+      <p:nvGrpSpPr>
+        <p:cNvPr id="1" name=""/>
+        <p:cNvGrpSpPr/>
+        <p:nvPr/>
+      </p:nvGrpSpPr>
+      <p:grpSpPr>
+        <a:xfrm>
+          <a:off x="0" y="0"/>
+          <a:ext cx="0" cy="0"/>
+          <a:chOff x="0" y="0"/>
+          <a:chExt cx="0" cy="0"/>
+        </a:xfrm>
+      </p:grpSpPr>
+      <p:sp>
+        <p:nvSpPr>
+          <p:cNvPr id="184" name="Shape 184"/>
+          <p:cNvSpPr>
+            <a:spLocks noGrp="1"/>
+          </p:cNvSpPr>
+          <p:nvPr>
+            <p:ph type="title"/>
+          </p:nvPr>
+        </p:nvSpPr>
+        <p:spPr>
+          <a:prstGeom prst="rect">
+            <a:avLst/>
+          </a:prstGeom>
+        </p:spPr>
+        <p:txBody>
+          <a:bodyPr lIns="45699" tIns="45699" rIns="45699" bIns="45699">
+            <a:normAutofit/>
+          </a:bodyPr>
+          <a:lstStyle/>
+          <a:p>
+            <a:r>
+              <a:t>Quiz on Inodes</a:t>
+            </a:r>
+          </a:p>
+        </p:txBody>
+      </p:sp>
+      <p:sp>
+        <p:nvSpPr>
+          <p:cNvPr id="185" name="Shape 185"/>
+          <p:cNvSpPr>
+            <a:spLocks noGrp="1"/>
+          </p:cNvSpPr>
+          <p:nvPr>
+            <p:ph type="body" idx="1"/>
+          </p:nvPr>
+        </p:nvSpPr>
+        <p:spPr>
+          <a:xfrm>
+            <a:off x="457200" y="1295399"/>
+            <a:ext cx="8229600" cy="5257801"/>
+          </a:xfrm>
+          <a:prstGeom prst="rect">
+            <a:avLst/>
+          </a:prstGeom>
+        </p:spPr>
+        <p:txBody>
+          <a:bodyPr lIns="45699" tIns="45699" rIns="45699" bIns="45699">
+            <a:normAutofit/>
+          </a:bodyPr>
+          <a:lstStyle/>
+          <a:p>
+            <a:pPr marL="180473" indent="-180473">
+              <a:lnSpc>
+                <a:spcPct val="80000"/>
+              </a:lnSpc>
+              <a:spcBef>
+                <a:spcPts val="400"/>
+              </a:spcBef>
+              <a:buClrTx/>
+              <a:buFontTx/>
+              <a:buChar char="•"/>
+              <a:defRPr sz="2800"/>
+            </a:pPr>
+            <a:r>
+              <a:rPr sz="1800"/>
+              <a:t>All blocks in a disk are of size 4KB (4096 bytes).</a:t>
+            </a:r>
+          </a:p>
+          <a:p>
+            <a:pPr marL="280736" indent="-280736">
+              <a:lnSpc>
+                <a:spcPct val="80000"/>
+              </a:lnSpc>
+              <a:spcBef>
+                <a:spcPts val="400"/>
+              </a:spcBef>
+              <a:buClrTx/>
+              <a:buFontTx/>
+              <a:buChar char="•"/>
+              <a:defRPr sz="2800"/>
+            </a:pPr>
+            <a:endParaRPr sz="1800"/>
+          </a:p>
+          <a:p>
+            <a:pPr marL="180473" indent="-180473">
+              <a:lnSpc>
+                <a:spcPct val="80000"/>
+              </a:lnSpc>
+              <a:spcBef>
+                <a:spcPts val="400"/>
+              </a:spcBef>
+              <a:buClrTx/>
+              <a:buFontTx/>
+              <a:buChar char="•"/>
+              <a:defRPr sz="2800"/>
+            </a:pPr>
+            <a:r>
+              <a:rPr sz="1800"/>
+              <a:t>The top level of an inode is stored in a disk block of size 4KB.</a:t>
+            </a:r>
+          </a:p>
+          <a:p>
+            <a:pPr marL="280736" indent="-280736">
+              <a:lnSpc>
+                <a:spcPct val="80000"/>
+              </a:lnSpc>
+              <a:spcBef>
+                <a:spcPts val="400"/>
+              </a:spcBef>
+              <a:buClrTx/>
+              <a:buFontTx/>
+              <a:buChar char="•"/>
+              <a:defRPr sz="2800"/>
+            </a:pPr>
+            <a:endParaRPr sz="1800"/>
+          </a:p>
+          <a:p>
+            <a:pPr marL="180473" indent="-180473">
+              <a:lnSpc>
+                <a:spcPct val="80000"/>
+              </a:lnSpc>
+              <a:spcBef>
+                <a:spcPts val="400"/>
+              </a:spcBef>
+              <a:buClrTx/>
+              <a:buFontTx/>
+              <a:buChar char="•"/>
+              <a:defRPr sz="2800"/>
+            </a:pPr>
+            <a:r>
+              <a:rPr sz="1800"/>
+              <a:t>All file attributes, except data block locations, take up a total of 128 bytes (out of the above 4KB).</a:t>
+            </a:r>
+          </a:p>
+          <a:p>
+            <a:pPr marL="280736" indent="-280736">
+              <a:lnSpc>
+                <a:spcPct val="80000"/>
+              </a:lnSpc>
+              <a:spcBef>
+                <a:spcPts val="400"/>
+              </a:spcBef>
+              <a:buClrTx/>
+              <a:buFontTx/>
+              <a:buChar char="•"/>
+              <a:defRPr sz="2800"/>
+            </a:pPr>
+            <a:endParaRPr sz="1800"/>
+          </a:p>
+          <a:p>
+            <a:pPr marL="180473" indent="-180473">
+              <a:lnSpc>
+                <a:spcPct val="80000"/>
+              </a:lnSpc>
+              <a:spcBef>
+                <a:spcPts val="400"/>
+              </a:spcBef>
+              <a:buClrTx/>
+              <a:buFontTx/>
+              <a:buChar char="•"/>
+              <a:defRPr sz="2800"/>
+            </a:pPr>
+            <a:r>
+              <a:rPr sz="1800"/>
+              <a:t>Each direct block address takes up 8 bytes of space and gives the address of a disk block of size 4KB. </a:t>
+            </a:r>
+          </a:p>
+          <a:p>
+            <a:pPr marL="280736" indent="-280736">
+              <a:lnSpc>
+                <a:spcPct val="80000"/>
+              </a:lnSpc>
+              <a:spcBef>
+                <a:spcPts val="400"/>
+              </a:spcBef>
+              <a:buClrTx/>
+              <a:buFontTx/>
+              <a:buChar char="•"/>
+              <a:defRPr sz="2800"/>
+            </a:pPr>
+            <a:endParaRPr sz="1800"/>
+          </a:p>
+          <a:p>
+            <a:pPr marL="180473" indent="-180473">
+              <a:lnSpc>
+                <a:spcPct val="80000"/>
+              </a:lnSpc>
+              <a:spcBef>
+                <a:spcPts val="400"/>
+              </a:spcBef>
+              <a:buClrTx/>
+              <a:buFontTx/>
+              <a:buChar char="•"/>
+              <a:defRPr sz="2800"/>
+            </a:pPr>
+            <a:r>
+              <a:rPr sz="1800"/>
+              <a:t>Last three entries of the first level of the inode point to single, double, and triple indirect blocks respectively.</a:t>
+            </a:r>
+          </a:p>
+          <a:p>
+            <a:pPr indent="120650">
+              <a:buSzTx/>
+              <a:buNone/>
+            </a:pPr>
+            <a:endParaRPr sz="1800"/>
+          </a:p>
+          <a:p>
+            <a:pPr>
+              <a:lnSpc>
+                <a:spcPct val="80000"/>
+              </a:lnSpc>
+              <a:spcBef>
+                <a:spcPts val="400"/>
+              </a:spcBef>
+              <a:buSzPct val="80555"/>
+            </a:pPr>
+            <a:r>
+              <a:rPr sz="1800"/>
+              <a:t>Question: What is the largest size of a file that can be accessed through direct block entries of the inode?</a:t>
+            </a:r>
+          </a:p>
+        </p:txBody>
+      </p:sp>
+    </p:spTree>
+  </p:cSld>
+  <p:clrMapOvr>
+    <a:masterClrMapping/>
+  </p:clrMapOvr>
+  <p:transition spd="med"/>
 </p:sld>
 </file>
 
 <file path=ppt/slides/slide3.xml><?xml version="1.0" encoding="utf-8"?>
-<p:sld xmlns:a="http://schemas.openxmlformats.org/drawingml/2006/main" xmlns:r="http://schemas.openxmlformats.org/officeDocument/2006/relationships" xmlns:p="http://schemas.openxmlformats.org/presentationml/2006/main" showMasterSp="1" showMasterPhAnim="1">
+<p:sld xmlns:a="http://schemas.openxmlformats.org/drawingml/2006/main" xmlns:r="http://schemas.openxmlformats.org/officeDocument/2006/relationships" xmlns:p="http://schemas.openxmlformats.org/presentationml/2006/main">
   <p:cSld>
     <p:spTree>
       <p:nvGrpSpPr>
@@ -7128,7 +7666,9 @@
       <p:sp>
         <p:nvSpPr>
           <p:cNvPr id="73" name="Shape 73"/>
-          <p:cNvSpPr/>
+          <p:cNvSpPr>
+            <a:spLocks noGrp="1"/>
+          </p:cNvSpPr>
           <p:nvPr>
             <p:ph type="title"/>
           </p:nvPr>
@@ -7140,11 +7680,10 @@
         </p:spPr>
         <p:txBody>
           <a:bodyPr lIns="45699" tIns="45699" rIns="45699" bIns="45699">
-            <a:normAutofit fontScale="100000" lnSpcReduction="0"/>
+            <a:normAutofit/>
           </a:bodyPr>
           <a:lstStyle/>
           <a:p>
-            <a:pPr/>
             <a:r>
               <a:t>Major Innovations</a:t>
             </a:r>
@@ -7154,7 +7693,9 @@
       <p:sp>
         <p:nvSpPr>
           <p:cNvPr id="74" name="Shape 74"/>
-          <p:cNvSpPr/>
+          <p:cNvSpPr>
+            <a:spLocks noGrp="1"/>
+          </p:cNvSpPr>
           <p:nvPr>
             <p:ph type="body" idx="1"/>
           </p:nvPr>
@@ -7170,7 +7711,7 @@
         </p:spPr>
         <p:txBody>
           <a:bodyPr lIns="45699" tIns="45699" rIns="45699" bIns="45699">
-            <a:normAutofit fontScale="100000" lnSpcReduction="0"/>
+            <a:normAutofit/>
           </a:bodyPr>
           <a:lstStyle/>
           <a:p>
@@ -7184,7 +7725,6 @@
               <a:rPr sz="2800"/>
               <a:t>Hierarchical file system</a:t>
             </a:r>
-            <a:endParaRPr sz="2800"/>
           </a:p>
           <a:p>
             <a:pPr indent="120650">
@@ -7204,7 +7744,6 @@
               <a:rPr sz="2800"/>
               <a:t>Compatible file, device, and inter-process I/O</a:t>
             </a:r>
-            <a:endParaRPr sz="2800"/>
           </a:p>
           <a:p>
             <a:pPr indent="120650">
@@ -7224,7 +7763,6 @@
               <a:rPr sz="2800"/>
               <a:t>Background (asynchronous) and foreground processes</a:t>
             </a:r>
-            <a:endParaRPr sz="2800"/>
           </a:p>
           <a:p>
             <a:pPr indent="120650">
@@ -7252,399 +7790,12 @@
   <p:clrMapOvr>
     <a:masterClrMapping/>
   </p:clrMapOvr>
-  <p:transition xmlns:p14="http://schemas.microsoft.com/office/powerpoint/2010/main" spd="med" advClick="1"/>
-</p:sld>
-</file>
-
-<file path=ppt/slides/slide30.xml><?xml version="1.0" encoding="utf-8"?>
-<p:sld xmlns:a="http://schemas.openxmlformats.org/drawingml/2006/main" xmlns:r="http://schemas.openxmlformats.org/officeDocument/2006/relationships" xmlns:p="http://schemas.openxmlformats.org/presentationml/2006/main" showMasterSp="1" showMasterPhAnim="1">
-  <p:cSld>
-    <p:spTree>
-      <p:nvGrpSpPr>
-        <p:cNvPr id="1" name=""/>
-        <p:cNvGrpSpPr/>
-        <p:nvPr/>
-      </p:nvGrpSpPr>
-      <p:grpSpPr>
-        <a:xfrm>
-          <a:off x="0" y="0"/>
-          <a:ext cx="0" cy="0"/>
-          <a:chOff x="0" y="0"/>
-          <a:chExt cx="0" cy="0"/>
-        </a:xfrm>
-      </p:grpSpPr>
-      <p:sp>
-        <p:nvSpPr>
-          <p:cNvPr id="181" name="Shape 181"/>
-          <p:cNvSpPr/>
-          <p:nvPr>
-            <p:ph type="title"/>
-          </p:nvPr>
-        </p:nvSpPr>
-        <p:spPr>
-          <a:prstGeom prst="rect">
-            <a:avLst/>
-          </a:prstGeom>
-        </p:spPr>
-        <p:txBody>
-          <a:bodyPr/>
-          <a:lstStyle/>
-          <a:p>
-            <a:pPr/>
-            <a:r>
-              <a:t>Log-Structured File Systems</a:t>
-            </a:r>
-          </a:p>
-        </p:txBody>
-      </p:sp>
-      <p:sp>
-        <p:nvSpPr>
-          <p:cNvPr id="182" name="Shape 182"/>
-          <p:cNvSpPr/>
-          <p:nvPr>
-            <p:ph type="body" idx="1"/>
-          </p:nvPr>
-        </p:nvSpPr>
-        <p:spPr>
-          <a:xfrm>
-            <a:off x="76200" y="876300"/>
-            <a:ext cx="8991600" cy="5815708"/>
-          </a:xfrm>
-          <a:prstGeom prst="rect">
-            <a:avLst/>
-          </a:prstGeom>
-        </p:spPr>
-        <p:txBody>
-          <a:bodyPr/>
-          <a:lstStyle/>
-          <a:p>
-            <a:pPr marL="320842" indent="-320842">
-              <a:defRPr sz="2800"/>
-            </a:pPr>
-            <a:r>
-              <a:t>With CPUs faster, memory larger</a:t>
-            </a:r>
-          </a:p>
-          <a:p>
-            <a:pPr lvl="1">
-              <a:defRPr sz="2800"/>
-            </a:pPr>
-            <a:r>
-              <a:t>disk caches are also getting larger</a:t>
-            </a:r>
-          </a:p>
-          <a:p>
-            <a:pPr lvl="1">
-              <a:defRPr sz="2800"/>
-            </a:pPr>
-            <a:r>
-              <a:t>increasing number of read requests come from file system cache</a:t>
-            </a:r>
-          </a:p>
-          <a:p>
-            <a:pPr lvl="1">
-              <a:defRPr sz="2800"/>
-            </a:pPr>
-            <a:r>
-              <a:t>Thus, most disk accesses will be writes</a:t>
-            </a:r>
-          </a:p>
-          <a:p>
-            <a:pPr lvl="1">
-              <a:defRPr sz="2800"/>
-            </a:pPr>
-          </a:p>
-          <a:p>
-            <a:pPr marL="320842" indent="-320842">
-              <a:defRPr sz="2800"/>
-            </a:pPr>
-            <a:r>
-              <a:t>LFS treats the entire disk as a log</a:t>
-            </a:r>
-          </a:p>
-          <a:p>
-            <a:pPr lvl="1">
-              <a:defRPr sz="2800"/>
-            </a:pPr>
-            <a:r>
-              <a:t>all writes are initially buffered in memory</a:t>
-            </a:r>
-          </a:p>
-          <a:p>
-            <a:pPr lvl="1">
-              <a:defRPr sz="2800"/>
-            </a:pPr>
-            <a:r>
-              <a:t>periodically commit the writes to the end of the disk log</a:t>
-            </a:r>
-          </a:p>
-          <a:p>
-            <a:pPr lvl="1">
-              <a:defRPr sz="2800"/>
-            </a:pPr>
-            <a:r>
-              <a:t>When file is opened, locate i-node, then find blocks</a:t>
-            </a:r>
-          </a:p>
-        </p:txBody>
-      </p:sp>
-    </p:spTree>
-  </p:cSld>
-  <p:clrMapOvr>
-    <a:masterClrMapping/>
-  </p:clrMapOvr>
-  <p:transition xmlns:p14="http://schemas.microsoft.com/office/powerpoint/2010/main" spd="med" advClick="1"/>
-</p:sld>
-</file>
-
-<file path=ppt/slides/slide31.xml><?xml version="1.0" encoding="utf-8"?>
-<p:sld xmlns:a="http://schemas.openxmlformats.org/drawingml/2006/main" xmlns:r="http://schemas.openxmlformats.org/officeDocument/2006/relationships" xmlns:p="http://schemas.openxmlformats.org/presentationml/2006/main" showMasterSp="1" showMasterPhAnim="1">
-  <p:cSld>
-    <p:spTree>
-      <p:nvGrpSpPr>
-        <p:cNvPr id="1" name=""/>
-        <p:cNvGrpSpPr/>
-        <p:nvPr/>
-      </p:nvGrpSpPr>
-      <p:grpSpPr>
-        <a:xfrm>
-          <a:off x="0" y="0"/>
-          <a:ext cx="0" cy="0"/>
-          <a:chOff x="0" y="0"/>
-          <a:chExt cx="0" cy="0"/>
-        </a:xfrm>
-      </p:grpSpPr>
-      <p:sp>
-        <p:nvSpPr>
-          <p:cNvPr id="184" name="Shape 184"/>
-          <p:cNvSpPr/>
-          <p:nvPr>
-            <p:ph type="title"/>
-          </p:nvPr>
-        </p:nvSpPr>
-        <p:spPr>
-          <a:prstGeom prst="rect">
-            <a:avLst/>
-          </a:prstGeom>
-        </p:spPr>
-        <p:txBody>
-          <a:bodyPr lIns="45699" tIns="45699" rIns="45699" bIns="45699">
-            <a:normAutofit fontScale="100000" lnSpcReduction="0"/>
-          </a:bodyPr>
-          <a:lstStyle/>
-          <a:p>
-            <a:pPr/>
-            <a:r>
-              <a:t>Quiz on Inodes</a:t>
-            </a:r>
-          </a:p>
-        </p:txBody>
-      </p:sp>
-      <p:sp>
-        <p:nvSpPr>
-          <p:cNvPr id="185" name="Shape 185"/>
-          <p:cNvSpPr/>
-          <p:nvPr>
-            <p:ph type="body" idx="1"/>
-          </p:nvPr>
-        </p:nvSpPr>
-        <p:spPr>
-          <a:xfrm>
-            <a:off x="457200" y="1295399"/>
-            <a:ext cx="8229600" cy="5257801"/>
-          </a:xfrm>
-          <a:prstGeom prst="rect">
-            <a:avLst/>
-          </a:prstGeom>
-        </p:spPr>
-        <p:txBody>
-          <a:bodyPr lIns="45699" tIns="45699" rIns="45699" bIns="45699">
-            <a:normAutofit fontScale="100000" lnSpcReduction="0"/>
-          </a:bodyPr>
-          <a:lstStyle/>
-          <a:p>
-            <a:pPr marL="180473" indent="-180473">
-              <a:lnSpc>
-                <a:spcPct val="80000"/>
-              </a:lnSpc>
-              <a:spcBef>
-                <a:spcPts val="400"/>
-              </a:spcBef>
-              <a:buClrTx/>
-              <a:buFontTx/>
-              <a:buChar char="•"/>
-              <a:defRPr sz="2800"/>
-            </a:pPr>
-            <a:r>
-              <a:rPr sz="1800"/>
-              <a:t>All blocks in a disk are of size 4KB (4096 bytes).</a:t>
-            </a:r>
-            <a:endParaRPr sz="1800"/>
-          </a:p>
-          <a:p>
-            <a:pPr marL="280736" indent="-280736">
-              <a:lnSpc>
-                <a:spcPct val="80000"/>
-              </a:lnSpc>
-              <a:spcBef>
-                <a:spcPts val="400"/>
-              </a:spcBef>
-              <a:buClrTx/>
-              <a:buFontTx/>
-              <a:buChar char="•"/>
-              <a:defRPr sz="2800"/>
-            </a:pPr>
-            <a:endParaRPr sz="1800"/>
-          </a:p>
-          <a:p>
-            <a:pPr marL="180473" indent="-180473">
-              <a:lnSpc>
-                <a:spcPct val="80000"/>
-              </a:lnSpc>
-              <a:spcBef>
-                <a:spcPts val="400"/>
-              </a:spcBef>
-              <a:buClrTx/>
-              <a:buFontTx/>
-              <a:buChar char="•"/>
-              <a:defRPr sz="2800"/>
-            </a:pPr>
-            <a:r>
-              <a:rPr sz="1800"/>
-              <a:t>The top level of an inode is stored in a disk block of size 4KB.</a:t>
-            </a:r>
-          </a:p>
-          <a:p>
-            <a:pPr marL="280736" indent="-280736">
-              <a:lnSpc>
-                <a:spcPct val="80000"/>
-              </a:lnSpc>
-              <a:spcBef>
-                <a:spcPts val="400"/>
-              </a:spcBef>
-              <a:buClrTx/>
-              <a:buFontTx/>
-              <a:buChar char="•"/>
-              <a:defRPr sz="2800"/>
-            </a:pPr>
-          </a:p>
-          <a:p>
-            <a:pPr marL="180473" indent="-180473">
-              <a:lnSpc>
-                <a:spcPct val="80000"/>
-              </a:lnSpc>
-              <a:spcBef>
-                <a:spcPts val="400"/>
-              </a:spcBef>
-              <a:buClrTx/>
-              <a:buFontTx/>
-              <a:buChar char="•"/>
-              <a:defRPr sz="2800"/>
-            </a:pPr>
-            <a:r>
-              <a:rPr sz="1800"/>
-              <a:t>All file attributes, except data block locations, take up a total of 128 bytes (out of the above 4KB).</a:t>
-            </a:r>
-          </a:p>
-          <a:p>
-            <a:pPr marL="280736" indent="-280736">
-              <a:lnSpc>
-                <a:spcPct val="80000"/>
-              </a:lnSpc>
-              <a:spcBef>
-                <a:spcPts val="400"/>
-              </a:spcBef>
-              <a:buClrTx/>
-              <a:buFontTx/>
-              <a:buChar char="•"/>
-              <a:defRPr sz="2800"/>
-            </a:pPr>
-          </a:p>
-          <a:p>
-            <a:pPr marL="180473" indent="-180473">
-              <a:lnSpc>
-                <a:spcPct val="80000"/>
-              </a:lnSpc>
-              <a:spcBef>
-                <a:spcPts val="400"/>
-              </a:spcBef>
-              <a:buClrTx/>
-              <a:buFontTx/>
-              <a:buChar char="•"/>
-              <a:defRPr sz="2800"/>
-            </a:pPr>
-            <a:r>
-              <a:rPr sz="1800"/>
-              <a:t>Each direct block address takes up 8 bytes of space and gives the address of a disk block of size 4KB. </a:t>
-            </a:r>
-          </a:p>
-          <a:p>
-            <a:pPr marL="280736" indent="-280736">
-              <a:lnSpc>
-                <a:spcPct val="80000"/>
-              </a:lnSpc>
-              <a:spcBef>
-                <a:spcPts val="400"/>
-              </a:spcBef>
-              <a:buClrTx/>
-              <a:buFontTx/>
-              <a:buChar char="•"/>
-              <a:defRPr sz="2800"/>
-            </a:pPr>
-          </a:p>
-          <a:p>
-            <a:pPr marL="180473" indent="-180473">
-              <a:lnSpc>
-                <a:spcPct val="80000"/>
-              </a:lnSpc>
-              <a:spcBef>
-                <a:spcPts val="400"/>
-              </a:spcBef>
-              <a:buClrTx/>
-              <a:buFontTx/>
-              <a:buChar char="•"/>
-              <a:defRPr sz="2800"/>
-            </a:pPr>
-            <a:r>
-              <a:rPr sz="1800"/>
-              <a:t>Last three entries of the first level of the inode point to single, double, and triple indirect blocks respectively.</a:t>
-            </a:r>
-          </a:p>
-          <a:p>
-            <a:pPr indent="120650">
-              <a:buSzTx/>
-              <a:buNone/>
-            </a:pPr>
-            <a:endParaRPr sz="1800"/>
-          </a:p>
-          <a:p>
-            <a:pPr>
-              <a:lnSpc>
-                <a:spcPct val="80000"/>
-              </a:lnSpc>
-              <a:spcBef>
-                <a:spcPts val="400"/>
-              </a:spcBef>
-              <a:buSzPct val="80555"/>
-            </a:pPr>
-            <a:r>
-              <a:rPr sz="1800"/>
-              <a:t>Question: What is the largest size of a file that can be accessed through direct block entries of the inode?</a:t>
-            </a:r>
-          </a:p>
-        </p:txBody>
-      </p:sp>
-    </p:spTree>
-  </p:cSld>
-  <p:clrMapOvr>
-    <a:masterClrMapping/>
-  </p:clrMapOvr>
-  <p:transition xmlns:p14="http://schemas.microsoft.com/office/powerpoint/2010/main" spd="med" advClick="1"/>
+  <p:transition spd="med"/>
 </p:sld>
 </file>
 
 <file path=ppt/slides/slide4.xml><?xml version="1.0" encoding="utf-8"?>
-<p:sld xmlns:a="http://schemas.openxmlformats.org/drawingml/2006/main" xmlns:r="http://schemas.openxmlformats.org/officeDocument/2006/relationships" xmlns:p="http://schemas.openxmlformats.org/presentationml/2006/main" showMasterSp="1" showMasterPhAnim="1">
+<p:sld xmlns:a="http://schemas.openxmlformats.org/drawingml/2006/main" xmlns:r="http://schemas.openxmlformats.org/officeDocument/2006/relationships" xmlns:p="http://schemas.openxmlformats.org/presentationml/2006/main">
   <p:cSld>
     <p:spTree>
       <p:nvGrpSpPr>
@@ -7663,7 +7814,9 @@
       <p:sp>
         <p:nvSpPr>
           <p:cNvPr id="76" name="Shape 76"/>
-          <p:cNvSpPr/>
+          <p:cNvSpPr>
+            <a:spLocks noGrp="1"/>
+          </p:cNvSpPr>
           <p:nvPr>
             <p:ph type="title"/>
           </p:nvPr>
@@ -7675,11 +7828,10 @@
         </p:spPr>
         <p:txBody>
           <a:bodyPr lIns="45699" tIns="45699" rIns="45699" bIns="45699">
-            <a:normAutofit fontScale="100000" lnSpcReduction="0"/>
+            <a:normAutofit/>
           </a:bodyPr>
           <a:lstStyle/>
           <a:p>
-            <a:pPr/>
             <a:r>
               <a:t>Original use around 1969-70s</a:t>
             </a:r>
@@ -7689,7 +7841,9 @@
       <p:sp>
         <p:nvSpPr>
           <p:cNvPr id="77" name="Shape 77"/>
-          <p:cNvSpPr/>
+          <p:cNvSpPr>
+            <a:spLocks noGrp="1"/>
+          </p:cNvSpPr>
           <p:nvPr>
             <p:ph type="body" idx="1"/>
           </p:nvPr>
@@ -7705,7 +7859,7 @@
         </p:spPr>
         <p:txBody>
           <a:bodyPr lIns="45699" tIns="45699" rIns="45699" bIns="45699">
-            <a:normAutofit fontScale="100000" lnSpcReduction="0"/>
+            <a:normAutofit/>
           </a:bodyPr>
           <a:lstStyle>
             <a:lvl1pPr>
@@ -7713,7 +7867,6 @@
             </a:lvl1pPr>
           </a:lstStyle>
           <a:p>
-            <a:pPr/>
             <a:r>
               <a:t>“preparation and formatting of patent applications and other textual material, the collection and processing of trouble data from various switching machines within the Bell System, and recording and checking telephone service orders”</a:t>
             </a:r>
@@ -7725,12 +7878,12 @@
   <p:clrMapOvr>
     <a:masterClrMapping/>
   </p:clrMapOvr>
-  <p:transition xmlns:p14="http://schemas.microsoft.com/office/powerpoint/2010/main" spd="med" advClick="1"/>
+  <p:transition spd="med"/>
 </p:sld>
 </file>
 
 <file path=ppt/slides/slide5.xml><?xml version="1.0" encoding="utf-8"?>
-<p:sld xmlns:a="http://schemas.openxmlformats.org/drawingml/2006/main" xmlns:r="http://schemas.openxmlformats.org/officeDocument/2006/relationships" xmlns:p="http://schemas.openxmlformats.org/presentationml/2006/main" showMasterSp="1" showMasterPhAnim="1">
+<p:sld xmlns:a="http://schemas.openxmlformats.org/drawingml/2006/main" xmlns:r="http://schemas.openxmlformats.org/officeDocument/2006/relationships" xmlns:p="http://schemas.openxmlformats.org/presentationml/2006/main">
   <p:cSld>
     <p:spTree>
       <p:nvGrpSpPr>
@@ -7749,7 +7902,9 @@
       <p:sp>
         <p:nvSpPr>
           <p:cNvPr id="79" name="Shape 79"/>
-          <p:cNvSpPr/>
+          <p:cNvSpPr>
+            <a:spLocks noGrp="1"/>
+          </p:cNvSpPr>
           <p:nvPr>
             <p:ph type="title"/>
           </p:nvPr>
@@ -7761,11 +7916,10 @@
         </p:spPr>
         <p:txBody>
           <a:bodyPr lIns="45699" tIns="45699" rIns="45699" bIns="45699">
-            <a:normAutofit fontScale="100000" lnSpcReduction="0"/>
+            <a:normAutofit/>
           </a:bodyPr>
           <a:lstStyle/>
           <a:p>
-            <a:pPr/>
             <a:r>
               <a:t>Now</a:t>
             </a:r>
@@ -7775,7 +7929,9 @@
       <p:sp>
         <p:nvSpPr>
           <p:cNvPr id="80" name="Shape 80"/>
-          <p:cNvSpPr/>
+          <p:cNvSpPr>
+            <a:spLocks noGrp="1"/>
+          </p:cNvSpPr>
           <p:nvPr>
             <p:ph type="body" idx="1"/>
           </p:nvPr>
@@ -7791,7 +7947,7 @@
         </p:spPr>
         <p:txBody>
           <a:bodyPr lIns="45699" tIns="45699" rIns="45699" bIns="45699">
-            <a:normAutofit fontScale="100000" lnSpcReduction="0"/>
+            <a:normAutofit/>
           </a:bodyPr>
           <a:lstStyle/>
           <a:p>
@@ -7808,10 +7964,9 @@
               <a:rPr sz="2400"/>
               <a:t>Widely used in </a:t>
             </a:r>
-            <a:endParaRPr sz="2400"/>
-          </a:p>
-          <a:p>
-            <a:pPr lvl="1" marL="661307" indent="-204107">
+          </a:p>
+          <a:p>
+            <a:pPr marL="661307" lvl="1" indent="-204107">
               <a:lnSpc>
                 <a:spcPct val="80000"/>
               </a:lnSpc>
@@ -7827,7 +7982,7 @@
             </a:r>
           </a:p>
           <a:p>
-            <a:pPr lvl="1" marL="661307" indent="-204107">
+            <a:pPr marL="661307" lvl="1" indent="-204107">
               <a:lnSpc>
                 <a:spcPct val="80000"/>
               </a:lnSpc>
@@ -7843,7 +7998,7 @@
             </a:r>
           </a:p>
           <a:p>
-            <a:pPr lvl="1" marL="661307" indent="-204107">
+            <a:pPr marL="661307" lvl="1" indent="-204107">
               <a:lnSpc>
                 <a:spcPct val="80000"/>
               </a:lnSpc>
@@ -7859,7 +8014,7 @@
             </a:r>
           </a:p>
           <a:p>
-            <a:pPr lvl="1" marL="661307" indent="-204107">
+            <a:pPr marL="661307" lvl="1" indent="-204107">
               <a:lnSpc>
                 <a:spcPct val="80000"/>
               </a:lnSpc>
@@ -7875,7 +8030,7 @@
             </a:r>
           </a:p>
           <a:p>
-            <a:pPr lvl="1" marL="661307" indent="-204107">
+            <a:pPr marL="661307" lvl="1" indent="-204107">
               <a:lnSpc>
                 <a:spcPct val="80000"/>
               </a:lnSpc>
@@ -7891,7 +8046,7 @@
             </a:r>
           </a:p>
           <a:p>
-            <a:pPr lvl="1" marL="661307" indent="-204107">
+            <a:pPr marL="661307" lvl="1" indent="-204107">
               <a:lnSpc>
                 <a:spcPct val="80000"/>
               </a:lnSpc>
@@ -7907,7 +8062,7 @@
             </a:r>
           </a:p>
           <a:p>
-            <a:pPr lvl="1" marL="661307" indent="-204107">
+            <a:pPr marL="661307" lvl="1" indent="-204107">
               <a:lnSpc>
                 <a:spcPct val="80000"/>
               </a:lnSpc>
@@ -7923,7 +8078,7 @@
             </a:r>
           </a:p>
           <a:p>
-            <a:pPr lvl="1" marL="661307" indent="-204107">
+            <a:pPr marL="661307" lvl="1" indent="-204107">
               <a:lnSpc>
                 <a:spcPct val="80000"/>
               </a:lnSpc>
@@ -7939,7 +8094,7 @@
             </a:r>
           </a:p>
           <a:p>
-            <a:pPr lvl="1" marL="661307" indent="-204107">
+            <a:pPr marL="661307" lvl="1" indent="-204107">
               <a:lnSpc>
                 <a:spcPct val="80000"/>
               </a:lnSpc>
@@ -7976,7 +8131,7 @@
               <a:t>“</a:t>
             </a:r>
             <a:r>
-              <a:rPr i="1" sz="2400"/>
+              <a:rPr sz="2400" i="1"/>
               <a:t>Perhaps paradoxically, the success of UNIX is largely due to the fact that it was not designed to meet any predefined objectives.</a:t>
             </a:r>
             <a:r>
@@ -7991,12 +8146,12 @@
   <p:clrMapOvr>
     <a:masterClrMapping/>
   </p:clrMapOvr>
-  <p:transition xmlns:p14="http://schemas.microsoft.com/office/powerpoint/2010/main" spd="med" advClick="1"/>
+  <p:transition spd="med"/>
 </p:sld>
 </file>
 
 <file path=ppt/slides/slide6.xml><?xml version="1.0" encoding="utf-8"?>
-<p:sld xmlns:a="http://schemas.openxmlformats.org/drawingml/2006/main" xmlns:r="http://schemas.openxmlformats.org/officeDocument/2006/relationships" xmlns:p="http://schemas.openxmlformats.org/presentationml/2006/main" showMasterSp="1" showMasterPhAnim="1">
+<p:sld xmlns:a="http://schemas.openxmlformats.org/drawingml/2006/main" xmlns:r="http://schemas.openxmlformats.org/officeDocument/2006/relationships" xmlns:p="http://schemas.openxmlformats.org/presentationml/2006/main">
   <p:cSld>
     <p:spTree>
       <p:nvGrpSpPr>
@@ -8015,7 +8170,9 @@
       <p:sp>
         <p:nvSpPr>
           <p:cNvPr id="82" name="Shape 82"/>
-          <p:cNvSpPr/>
+          <p:cNvSpPr>
+            <a:spLocks noGrp="1"/>
+          </p:cNvSpPr>
           <p:nvPr>
             <p:ph type="title"/>
           </p:nvPr>
@@ -8027,11 +8184,10 @@
         </p:spPr>
         <p:txBody>
           <a:bodyPr lIns="45699" tIns="45699" rIns="45699" bIns="45699">
-            <a:normAutofit fontScale="100000" lnSpcReduction="0"/>
+            <a:normAutofit/>
           </a:bodyPr>
           <a:lstStyle/>
           <a:p>
-            <a:pPr/>
             <a:r>
               <a:t>Inexpensive!</a:t>
             </a:r>
@@ -8041,7 +8197,9 @@
       <p:sp>
         <p:nvSpPr>
           <p:cNvPr id="83" name="Shape 83"/>
-          <p:cNvSpPr/>
+          <p:cNvSpPr>
+            <a:spLocks noGrp="1"/>
+          </p:cNvSpPr>
           <p:nvPr>
             <p:ph type="body" idx="1"/>
           </p:nvPr>
@@ -8057,7 +8215,7 @@
         </p:spPr>
         <p:txBody>
           <a:bodyPr lIns="45699" tIns="45699" rIns="45699" bIns="45699">
-            <a:normAutofit fontScale="100000" lnSpcReduction="0"/>
+            <a:normAutofit/>
           </a:bodyPr>
           <a:lstStyle/>
           <a:p>
@@ -8068,17 +8226,27 @@
               <a:buSzPct val="59375"/>
             </a:pPr>
             <a:r>
-              <a:t>“UNIX can run on hardware costing </a:t>
-            </a:r>
-            <a:r>
-              <a:rPr>
+              <a:rPr dirty="0"/>
+              <a:t>“UNIX can run on hardware </a:t>
+            </a:r>
+            <a:r>
+              <a:rPr u="sng" dirty="0"/>
+              <a:t>costing </a:t>
+            </a:r>
+            <a:r>
+              <a:rPr u="sng" dirty="0">
                 <a:solidFill>
-                  <a:srgbClr val="FF0000"/>
+                  <a:schemeClr val="tx1"/>
                 </a:solidFill>
               </a:rPr>
               <a:t>as little as $40,000</a:t>
             </a:r>
             <a:r>
+              <a:rPr dirty="0">
+                <a:solidFill>
+                  <a:schemeClr val="tx1"/>
+                </a:solidFill>
+              </a:rPr>
               <a:t>”</a:t>
             </a:r>
           </a:p>
@@ -8087,6 +8255,7 @@
               <a:buSzTx/>
               <a:buNone/>
             </a:pPr>
+            <a:endParaRPr dirty="0"/>
           </a:p>
           <a:p>
             <a:pPr>
@@ -8096,14 +8265,15 @@
               <a:buSzPct val="59375"/>
             </a:pPr>
             <a:r>
-              <a:rPr>
+              <a:rPr u="sng" dirty="0">
                 <a:solidFill>
-                  <a:srgbClr val="FF0000"/>
+                  <a:schemeClr val="tx1"/>
                 </a:solidFill>
               </a:rPr>
               <a:t>“Less than two man years </a:t>
             </a:r>
             <a:r>
+              <a:rPr dirty="0"/>
               <a:t>were spent on the main system software.”</a:t>
             </a:r>
           </a:p>
@@ -8112,6 +8282,7 @@
               <a:buSzTx/>
               <a:buNone/>
             </a:pPr>
+            <a:endParaRPr dirty="0"/>
           </a:p>
           <a:p>
             <a:pPr>
@@ -8121,6 +8292,7 @@
               <a:buSzPct val="59375"/>
             </a:pPr>
             <a:r>
+              <a:rPr dirty="0"/>
               <a:t>“users of UNIX will find that the most important characteristics of the system are its simplicity, elegance, and ease of use.”</a:t>
             </a:r>
           </a:p>
@@ -8131,12 +8303,12 @@
   <p:clrMapOvr>
     <a:masterClrMapping/>
   </p:clrMapOvr>
-  <p:transition xmlns:p14="http://schemas.microsoft.com/office/powerpoint/2010/main" spd="med" advClick="1"/>
+  <p:transition spd="med"/>
 </p:sld>
 </file>
 
 <file path=ppt/slides/slide7.xml><?xml version="1.0" encoding="utf-8"?>
-<p:sld xmlns:a="http://schemas.openxmlformats.org/drawingml/2006/main" xmlns:r="http://schemas.openxmlformats.org/officeDocument/2006/relationships" xmlns:p="http://schemas.openxmlformats.org/presentationml/2006/main" showMasterSp="1" showMasterPhAnim="1">
+<p:sld xmlns:a="http://schemas.openxmlformats.org/drawingml/2006/main" xmlns:r="http://schemas.openxmlformats.org/officeDocument/2006/relationships" xmlns:p="http://schemas.openxmlformats.org/presentationml/2006/main">
   <p:cSld>
     <p:spTree>
       <p:nvGrpSpPr>
@@ -8155,7 +8327,9 @@
       <p:sp>
         <p:nvSpPr>
           <p:cNvPr id="85" name="Shape 85"/>
-          <p:cNvSpPr/>
+          <p:cNvSpPr>
+            <a:spLocks noGrp="1"/>
+          </p:cNvSpPr>
           <p:nvPr>
             <p:ph type="title"/>
           </p:nvPr>
@@ -8167,11 +8341,10 @@
         </p:spPr>
         <p:txBody>
           <a:bodyPr lIns="45699" tIns="45699" rIns="45699" bIns="45699">
-            <a:normAutofit fontScale="100000" lnSpcReduction="0"/>
+            <a:normAutofit/>
           </a:bodyPr>
           <a:lstStyle/>
           <a:p>
-            <a:pPr/>
             <a:r>
               <a:t>File System</a:t>
             </a:r>
@@ -8181,7 +8354,9 @@
       <p:sp>
         <p:nvSpPr>
           <p:cNvPr id="86" name="Shape 86"/>
-          <p:cNvSpPr/>
+          <p:cNvSpPr>
+            <a:spLocks noGrp="1"/>
+          </p:cNvSpPr>
           <p:nvPr>
             <p:ph type="body" idx="1"/>
           </p:nvPr>
@@ -8197,7 +8372,7 @@
         </p:spPr>
         <p:txBody>
           <a:bodyPr lIns="45699" tIns="45699" rIns="45699" bIns="45699">
-            <a:normAutofit fontScale="100000" lnSpcReduction="0"/>
+            <a:normAutofit/>
           </a:bodyPr>
           <a:lstStyle/>
           <a:p>
@@ -8214,10 +8389,9 @@
               <a:rPr sz="2800"/>
               <a:t>“Most important role of UNIX is to provide a file-system”.</a:t>
             </a:r>
-            <a:endParaRPr sz="2800"/>
-          </a:p>
-          <a:p>
-            <a:pPr lvl="1" marL="702128" indent="-244928">
+          </a:p>
+          <a:p>
+            <a:pPr marL="702128" lvl="1" indent="-244928">
               <a:lnSpc>
                 <a:spcPct val="90000"/>
               </a:lnSpc>
@@ -8253,10 +8427,9 @@
               <a:rPr sz="2800"/>
               <a:t>Three types of files</a:t>
             </a:r>
-            <a:endParaRPr sz="2800"/>
-          </a:p>
-          <a:p>
-            <a:pPr lvl="1" marL="702128" indent="-244928">
+          </a:p>
+          <a:p>
+            <a:pPr marL="702128" lvl="1" indent="-244928">
               <a:lnSpc>
                 <a:spcPct val="90000"/>
               </a:lnSpc>
@@ -8272,7 +8445,7 @@
             </a:r>
           </a:p>
           <a:p>
-            <a:pPr lvl="2" marL="1104900" indent="-190500">
+            <a:pPr marL="1104900" lvl="2" indent="-190500">
               <a:lnSpc>
                 <a:spcPct val="90000"/>
               </a:lnSpc>
@@ -8288,7 +8461,7 @@
             </a:r>
           </a:p>
           <a:p>
-            <a:pPr lvl="1" marL="702128" indent="-244928">
+            <a:pPr marL="702128" lvl="1" indent="-244928">
               <a:lnSpc>
                 <a:spcPct val="90000"/>
               </a:lnSpc>
@@ -8304,7 +8477,7 @@
             </a:r>
           </a:p>
           <a:p>
-            <a:pPr lvl="2" marL="1104900" indent="-190500">
+            <a:pPr marL="1104900" lvl="2" indent="-190500">
               <a:lnSpc>
                 <a:spcPct val="90000"/>
               </a:lnSpc>
@@ -8320,7 +8493,7 @@
             </a:r>
           </a:p>
           <a:p>
-            <a:pPr lvl="1" marL="702128" indent="-244928">
+            <a:pPr marL="702128" lvl="1" indent="-244928">
               <a:lnSpc>
                 <a:spcPct val="90000"/>
               </a:lnSpc>
@@ -8336,7 +8509,7 @@
             </a:r>
           </a:p>
           <a:p>
-            <a:pPr lvl="2" marL="1104900" indent="-190500">
+            <a:pPr marL="1104900" lvl="2" indent="-190500">
               <a:lnSpc>
                 <a:spcPct val="90000"/>
               </a:lnSpc>
@@ -8358,12 +8531,283 @@
   <p:clrMapOvr>
     <a:masterClrMapping/>
   </p:clrMapOvr>
-  <p:transition xmlns:p14="http://schemas.microsoft.com/office/powerpoint/2010/main" spd="med" advClick="1"/>
+  <p:transition spd="med"/>
 </p:sld>
 </file>
 
 <file path=ppt/slides/slide8.xml><?xml version="1.0" encoding="utf-8"?>
-<p:sld xmlns:a="http://schemas.openxmlformats.org/drawingml/2006/main" xmlns:r="http://schemas.openxmlformats.org/officeDocument/2006/relationships" xmlns:p="http://schemas.openxmlformats.org/presentationml/2006/main" showMasterSp="1" showMasterPhAnim="1">
+<p:sld xmlns:a="http://schemas.openxmlformats.org/drawingml/2006/main" xmlns:r="http://schemas.openxmlformats.org/officeDocument/2006/relationships" xmlns:p="http://schemas.openxmlformats.org/presentationml/2006/main">
+  <p:cSld>
+    <p:spTree>
+      <p:nvGrpSpPr>
+        <p:cNvPr id="1" name=""/>
+        <p:cNvGrpSpPr/>
+        <p:nvPr/>
+      </p:nvGrpSpPr>
+      <p:grpSpPr>
+        <a:xfrm>
+          <a:off x="0" y="0"/>
+          <a:ext cx="0" cy="0"/>
+          <a:chOff x="0" y="0"/>
+          <a:chExt cx="0" cy="0"/>
+        </a:xfrm>
+      </p:grpSpPr>
+      <p:sp>
+        <p:nvSpPr>
+          <p:cNvPr id="114" name="Shape 114"/>
+          <p:cNvSpPr>
+            <a:spLocks noGrp="1"/>
+          </p:cNvSpPr>
+          <p:nvPr>
+            <p:ph type="title"/>
+          </p:nvPr>
+        </p:nvSpPr>
+        <p:spPr>
+          <a:prstGeom prst="rect">
+            <a:avLst/>
+          </a:prstGeom>
+        </p:spPr>
+        <p:txBody>
+          <a:bodyPr>
+            <a:normAutofit fontScale="90000"/>
+          </a:bodyPr>
+          <a:lstStyle/>
+          <a:p>
+            <a:r>
+              <a:t>Shared Files – Hard Links</a:t>
+            </a:r>
+          </a:p>
+        </p:txBody>
+      </p:sp>
+      <p:sp>
+        <p:nvSpPr>
+          <p:cNvPr id="116" name="Shape 116"/>
+          <p:cNvSpPr>
+            <a:spLocks noGrp="1"/>
+          </p:cNvSpPr>
+          <p:nvPr>
+            <p:ph type="body" sz="quarter" idx="1"/>
+          </p:nvPr>
+        </p:nvSpPr>
+        <p:spPr>
+          <a:xfrm>
+            <a:off x="108822" y="5065658"/>
+            <a:ext cx="2043758" cy="1600200"/>
+          </a:xfrm>
+          <a:prstGeom prst="rect">
+            <a:avLst/>
+          </a:prstGeom>
+        </p:spPr>
+        <p:txBody>
+          <a:bodyPr>
+            <a:normAutofit/>
+          </a:bodyPr>
+          <a:lstStyle>
+            <a:lvl1pPr marL="342900" indent="-342900">
+              <a:spcBef>
+                <a:spcPts val="500"/>
+              </a:spcBef>
+              <a:buSzTx/>
+              <a:buNone/>
+              <a:defRPr sz="1900"/>
+            </a:lvl1pPr>
+          </a:lstStyle>
+          <a:p>
+            <a:r>
+              <a:rPr smtClean="0"/>
+              <a:t>prior </a:t>
+            </a:r>
+            <a:r>
+              <a:t>to linking</a:t>
+            </a:r>
+          </a:p>
+        </p:txBody>
+      </p:sp>
+      <p:sp>
+        <p:nvSpPr>
+          <p:cNvPr id="117" name="Shape 117"/>
+          <p:cNvSpPr/>
+          <p:nvPr/>
+        </p:nvSpPr>
+        <p:spPr>
+          <a:xfrm>
+            <a:off x="5347306" y="5065658"/>
+            <a:ext cx="2794745" cy="1600200"/>
+          </a:xfrm>
+          <a:prstGeom prst="rect">
+            <a:avLst/>
+          </a:prstGeom>
+          <a:ln w="12700">
+            <a:miter lim="400000"/>
+          </a:ln>
+          <a:extLst>
+            <a:ext uri="{C572A759-6A51-4108-AA02-DFA0A04FC94B}">
+              <ma14:wrappingTextBoxFlag xmlns:ma14="http://schemas.microsoft.com/office/mac/drawingml/2011/main" val="1"/>
+            </a:ext>
+          </a:extLst>
+        </p:spPr>
+        <p:txBody>
+          <a:bodyPr lIns="45719" rIns="45719">
+            <a:normAutofit/>
+          </a:bodyPr>
+          <a:lstStyle/>
+          <a:p>
+            <a:pPr marL="342900" indent="-342900">
+              <a:spcBef>
+                <a:spcPts val="500"/>
+              </a:spcBef>
+              <a:defRPr sz="1900">
+                <a:latin typeface="Times New Roman"/>
+                <a:ea typeface="Times New Roman"/>
+                <a:cs typeface="Times New Roman"/>
+                <a:sym typeface="Times New Roman"/>
+              </a:defRPr>
+            </a:pPr>
+            <a:r>
+              <a:rPr dirty="0"/>
+              <a:t>After the original owner removes the file</a:t>
+            </a:r>
+          </a:p>
+          <a:p>
+            <a:pPr marL="342900" indent="-342900">
+              <a:spcBef>
+                <a:spcPts val="500"/>
+              </a:spcBef>
+              <a:defRPr sz="1900">
+                <a:latin typeface="Times New Roman"/>
+                <a:ea typeface="Times New Roman"/>
+                <a:cs typeface="Times New Roman"/>
+                <a:sym typeface="Times New Roman"/>
+              </a:defRPr>
+            </a:pPr>
+            <a:r>
+              <a:rPr dirty="0"/>
+              <a:t>File still exists, but with count decremented</a:t>
+            </a:r>
+          </a:p>
+        </p:txBody>
+      </p:sp>
+      <p:sp>
+        <p:nvSpPr>
+          <p:cNvPr id="118" name="Shape 118"/>
+          <p:cNvSpPr/>
+          <p:nvPr/>
+        </p:nvSpPr>
+        <p:spPr>
+          <a:xfrm>
+            <a:off x="2217711" y="5065658"/>
+            <a:ext cx="3208438" cy="1600200"/>
+          </a:xfrm>
+          <a:prstGeom prst="rect">
+            <a:avLst/>
+          </a:prstGeom>
+          <a:ln w="12700">
+            <a:miter lim="400000"/>
+          </a:ln>
+          <a:extLst>
+            <a:ext uri="{C572A759-6A51-4108-AA02-DFA0A04FC94B}">
+              <ma14:wrappingTextBoxFlag xmlns:ma14="http://schemas.microsoft.com/office/mac/drawingml/2011/main" val="1"/>
+            </a:ext>
+          </a:extLst>
+        </p:spPr>
+        <p:txBody>
+          <a:bodyPr lIns="45719" rIns="45719">
+            <a:normAutofit/>
+          </a:bodyPr>
+          <a:lstStyle>
+            <a:lvl1pPr marL="342900" indent="-342900">
+              <a:spcBef>
+                <a:spcPts val="500"/>
+              </a:spcBef>
+              <a:defRPr sz="1900">
+                <a:latin typeface="Times New Roman"/>
+                <a:ea typeface="Times New Roman"/>
+                <a:cs typeface="Times New Roman"/>
+                <a:sym typeface="Times New Roman"/>
+              </a:defRPr>
+            </a:lvl1pPr>
+          </a:lstStyle>
+          <a:p>
+            <a:r>
+              <a:t>After the hard link is created</a:t>
+            </a:r>
+          </a:p>
+        </p:txBody>
+      </p:sp>
+      <p:pic>
+        <p:nvPicPr>
+          <p:cNvPr id="7" name="6-18.jpg"/>
+          <p:cNvPicPr>
+            <a:picLocks noChangeAspect="1"/>
+          </p:cNvPicPr>
+          <p:nvPr/>
+        </p:nvPicPr>
+        <p:blipFill>
+          <a:blip r:embed="rId3">
+            <a:extLst/>
+          </a:blip>
+          <a:stretch>
+            <a:fillRect/>
+          </a:stretch>
+        </p:blipFill>
+        <p:spPr>
+          <a:xfrm>
+            <a:off x="6232704" y="0"/>
+            <a:ext cx="2930768" cy="2775012"/>
+          </a:xfrm>
+          <a:prstGeom prst="rect">
+            <a:avLst/>
+          </a:prstGeom>
+          <a:ln w="12700">
+            <a:miter lim="400000"/>
+          </a:ln>
+        </p:spPr>
+      </p:pic>
+      <p:pic>
+        <p:nvPicPr>
+          <p:cNvPr id="115" name="6-19.jpg"/>
+          <p:cNvPicPr>
+            <a:picLocks noChangeAspect="1"/>
+          </p:cNvPicPr>
+          <p:nvPr/>
+        </p:nvPicPr>
+        <p:blipFill>
+          <a:blip r:embed="rId4">
+            <a:extLst/>
+          </a:blip>
+          <a:stretch>
+            <a:fillRect/>
+          </a:stretch>
+        </p:blipFill>
+        <p:spPr>
+          <a:xfrm>
+            <a:off x="290457" y="1655638"/>
+            <a:ext cx="6368528" cy="3275810"/>
+          </a:xfrm>
+          <a:prstGeom prst="rect">
+            <a:avLst/>
+          </a:prstGeom>
+          <a:ln w="12700">
+            <a:miter lim="400000"/>
+          </a:ln>
+        </p:spPr>
+      </p:pic>
+    </p:spTree>
+    <p:extLst>
+      <p:ext uri="{BB962C8B-B14F-4D97-AF65-F5344CB8AC3E}">
+        <p14:creationId xmlns:p14="http://schemas.microsoft.com/office/powerpoint/2010/main" val="1744603860"/>
+      </p:ext>
+    </p:extLst>
+  </p:cSld>
+  <p:clrMapOvr>
+    <a:masterClrMapping/>
+  </p:clrMapOvr>
+  <p:transition spd="med"/>
+</p:sld>
+</file>
+
+<file path=ppt/slides/slide9.xml><?xml version="1.0" encoding="utf-8"?>
+<p:sld xmlns:a="http://schemas.openxmlformats.org/drawingml/2006/main" xmlns:r="http://schemas.openxmlformats.org/officeDocument/2006/relationships" xmlns:p="http://schemas.openxmlformats.org/presentationml/2006/main">
   <p:cSld>
     <p:spTree>
       <p:nvGrpSpPr>
@@ -8382,7 +8826,9 @@
       <p:sp>
         <p:nvSpPr>
           <p:cNvPr id="88" name="Shape 88"/>
-          <p:cNvSpPr/>
+          <p:cNvSpPr>
+            <a:spLocks noGrp="1"/>
+          </p:cNvSpPr>
           <p:nvPr>
             <p:ph type="title"/>
           </p:nvPr>
@@ -8398,13 +8844,12 @@
         </p:spPr>
         <p:txBody>
           <a:bodyPr>
-            <a:normAutofit fontScale="100000" lnSpcReduction="0"/>
+            <a:normAutofit/>
           </a:bodyPr>
           <a:lstStyle>
             <a:lvl1pPr algn="ctr"/>
           </a:lstStyle>
           <a:p>
-            <a:pPr/>
             <a:r>
               <a:t>What is a File System?</a:t>
             </a:r>
@@ -8414,7 +8859,9 @@
       <p:sp>
         <p:nvSpPr>
           <p:cNvPr id="89" name="Shape 89"/>
-          <p:cNvSpPr/>
+          <p:cNvSpPr>
+            <a:spLocks noGrp="1"/>
+          </p:cNvSpPr>
           <p:nvPr>
             <p:ph type="body" idx="1"/>
           </p:nvPr>
@@ -8443,6 +8890,7 @@
             <a:pPr marL="320842" indent="-320842">
               <a:defRPr sz="1400"/>
             </a:pPr>
+            <a:endParaRPr/>
           </a:p>
           <a:p>
             <a:pPr marL="320842" indent="-320842">
@@ -8460,6 +8908,7 @@
             <a:pPr marL="320842" indent="-320842">
               <a:defRPr sz="1600"/>
             </a:pPr>
+            <a:endParaRPr/>
           </a:p>
           <a:p>
             <a:pPr marL="320842" indent="-320842">
@@ -8493,6 +8942,7 @@
             <a:pPr marL="320842" indent="-320842">
               <a:defRPr sz="2100"/>
             </a:pPr>
+            <a:endParaRPr/>
           </a:p>
           <a:p>
             <a:pPr marL="320842" indent="-320842">
@@ -8541,770 +8991,12 @@
   <p:clrMapOvr>
     <a:masterClrMapping/>
   </p:clrMapOvr>
-  <p:transition xmlns:p14="http://schemas.microsoft.com/office/powerpoint/2010/main" spd="med" advClick="1"/>
-</p:sld>
-</file>
-
-<file path=ppt/slides/slide9.xml><?xml version="1.0" encoding="utf-8"?>
-<p:sld xmlns:a="http://schemas.openxmlformats.org/drawingml/2006/main" xmlns:r="http://schemas.openxmlformats.org/officeDocument/2006/relationships" xmlns:p="http://schemas.openxmlformats.org/presentationml/2006/main" showMasterSp="1" showMasterPhAnim="1">
-  <p:cSld>
-    <p:spTree>
-      <p:nvGrpSpPr>
-        <p:cNvPr id="1" name=""/>
-        <p:cNvGrpSpPr/>
-        <p:nvPr/>
-      </p:nvGrpSpPr>
-      <p:grpSpPr>
-        <a:xfrm>
-          <a:off x="0" y="0"/>
-          <a:ext cx="0" cy="0"/>
-          <a:chOff x="0" y="0"/>
-          <a:chExt cx="0" cy="0"/>
-        </a:xfrm>
-      </p:grpSpPr>
-      <p:sp>
-        <p:nvSpPr>
-          <p:cNvPr id="91" name="Shape 91"/>
-          <p:cNvSpPr/>
-          <p:nvPr>
-            <p:ph type="title"/>
-          </p:nvPr>
-        </p:nvSpPr>
-        <p:spPr>
-          <a:prstGeom prst="rect">
-            <a:avLst/>
-          </a:prstGeom>
-        </p:spPr>
-        <p:txBody>
-          <a:bodyPr/>
-          <a:lstStyle/>
-          <a:p>
-            <a:pPr/>
-            <a:r>
-              <a:t>Virtual File System (VFS)</a:t>
-            </a:r>
-          </a:p>
-        </p:txBody>
-      </p:sp>
-      <p:sp>
-        <p:nvSpPr>
-          <p:cNvPr id="92" name="Shape 92"/>
-          <p:cNvSpPr/>
-          <p:nvPr>
-            <p:ph type="body" sz="half" idx="1"/>
-          </p:nvPr>
-        </p:nvSpPr>
-        <p:spPr>
-          <a:xfrm>
-            <a:off x="76200" y="762000"/>
-            <a:ext cx="8991601" cy="1762026"/>
-          </a:xfrm>
-          <a:prstGeom prst="rect">
-            <a:avLst/>
-          </a:prstGeom>
-        </p:spPr>
-        <p:txBody>
-          <a:bodyPr/>
-          <a:lstStyle/>
-          <a:p>
-            <a:pPr marL="240631" indent="-240631">
-              <a:spcBef>
-                <a:spcPts val="0"/>
-              </a:spcBef>
-              <a:defRPr sz="2300"/>
-            </a:pPr>
-            <a:r>
-              <a:t>VFS provides </a:t>
-            </a:r>
-          </a:p>
-          <a:p>
-            <a:pPr lvl="1" marL="828842">
-              <a:spcBef>
-                <a:spcPts val="0"/>
-              </a:spcBef>
-              <a:buAutoNum type="arabicPeriod" startAt="1"/>
-              <a:defRPr sz="2300"/>
-            </a:pPr>
-            <a:r>
-              <a:t>A common system call interface to user applications to access different file systems implemented in the OS.</a:t>
-            </a:r>
-          </a:p>
-          <a:p>
-            <a:pPr lvl="1" marL="828842">
-              <a:spcBef>
-                <a:spcPts val="0"/>
-              </a:spcBef>
-              <a:buAutoNum type="arabicPeriod" startAt="1"/>
-              <a:defRPr sz="2300"/>
-            </a:pPr>
-            <a:r>
-              <a:t>A common interface to file systems to “plug into” the operating system and provide services to user applications.</a:t>
-            </a:r>
-          </a:p>
-        </p:txBody>
-      </p:sp>
-      <p:sp>
-        <p:nvSpPr>
-          <p:cNvPr id="93" name="Shape 93"/>
-          <p:cNvSpPr/>
-          <p:nvPr/>
-        </p:nvSpPr>
-        <p:spPr>
-          <a:xfrm>
-            <a:off x="1889769" y="2514600"/>
-            <a:ext cx="4595417" cy="542826"/>
-          </a:xfrm>
-          <a:prstGeom prst="rect">
-            <a:avLst/>
-          </a:prstGeom>
-          <a:solidFill>
-            <a:schemeClr val="accent3">
-              <a:lumOff val="44000"/>
-            </a:schemeClr>
-          </a:solidFill>
-          <a:ln w="25400">
-            <a:solidFill>
-              <a:srgbClr val="000000"/>
-            </a:solidFill>
-            <a:bevel/>
-          </a:ln>
-          <a:extLst>
-            <a:ext uri="{C572A759-6A51-4108-AA02-DFA0A04FC94B}">
-              <ma14:wrappingTextBoxFlag xmlns:ma14="http://schemas.microsoft.com/office/mac/drawingml/2011/main" val="1"/>
-            </a:ext>
-          </a:extLst>
-        </p:spPr>
-        <p:txBody>
-          <a:bodyPr lIns="45719" rIns="45719" anchor="ctr"/>
-          <a:lstStyle>
-            <a:lvl1pPr algn="ctr">
-              <a:defRPr sz="2400">
-                <a:latin typeface="Times New Roman"/>
-                <a:ea typeface="Times New Roman"/>
-                <a:cs typeface="Times New Roman"/>
-                <a:sym typeface="Times New Roman"/>
-              </a:defRPr>
-            </a:lvl1pPr>
-          </a:lstStyle>
-          <a:p>
-            <a:pPr/>
-            <a:r>
-              <a:t>User Applications</a:t>
-            </a:r>
-          </a:p>
-        </p:txBody>
-      </p:sp>
-      <p:sp>
-        <p:nvSpPr>
-          <p:cNvPr id="94" name="Shape 94"/>
-          <p:cNvSpPr/>
-          <p:nvPr/>
-        </p:nvSpPr>
-        <p:spPr>
-          <a:xfrm>
-            <a:off x="1889769" y="3048000"/>
-            <a:ext cx="4595417" cy="542826"/>
-          </a:xfrm>
-          <a:prstGeom prst="rect">
-            <a:avLst/>
-          </a:prstGeom>
-          <a:solidFill>
-            <a:schemeClr val="accent3">
-              <a:lumOff val="44000"/>
-            </a:schemeClr>
-          </a:solidFill>
-          <a:ln w="25400">
-            <a:solidFill>
-              <a:srgbClr val="000000"/>
-            </a:solidFill>
-            <a:bevel/>
-          </a:ln>
-          <a:extLst>
-            <a:ext uri="{C572A759-6A51-4108-AA02-DFA0A04FC94B}">
-              <ma14:wrappingTextBoxFlag xmlns:ma14="http://schemas.microsoft.com/office/mac/drawingml/2011/main" val="1"/>
-            </a:ext>
-          </a:extLst>
-        </p:spPr>
-        <p:txBody>
-          <a:bodyPr lIns="45719" rIns="45719" anchor="ctr"/>
-          <a:lstStyle>
-            <a:lvl1pPr algn="ctr">
-              <a:defRPr sz="2400">
-                <a:latin typeface="Times New Roman"/>
-                <a:ea typeface="Times New Roman"/>
-                <a:cs typeface="Times New Roman"/>
-                <a:sym typeface="Times New Roman"/>
-              </a:defRPr>
-            </a:lvl1pPr>
-          </a:lstStyle>
-          <a:p>
-            <a:pPr/>
-            <a:r>
-              <a:t>System Calls</a:t>
-            </a:r>
-          </a:p>
-        </p:txBody>
-      </p:sp>
-      <p:sp>
-        <p:nvSpPr>
-          <p:cNvPr id="95" name="Shape 95"/>
-          <p:cNvSpPr/>
-          <p:nvPr/>
-        </p:nvSpPr>
-        <p:spPr>
-          <a:xfrm>
-            <a:off x="1889769" y="3581400"/>
-            <a:ext cx="4595417" cy="542826"/>
-          </a:xfrm>
-          <a:prstGeom prst="rect">
-            <a:avLst/>
-          </a:prstGeom>
-          <a:solidFill>
-            <a:schemeClr val="accent3">
-              <a:lumOff val="44000"/>
-            </a:schemeClr>
-          </a:solidFill>
-          <a:ln w="25400">
-            <a:solidFill>
-              <a:srgbClr val="000000"/>
-            </a:solidFill>
-            <a:bevel/>
-          </a:ln>
-          <a:extLst>
-            <a:ext uri="{C572A759-6A51-4108-AA02-DFA0A04FC94B}">
-              <ma14:wrappingTextBoxFlag xmlns:ma14="http://schemas.microsoft.com/office/mac/drawingml/2011/main" val="1"/>
-            </a:ext>
-          </a:extLst>
-        </p:spPr>
-        <p:txBody>
-          <a:bodyPr lIns="45719" rIns="45719" anchor="ctr"/>
-          <a:lstStyle>
-            <a:lvl1pPr algn="ctr">
-              <a:defRPr sz="2400">
-                <a:latin typeface="Times New Roman"/>
-                <a:ea typeface="Times New Roman"/>
-                <a:cs typeface="Times New Roman"/>
-                <a:sym typeface="Times New Roman"/>
-              </a:defRPr>
-            </a:lvl1pPr>
-          </a:lstStyle>
-          <a:p>
-            <a:pPr/>
-            <a:r>
-              <a:t>Virtual File System</a:t>
-            </a:r>
-          </a:p>
-        </p:txBody>
-      </p:sp>
-      <p:sp>
-        <p:nvSpPr>
-          <p:cNvPr id="96" name="Shape 96"/>
-          <p:cNvSpPr/>
-          <p:nvPr/>
-        </p:nvSpPr>
-        <p:spPr>
-          <a:xfrm>
-            <a:off x="1889769" y="4129740"/>
-            <a:ext cx="1321694" cy="858243"/>
-          </a:xfrm>
-          <a:prstGeom prst="rect">
-            <a:avLst/>
-          </a:prstGeom>
-          <a:solidFill>
-            <a:schemeClr val="accent3">
-              <a:lumOff val="44000"/>
-            </a:schemeClr>
-          </a:solidFill>
-          <a:ln w="25400">
-            <a:solidFill>
-              <a:srgbClr val="000000"/>
-            </a:solidFill>
-            <a:bevel/>
-          </a:ln>
-          <a:extLst>
-            <a:ext uri="{C572A759-6A51-4108-AA02-DFA0A04FC94B}">
-              <ma14:wrappingTextBoxFlag xmlns:ma14="http://schemas.microsoft.com/office/mac/drawingml/2011/main" val="1"/>
-            </a:ext>
-          </a:extLst>
-        </p:spPr>
-        <p:txBody>
-          <a:bodyPr lIns="45719" rIns="45719" anchor="ctr"/>
-          <a:lstStyle>
-            <a:lvl1pPr algn="ctr">
-              <a:defRPr sz="2400">
-                <a:latin typeface="Times New Roman"/>
-                <a:ea typeface="Times New Roman"/>
-                <a:cs typeface="Times New Roman"/>
-                <a:sym typeface="Times New Roman"/>
-              </a:defRPr>
-            </a:lvl1pPr>
-          </a:lstStyle>
-          <a:p>
-            <a:pPr/>
-            <a:r>
-              <a:t>File System 1</a:t>
-            </a:r>
-          </a:p>
-        </p:txBody>
-      </p:sp>
-      <p:sp>
-        <p:nvSpPr>
-          <p:cNvPr id="97" name="Shape 97"/>
-          <p:cNvSpPr/>
-          <p:nvPr/>
-        </p:nvSpPr>
-        <p:spPr>
-          <a:xfrm>
-            <a:off x="3210569" y="4129740"/>
-            <a:ext cx="1321694" cy="858243"/>
-          </a:xfrm>
-          <a:prstGeom prst="rect">
-            <a:avLst/>
-          </a:prstGeom>
-          <a:solidFill>
-            <a:schemeClr val="accent3">
-              <a:lumOff val="44000"/>
-            </a:schemeClr>
-          </a:solidFill>
-          <a:ln w="25400">
-            <a:solidFill>
-              <a:srgbClr val="000000"/>
-            </a:solidFill>
-            <a:bevel/>
-          </a:ln>
-          <a:extLst>
-            <a:ext uri="{C572A759-6A51-4108-AA02-DFA0A04FC94B}">
-              <ma14:wrappingTextBoxFlag xmlns:ma14="http://schemas.microsoft.com/office/mac/drawingml/2011/main" val="1"/>
-            </a:ext>
-          </a:extLst>
-        </p:spPr>
-        <p:txBody>
-          <a:bodyPr lIns="45719" rIns="45719" anchor="ctr"/>
-          <a:lstStyle>
-            <a:lvl1pPr algn="ctr">
-              <a:defRPr sz="2400">
-                <a:latin typeface="Times New Roman"/>
-                <a:ea typeface="Times New Roman"/>
-                <a:cs typeface="Times New Roman"/>
-                <a:sym typeface="Times New Roman"/>
-              </a:defRPr>
-            </a:lvl1pPr>
-          </a:lstStyle>
-          <a:p>
-            <a:pPr/>
-            <a:r>
-              <a:t>File System 2</a:t>
-            </a:r>
-          </a:p>
-        </p:txBody>
-      </p:sp>
-      <p:sp>
-        <p:nvSpPr>
-          <p:cNvPr id="98" name="Shape 98"/>
-          <p:cNvSpPr/>
-          <p:nvPr/>
-        </p:nvSpPr>
-        <p:spPr>
-          <a:xfrm>
-            <a:off x="5168850" y="4129740"/>
-            <a:ext cx="1321694" cy="858243"/>
-          </a:xfrm>
-          <a:prstGeom prst="rect">
-            <a:avLst/>
-          </a:prstGeom>
-          <a:solidFill>
-            <a:schemeClr val="accent3">
-              <a:lumOff val="44000"/>
-            </a:schemeClr>
-          </a:solidFill>
-          <a:ln w="25400">
-            <a:solidFill>
-              <a:srgbClr val="000000"/>
-            </a:solidFill>
-            <a:bevel/>
-          </a:ln>
-          <a:extLst>
-            <a:ext uri="{C572A759-6A51-4108-AA02-DFA0A04FC94B}">
-              <ma14:wrappingTextBoxFlag xmlns:ma14="http://schemas.microsoft.com/office/mac/drawingml/2011/main" val="1"/>
-            </a:ext>
-          </a:extLst>
-        </p:spPr>
-        <p:txBody>
-          <a:bodyPr lIns="45719" rIns="45719" anchor="ctr"/>
-          <a:lstStyle>
-            <a:lvl1pPr algn="ctr">
-              <a:defRPr sz="2400">
-                <a:latin typeface="Times New Roman"/>
-                <a:ea typeface="Times New Roman"/>
-                <a:cs typeface="Times New Roman"/>
-                <a:sym typeface="Times New Roman"/>
-              </a:defRPr>
-            </a:lvl1pPr>
-          </a:lstStyle>
-          <a:p>
-            <a:pPr/>
-            <a:r>
-              <a:t>File System N</a:t>
-            </a:r>
-          </a:p>
-        </p:txBody>
-      </p:sp>
-      <p:sp>
-        <p:nvSpPr>
-          <p:cNvPr id="99" name="Shape 99"/>
-          <p:cNvSpPr/>
-          <p:nvPr/>
-        </p:nvSpPr>
-        <p:spPr>
-          <a:xfrm>
-            <a:off x="4492595" y="4348165"/>
-            <a:ext cx="713741" cy="421393"/>
-          </a:xfrm>
-          <a:prstGeom prst="rect">
-            <a:avLst/>
-          </a:prstGeom>
-          <a:ln w="12700">
-            <a:miter lim="400000"/>
-          </a:ln>
-          <a:extLst>
-            <a:ext uri="{C572A759-6A51-4108-AA02-DFA0A04FC94B}">
-              <ma14:wrappingTextBoxFlag xmlns:ma14="http://schemas.microsoft.com/office/mac/drawingml/2011/main" val="1"/>
-            </a:ext>
-          </a:extLst>
-        </p:spPr>
-        <p:txBody>
-          <a:bodyPr wrap="none" lIns="45719" rIns="45719">
-            <a:spAutoFit/>
-          </a:bodyPr>
-          <a:lstStyle>
-            <a:lvl1pPr>
-              <a:defRPr sz="2400">
-                <a:latin typeface="Times New Roman"/>
-                <a:ea typeface="Times New Roman"/>
-                <a:cs typeface="Times New Roman"/>
-                <a:sym typeface="Times New Roman"/>
-              </a:defRPr>
-            </a:lvl1pPr>
-          </a:lstStyle>
-          <a:p>
-            <a:pPr/>
-            <a:r>
-              <a:t>……</a:t>
-            </a:r>
-          </a:p>
-        </p:txBody>
-      </p:sp>
-      <p:sp>
-        <p:nvSpPr>
-          <p:cNvPr id="100" name="Shape 100"/>
-          <p:cNvSpPr/>
-          <p:nvPr/>
-        </p:nvSpPr>
-        <p:spPr>
-          <a:xfrm>
-            <a:off x="1889769" y="4993497"/>
-            <a:ext cx="4595417" cy="542826"/>
-          </a:xfrm>
-          <a:prstGeom prst="rect">
-            <a:avLst/>
-          </a:prstGeom>
-          <a:solidFill>
-            <a:schemeClr val="accent3">
-              <a:lumOff val="44000"/>
-            </a:schemeClr>
-          </a:solidFill>
-          <a:ln w="25400">
-            <a:solidFill>
-              <a:srgbClr val="000000"/>
-            </a:solidFill>
-            <a:bevel/>
-          </a:ln>
-          <a:extLst>
-            <a:ext uri="{C572A759-6A51-4108-AA02-DFA0A04FC94B}">
-              <ma14:wrappingTextBoxFlag xmlns:ma14="http://schemas.microsoft.com/office/mac/drawingml/2011/main" val="1"/>
-            </a:ext>
-          </a:extLst>
-        </p:spPr>
-        <p:txBody>
-          <a:bodyPr lIns="45719" rIns="45719" anchor="ctr"/>
-          <a:lstStyle>
-            <a:lvl1pPr algn="ctr">
-              <a:defRPr sz="2400">
-                <a:latin typeface="Times New Roman"/>
-                <a:ea typeface="Times New Roman"/>
-                <a:cs typeface="Times New Roman"/>
-                <a:sym typeface="Times New Roman"/>
-              </a:defRPr>
-            </a:lvl1pPr>
-          </a:lstStyle>
-          <a:p>
-            <a:pPr/>
-            <a:r>
-              <a:t>File System Cache</a:t>
-            </a:r>
-          </a:p>
-        </p:txBody>
-      </p:sp>
-      <p:sp>
-        <p:nvSpPr>
-          <p:cNvPr id="101" name="Shape 101"/>
-          <p:cNvSpPr/>
-          <p:nvPr/>
-        </p:nvSpPr>
-        <p:spPr>
-          <a:xfrm>
-            <a:off x="1889769" y="5526897"/>
-            <a:ext cx="4595417" cy="542826"/>
-          </a:xfrm>
-          <a:prstGeom prst="rect">
-            <a:avLst/>
-          </a:prstGeom>
-          <a:solidFill>
-            <a:schemeClr val="accent3">
-              <a:lumOff val="44000"/>
-            </a:schemeClr>
-          </a:solidFill>
-          <a:ln w="25400">
-            <a:solidFill>
-              <a:srgbClr val="000000"/>
-            </a:solidFill>
-            <a:bevel/>
-          </a:ln>
-          <a:extLst>
-            <a:ext uri="{C572A759-6A51-4108-AA02-DFA0A04FC94B}">
-              <ma14:wrappingTextBoxFlag xmlns:ma14="http://schemas.microsoft.com/office/mac/drawingml/2011/main" val="1"/>
-            </a:ext>
-          </a:extLst>
-        </p:spPr>
-        <p:txBody>
-          <a:bodyPr lIns="45719" rIns="45719" anchor="ctr"/>
-          <a:lstStyle>
-            <a:lvl1pPr algn="ctr">
-              <a:defRPr sz="2400">
-                <a:latin typeface="Times New Roman"/>
-                <a:ea typeface="Times New Roman"/>
-                <a:cs typeface="Times New Roman"/>
-                <a:sym typeface="Times New Roman"/>
-              </a:defRPr>
-            </a:lvl1pPr>
-          </a:lstStyle>
-          <a:p>
-            <a:pPr/>
-            <a:r>
-              <a:t>Device Drivers</a:t>
-            </a:r>
-          </a:p>
-        </p:txBody>
-      </p:sp>
-      <p:sp>
-        <p:nvSpPr>
-          <p:cNvPr id="102" name="Shape 102"/>
-          <p:cNvSpPr/>
-          <p:nvPr/>
-        </p:nvSpPr>
-        <p:spPr>
-          <a:xfrm>
-            <a:off x="1887091" y="6060297"/>
-            <a:ext cx="1321694" cy="689819"/>
-          </a:xfrm>
-          <a:prstGeom prst="rect">
-            <a:avLst/>
-          </a:prstGeom>
-          <a:solidFill>
-            <a:schemeClr val="accent3">
-              <a:lumOff val="44000"/>
-            </a:schemeClr>
-          </a:solidFill>
-          <a:ln w="25400">
-            <a:solidFill>
-              <a:srgbClr val="000000"/>
-            </a:solidFill>
-            <a:bevel/>
-          </a:ln>
-          <a:extLst>
-            <a:ext uri="{C572A759-6A51-4108-AA02-DFA0A04FC94B}">
-              <ma14:wrappingTextBoxFlag xmlns:ma14="http://schemas.microsoft.com/office/mac/drawingml/2011/main" val="1"/>
-            </a:ext>
-          </a:extLst>
-        </p:spPr>
-        <p:txBody>
-          <a:bodyPr lIns="45719" rIns="45719" anchor="ctr"/>
-          <a:lstStyle>
-            <a:lvl1pPr algn="ctr">
-              <a:defRPr sz="2400">
-                <a:latin typeface="Times New Roman"/>
-                <a:ea typeface="Times New Roman"/>
-                <a:cs typeface="Times New Roman"/>
-                <a:sym typeface="Times New Roman"/>
-              </a:defRPr>
-            </a:lvl1pPr>
-          </a:lstStyle>
-          <a:p>
-            <a:pPr/>
-            <a:r>
-              <a:t>Storage 1</a:t>
-            </a:r>
-          </a:p>
-        </p:txBody>
-      </p:sp>
-      <p:sp>
-        <p:nvSpPr>
-          <p:cNvPr id="103" name="Shape 103"/>
-          <p:cNvSpPr/>
-          <p:nvPr/>
-        </p:nvSpPr>
-        <p:spPr>
-          <a:xfrm>
-            <a:off x="3207891" y="6060297"/>
-            <a:ext cx="1321693" cy="689819"/>
-          </a:xfrm>
-          <a:prstGeom prst="rect">
-            <a:avLst/>
-          </a:prstGeom>
-          <a:solidFill>
-            <a:schemeClr val="accent3">
-              <a:lumOff val="44000"/>
-            </a:schemeClr>
-          </a:solidFill>
-          <a:ln w="25400">
-            <a:solidFill>
-              <a:srgbClr val="000000"/>
-            </a:solidFill>
-            <a:bevel/>
-          </a:ln>
-          <a:extLst>
-            <a:ext uri="{C572A759-6A51-4108-AA02-DFA0A04FC94B}">
-              <ma14:wrappingTextBoxFlag xmlns:ma14="http://schemas.microsoft.com/office/mac/drawingml/2011/main" val="1"/>
-            </a:ext>
-          </a:extLst>
-        </p:spPr>
-        <p:txBody>
-          <a:bodyPr lIns="45719" rIns="45719" anchor="ctr"/>
-          <a:lstStyle>
-            <a:lvl1pPr algn="ctr">
-              <a:defRPr sz="2400">
-                <a:latin typeface="Times New Roman"/>
-                <a:ea typeface="Times New Roman"/>
-                <a:cs typeface="Times New Roman"/>
-                <a:sym typeface="Times New Roman"/>
-              </a:defRPr>
-            </a:lvl1pPr>
-          </a:lstStyle>
-          <a:p>
-            <a:pPr/>
-            <a:r>
-              <a:t>Storage 2</a:t>
-            </a:r>
-          </a:p>
-        </p:txBody>
-      </p:sp>
-      <p:sp>
-        <p:nvSpPr>
-          <p:cNvPr id="104" name="Shape 104"/>
-          <p:cNvSpPr/>
-          <p:nvPr/>
-        </p:nvSpPr>
-        <p:spPr>
-          <a:xfrm>
-            <a:off x="5166171" y="6072997"/>
-            <a:ext cx="1321694" cy="664419"/>
-          </a:xfrm>
-          <a:prstGeom prst="rect">
-            <a:avLst/>
-          </a:prstGeom>
-          <a:solidFill>
-            <a:schemeClr val="accent3">
-              <a:lumOff val="44000"/>
-            </a:schemeClr>
-          </a:solidFill>
-          <a:ln w="25400">
-            <a:solidFill>
-              <a:srgbClr val="000000"/>
-            </a:solidFill>
-            <a:bevel/>
-          </a:ln>
-          <a:extLst>
-            <a:ext uri="{C572A759-6A51-4108-AA02-DFA0A04FC94B}">
-              <ma14:wrappingTextBoxFlag xmlns:ma14="http://schemas.microsoft.com/office/mac/drawingml/2011/main" val="1"/>
-            </a:ext>
-          </a:extLst>
-        </p:spPr>
-        <p:txBody>
-          <a:bodyPr lIns="45719" rIns="45719" anchor="ctr"/>
-          <a:lstStyle>
-            <a:lvl1pPr algn="ctr">
-              <a:defRPr sz="2400">
-                <a:latin typeface="Times New Roman"/>
-                <a:ea typeface="Times New Roman"/>
-                <a:cs typeface="Times New Roman"/>
-                <a:sym typeface="Times New Roman"/>
-              </a:defRPr>
-            </a:lvl1pPr>
-          </a:lstStyle>
-          <a:p>
-            <a:pPr/>
-            <a:r>
-              <a:t>Storage 3</a:t>
-            </a:r>
-          </a:p>
-        </p:txBody>
-      </p:sp>
-      <p:sp>
-        <p:nvSpPr>
-          <p:cNvPr id="105" name="Shape 105"/>
-          <p:cNvSpPr/>
-          <p:nvPr/>
-        </p:nvSpPr>
-        <p:spPr>
-          <a:xfrm>
-            <a:off x="4492595" y="6194510"/>
-            <a:ext cx="713741" cy="421393"/>
-          </a:xfrm>
-          <a:prstGeom prst="rect">
-            <a:avLst/>
-          </a:prstGeom>
-          <a:ln w="12700">
-            <a:miter lim="400000"/>
-          </a:ln>
-          <a:extLst>
-            <a:ext uri="{C572A759-6A51-4108-AA02-DFA0A04FC94B}">
-              <ma14:wrappingTextBoxFlag xmlns:ma14="http://schemas.microsoft.com/office/mac/drawingml/2011/main" val="1"/>
-            </a:ext>
-          </a:extLst>
-        </p:spPr>
-        <p:txBody>
-          <a:bodyPr wrap="none" lIns="45719" rIns="45719">
-            <a:spAutoFit/>
-          </a:bodyPr>
-          <a:lstStyle>
-            <a:lvl1pPr>
-              <a:defRPr sz="2400">
-                <a:latin typeface="Times New Roman"/>
-                <a:ea typeface="Times New Roman"/>
-                <a:cs typeface="Times New Roman"/>
-                <a:sym typeface="Times New Roman"/>
-              </a:defRPr>
-            </a:lvl1pPr>
-          </a:lstStyle>
-          <a:p>
-            <a:pPr/>
-            <a:r>
-              <a:t>……</a:t>
-            </a:r>
-          </a:p>
-        </p:txBody>
-      </p:sp>
-    </p:spTree>
-  </p:cSld>
-  <p:clrMapOvr>
-    <a:masterClrMapping/>
-  </p:clrMapOvr>
-  <p:transition xmlns:p14="http://schemas.microsoft.com/office/powerpoint/2010/main" spd="med" advClick="1"/>
+  <p:transition spd="med"/>
 </p:sld>
 </file>
 
 <file path=ppt/theme/theme1.xml><?xml version="1.0" encoding="utf-8"?>
-<a:theme xmlns:a="http://schemas.openxmlformats.org/drawingml/2006/main" xmlns:r="http://schemas.openxmlformats.org/officeDocument/2006/relationships" name="Default">
+<a:theme xmlns:a="http://schemas.openxmlformats.org/drawingml/2006/main" name="Default">
   <a:themeElements>
     <a:clrScheme name="Default">
       <a:dk1>
@@ -9430,7 +9122,7 @@
       <a:effectStyleLst>
         <a:effectStyle>
           <a:effectLst>
-            <a:outerShdw sx="100000" sy="100000" kx="0" ky="0" algn="b" rotWithShape="0" blurRad="38100" dist="23000" dir="5400000">
+            <a:outerShdw blurRad="38100" dist="23000" dir="5400000" rotWithShape="0">
               <a:srgbClr val="000000">
                 <a:alpha val="35000"/>
               </a:srgbClr>
@@ -9439,7 +9131,7 @@
         </a:effectStyle>
         <a:effectStyle>
           <a:effectLst>
-            <a:outerShdw sx="100000" sy="100000" kx="0" ky="0" algn="b" rotWithShape="0" blurRad="38100" dist="23000" dir="5400000">
+            <a:outerShdw blurRad="38100" dist="23000" dir="5400000" rotWithShape="0">
               <a:srgbClr val="000000">
                 <a:alpha val="35000"/>
               </a:srgbClr>
@@ -9448,7 +9140,7 @@
         </a:effectStyle>
         <a:effectStyle>
           <a:effectLst>
-            <a:outerShdw sx="100000" sy="100000" kx="0" ky="0" algn="b" rotWithShape="0" blurRad="38100" dist="20000" dir="5400000">
+            <a:outerShdw blurRad="38100" dist="20000" dir="5400000" rotWithShape="0">
               <a:srgbClr val="000000">
                 <a:alpha val="38000"/>
               </a:srgbClr>
@@ -9524,7 +9216,7 @@
           <a:bevel/>
         </a:ln>
         <a:effectLst>
-          <a:outerShdw sx="100000" sy="100000" kx="0" ky="0" algn="b" rotWithShape="0" blurRad="38100" dist="23000" dir="5400000">
+          <a:outerShdw blurRad="38100" dist="23000" dir="5400000" rotWithShape="0">
             <a:srgbClr val="000000">
               <a:alpha val="35000"/>
             </a:srgbClr>
@@ -9532,7 +9224,7 @@
         </a:effectLst>
         <a:sp3d/>
       </a:spPr>
-      <a:bodyPr rot="0" spcFirstLastPara="1" vertOverflow="overflow" horzOverflow="overflow" vert="horz" wrap="square" lIns="45719" tIns="45719" rIns="45719" bIns="45719" numCol="1" spcCol="38100" rtlCol="0" anchor="ctr" upright="0">
+      <a:bodyPr rot="0" spcFirstLastPara="1" vertOverflow="overflow" horzOverflow="overflow" vert="horz" wrap="square" lIns="45719" tIns="45719" rIns="45719" bIns="45719" numCol="1" spcCol="38100" rtlCol="0" anchor="ctr">
         <a:spAutoFit/>
       </a:bodyPr>
       <a:lstStyle>
@@ -9551,7 +9243,7 @@
           <a:buFontTx/>
           <a:buNone/>
           <a:tabLst/>
-          <a:defRPr b="0" baseline="0" cap="none" i="0" spc="0" strike="noStrike" sz="1400" u="none" kumimoji="0" normalizeH="0">
+          <a:defRPr kumimoji="0" sz="1400" b="0" i="0" u="none" strike="noStrike" cap="none" spc="0" normalizeH="0" baseline="0">
             <a:ln>
               <a:noFill/>
             </a:ln>
@@ -9581,7 +9273,7 @@
           <a:buFontTx/>
           <a:buNone/>
           <a:tabLst/>
-          <a:defRPr b="0" baseline="0" cap="none" i="0" spc="0" strike="noStrike" sz="1800" u="none" kumimoji="0" normalizeH="0">
+          <a:defRPr kumimoji="0" sz="1800" b="0" i="0" u="none" strike="noStrike" cap="none" spc="0" normalizeH="0" baseline="0">
             <a:ln>
               <a:noFill/>
             </a:ln>
@@ -9607,7 +9299,7 @@
           <a:buFontTx/>
           <a:buNone/>
           <a:tabLst/>
-          <a:defRPr b="0" baseline="0" cap="none" i="0" spc="0" strike="noStrike" sz="1800" u="none" kumimoji="0" normalizeH="0">
+          <a:defRPr kumimoji="0" sz="1800" b="0" i="0" u="none" strike="noStrike" cap="none" spc="0" normalizeH="0" baseline="0">
             <a:ln>
               <a:noFill/>
             </a:ln>
@@ -9633,7 +9325,7 @@
           <a:buFontTx/>
           <a:buNone/>
           <a:tabLst/>
-          <a:defRPr b="0" baseline="0" cap="none" i="0" spc="0" strike="noStrike" sz="1800" u="none" kumimoji="0" normalizeH="0">
+          <a:defRPr kumimoji="0" sz="1800" b="0" i="0" u="none" strike="noStrike" cap="none" spc="0" normalizeH="0" baseline="0">
             <a:ln>
               <a:noFill/>
             </a:ln>
@@ -9659,7 +9351,7 @@
           <a:buFontTx/>
           <a:buNone/>
           <a:tabLst/>
-          <a:defRPr b="0" baseline="0" cap="none" i="0" spc="0" strike="noStrike" sz="1800" u="none" kumimoji="0" normalizeH="0">
+          <a:defRPr kumimoji="0" sz="1800" b="0" i="0" u="none" strike="noStrike" cap="none" spc="0" normalizeH="0" baseline="0">
             <a:ln>
               <a:noFill/>
             </a:ln>
@@ -9685,7 +9377,7 @@
           <a:buFontTx/>
           <a:buNone/>
           <a:tabLst/>
-          <a:defRPr b="0" baseline="0" cap="none" i="0" spc="0" strike="noStrike" sz="1800" u="none" kumimoji="0" normalizeH="0">
+          <a:defRPr kumimoji="0" sz="1800" b="0" i="0" u="none" strike="noStrike" cap="none" spc="0" normalizeH="0" baseline="0">
             <a:ln>
               <a:noFill/>
             </a:ln>
@@ -9711,7 +9403,7 @@
           <a:buFontTx/>
           <a:buNone/>
           <a:tabLst/>
-          <a:defRPr b="0" baseline="0" cap="none" i="0" spc="0" strike="noStrike" sz="1800" u="none" kumimoji="0" normalizeH="0">
+          <a:defRPr kumimoji="0" sz="1800" b="0" i="0" u="none" strike="noStrike" cap="none" spc="0" normalizeH="0" baseline="0">
             <a:ln>
               <a:noFill/>
             </a:ln>
@@ -9737,7 +9429,7 @@
           <a:buFontTx/>
           <a:buNone/>
           <a:tabLst/>
-          <a:defRPr b="0" baseline="0" cap="none" i="0" spc="0" strike="noStrike" sz="1800" u="none" kumimoji="0" normalizeH="0">
+          <a:defRPr kumimoji="0" sz="1800" b="0" i="0" u="none" strike="noStrike" cap="none" spc="0" normalizeH="0" baseline="0">
             <a:ln>
               <a:noFill/>
             </a:ln>
@@ -9763,7 +9455,7 @@
           <a:buFontTx/>
           <a:buNone/>
           <a:tabLst/>
-          <a:defRPr b="0" baseline="0" cap="none" i="0" spc="0" strike="noStrike" sz="1800" u="none" kumimoji="0" normalizeH="0">
+          <a:defRPr kumimoji="0" sz="1800" b="0" i="0" u="none" strike="noStrike" cap="none" spc="0" normalizeH="0" baseline="0">
             <a:ln>
               <a:noFill/>
             </a:ln>
@@ -9789,7 +9481,7 @@
           <a:buFontTx/>
           <a:buNone/>
           <a:tabLst/>
-          <a:defRPr b="0" baseline="0" cap="none" i="0" spc="0" strike="noStrike" sz="1800" u="none" kumimoji="0" normalizeH="0">
+          <a:defRPr kumimoji="0" sz="1800" b="0" i="0" u="none" strike="noStrike" cap="none" spc="0" normalizeH="0" baseline="0">
             <a:ln>
               <a:noFill/>
             </a:ln>
@@ -9802,9 +9494,15 @@
         </a:lvl9pPr>
       </a:lstStyle>
       <a:style>
-        <a:lnRef idx="0"/>
-        <a:fillRef idx="0"/>
-        <a:effectRef idx="0"/>
+        <a:lnRef idx="0">
+          <a:scrgbClr r="0" g="0" b="0"/>
+        </a:lnRef>
+        <a:fillRef idx="0">
+          <a:scrgbClr r="0" g="0" b="0"/>
+        </a:fillRef>
+        <a:effectRef idx="0">
+          <a:scrgbClr r="0" g="0" b="0"/>
+        </a:effectRef>
         <a:fontRef idx="none"/>
       </a:style>
     </a:spDef>
@@ -9819,7 +9517,7 @@
           <a:bevel/>
         </a:ln>
         <a:effectLst>
-          <a:outerShdw sx="100000" sy="100000" kx="0" ky="0" algn="b" rotWithShape="0" blurRad="38100" dist="20000" dir="5400000">
+          <a:outerShdw blurRad="38100" dist="20000" dir="5400000" rotWithShape="0">
             <a:srgbClr val="000000">
               <a:alpha val="38000"/>
             </a:srgbClr>
@@ -9827,7 +9525,7 @@
         </a:effectLst>
         <a:sp3d/>
       </a:spPr>
-      <a:bodyPr rot="0" spcFirstLastPara="1" vertOverflow="overflow" horzOverflow="overflow" vert="horz" wrap="square" lIns="91439" tIns="45719" rIns="91439" bIns="45719" numCol="1" spcCol="38100" rtlCol="0" anchor="t" upright="0">
+      <a:bodyPr rot="0" spcFirstLastPara="1" vertOverflow="overflow" horzOverflow="overflow" vert="horz" wrap="square" lIns="91439" tIns="45719" rIns="91439" bIns="45719" numCol="1" spcCol="38100" rtlCol="0" anchor="t">
         <a:noAutofit/>
       </a:bodyPr>
       <a:lstStyle>
@@ -9846,7 +9544,7 @@
           <a:buFontTx/>
           <a:buNone/>
           <a:tabLst/>
-          <a:defRPr b="0" baseline="0" cap="none" i="0" spc="0" strike="noStrike" sz="1800" u="none" kumimoji="0" normalizeH="0">
+          <a:defRPr kumimoji="0" sz="1800" b="0" i="0" u="none" strike="noStrike" cap="none" spc="0" normalizeH="0" baseline="0">
             <a:ln>
               <a:noFill/>
             </a:ln>
@@ -9872,7 +9570,7 @@
           <a:buFontTx/>
           <a:buNone/>
           <a:tabLst/>
-          <a:defRPr b="0" baseline="0" cap="none" i="0" spc="0" strike="noStrike" sz="1800" u="none" kumimoji="0" normalizeH="0">
+          <a:defRPr kumimoji="0" sz="1800" b="0" i="0" u="none" strike="noStrike" cap="none" spc="0" normalizeH="0" baseline="0">
             <a:ln>
               <a:noFill/>
             </a:ln>
@@ -9898,7 +9596,7 @@
           <a:buFontTx/>
           <a:buNone/>
           <a:tabLst/>
-          <a:defRPr b="0" baseline="0" cap="none" i="0" spc="0" strike="noStrike" sz="1800" u="none" kumimoji="0" normalizeH="0">
+          <a:defRPr kumimoji="0" sz="1800" b="0" i="0" u="none" strike="noStrike" cap="none" spc="0" normalizeH="0" baseline="0">
             <a:ln>
               <a:noFill/>
             </a:ln>
@@ -9924,7 +9622,7 @@
           <a:buFontTx/>
           <a:buNone/>
           <a:tabLst/>
-          <a:defRPr b="0" baseline="0" cap="none" i="0" spc="0" strike="noStrike" sz="1800" u="none" kumimoji="0" normalizeH="0">
+          <a:defRPr kumimoji="0" sz="1800" b="0" i="0" u="none" strike="noStrike" cap="none" spc="0" normalizeH="0" baseline="0">
             <a:ln>
               <a:noFill/>
             </a:ln>
@@ -9950,7 +9648,7 @@
           <a:buFontTx/>
           <a:buNone/>
           <a:tabLst/>
-          <a:defRPr b="0" baseline="0" cap="none" i="0" spc="0" strike="noStrike" sz="1800" u="none" kumimoji="0" normalizeH="0">
+          <a:defRPr kumimoji="0" sz="1800" b="0" i="0" u="none" strike="noStrike" cap="none" spc="0" normalizeH="0" baseline="0">
             <a:ln>
               <a:noFill/>
             </a:ln>
@@ -9976,7 +9674,7 @@
           <a:buFontTx/>
           <a:buNone/>
           <a:tabLst/>
-          <a:defRPr b="0" baseline="0" cap="none" i="0" spc="0" strike="noStrike" sz="1800" u="none" kumimoji="0" normalizeH="0">
+          <a:defRPr kumimoji="0" sz="1800" b="0" i="0" u="none" strike="noStrike" cap="none" spc="0" normalizeH="0" baseline="0">
             <a:ln>
               <a:noFill/>
             </a:ln>
@@ -10002,7 +9700,7 @@
           <a:buFontTx/>
           <a:buNone/>
           <a:tabLst/>
-          <a:defRPr b="0" baseline="0" cap="none" i="0" spc="0" strike="noStrike" sz="1800" u="none" kumimoji="0" normalizeH="0">
+          <a:defRPr kumimoji="0" sz="1800" b="0" i="0" u="none" strike="noStrike" cap="none" spc="0" normalizeH="0" baseline="0">
             <a:ln>
               <a:noFill/>
             </a:ln>
@@ -10028,7 +9726,7 @@
           <a:buFontTx/>
           <a:buNone/>
           <a:tabLst/>
-          <a:defRPr b="0" baseline="0" cap="none" i="0" spc="0" strike="noStrike" sz="1800" u="none" kumimoji="0" normalizeH="0">
+          <a:defRPr kumimoji="0" sz="1800" b="0" i="0" u="none" strike="noStrike" cap="none" spc="0" normalizeH="0" baseline="0">
             <a:ln>
               <a:noFill/>
             </a:ln>
@@ -10054,7 +9752,7 @@
           <a:buFontTx/>
           <a:buNone/>
           <a:tabLst/>
-          <a:defRPr b="0" baseline="0" cap="none" i="0" spc="0" strike="noStrike" sz="1800" u="none" kumimoji="0" normalizeH="0">
+          <a:defRPr kumimoji="0" sz="1800" b="0" i="0" u="none" strike="noStrike" cap="none" spc="0" normalizeH="0" baseline="0">
             <a:ln>
               <a:noFill/>
             </a:ln>
@@ -10080,7 +9778,7 @@
           <a:buFontTx/>
           <a:buNone/>
           <a:tabLst/>
-          <a:defRPr b="0" baseline="0" cap="none" i="0" spc="0" strike="noStrike" sz="1800" u="none" kumimoji="0" normalizeH="0">
+          <a:defRPr kumimoji="0" sz="1800" b="0" i="0" u="none" strike="noStrike" cap="none" spc="0" normalizeH="0" baseline="0">
             <a:ln>
               <a:noFill/>
             </a:ln>
@@ -10093,9 +9791,15 @@
         </a:lvl9pPr>
       </a:lstStyle>
       <a:style>
-        <a:lnRef idx="0"/>
-        <a:fillRef idx="0"/>
-        <a:effectRef idx="0"/>
+        <a:lnRef idx="0">
+          <a:scrgbClr r="0" g="0" b="0"/>
+        </a:lnRef>
+        <a:fillRef idx="0">
+          <a:scrgbClr r="0" g="0" b="0"/>
+        </a:fillRef>
+        <a:effectRef idx="0">
+          <a:scrgbClr r="0" g="0" b="0"/>
+        </a:effectRef>
         <a:fontRef idx="none"/>
       </a:style>
     </a:lnDef>
@@ -10109,7 +9813,7 @@
         <a:effectLst/>
         <a:sp3d/>
       </a:spPr>
-      <a:bodyPr rot="0" spcFirstLastPara="1" vertOverflow="overflow" horzOverflow="overflow" vert="horz" wrap="square" lIns="45719" tIns="45719" rIns="45719" bIns="45719" numCol="1" spcCol="38100" rtlCol="0" anchor="t" upright="0">
+      <a:bodyPr rot="0" spcFirstLastPara="1" vertOverflow="overflow" horzOverflow="overflow" vert="horz" wrap="square" lIns="45719" tIns="45719" rIns="45719" bIns="45719" numCol="1" spcCol="38100" rtlCol="0" anchor="t">
         <a:spAutoFit/>
       </a:bodyPr>
       <a:lstStyle>
@@ -10128,7 +9832,7 @@
           <a:buFontTx/>
           <a:buNone/>
           <a:tabLst/>
-          <a:defRPr b="0" baseline="0" cap="none" i="0" spc="0" strike="noStrike" sz="1400" u="none" kumimoji="0" normalizeH="0">
+          <a:defRPr kumimoji="0" sz="1400" b="0" i="0" u="none" strike="noStrike" cap="none" spc="0" normalizeH="0" baseline="0">
             <a:ln>
               <a:noFill/>
             </a:ln>
@@ -10158,7 +9862,7 @@
           <a:buFontTx/>
           <a:buNone/>
           <a:tabLst/>
-          <a:defRPr b="0" baseline="0" cap="none" i="0" spc="0" strike="noStrike" sz="1800" u="none" kumimoji="0" normalizeH="0">
+          <a:defRPr kumimoji="0" sz="1800" b="0" i="0" u="none" strike="noStrike" cap="none" spc="0" normalizeH="0" baseline="0">
             <a:ln>
               <a:noFill/>
             </a:ln>
@@ -10184,7 +9888,7 @@
           <a:buFontTx/>
           <a:buNone/>
           <a:tabLst/>
-          <a:defRPr b="0" baseline="0" cap="none" i="0" spc="0" strike="noStrike" sz="1800" u="none" kumimoji="0" normalizeH="0">
+          <a:defRPr kumimoji="0" sz="1800" b="0" i="0" u="none" strike="noStrike" cap="none" spc="0" normalizeH="0" baseline="0">
             <a:ln>
               <a:noFill/>
             </a:ln>
@@ -10210,7 +9914,7 @@
           <a:buFontTx/>
           <a:buNone/>
           <a:tabLst/>
-          <a:defRPr b="0" baseline="0" cap="none" i="0" spc="0" strike="noStrike" sz="1800" u="none" kumimoji="0" normalizeH="0">
+          <a:defRPr kumimoji="0" sz="1800" b="0" i="0" u="none" strike="noStrike" cap="none" spc="0" normalizeH="0" baseline="0">
             <a:ln>
               <a:noFill/>
             </a:ln>
@@ -10236,7 +9940,7 @@
           <a:buFontTx/>
           <a:buNone/>
           <a:tabLst/>
-          <a:defRPr b="0" baseline="0" cap="none" i="0" spc="0" strike="noStrike" sz="1800" u="none" kumimoji="0" normalizeH="0">
+          <a:defRPr kumimoji="0" sz="1800" b="0" i="0" u="none" strike="noStrike" cap="none" spc="0" normalizeH="0" baseline="0">
             <a:ln>
               <a:noFill/>
             </a:ln>
@@ -10262,7 +9966,7 @@
           <a:buFontTx/>
           <a:buNone/>
           <a:tabLst/>
-          <a:defRPr b="0" baseline="0" cap="none" i="0" spc="0" strike="noStrike" sz="1800" u="none" kumimoji="0" normalizeH="0">
+          <a:defRPr kumimoji="0" sz="1800" b="0" i="0" u="none" strike="noStrike" cap="none" spc="0" normalizeH="0" baseline="0">
             <a:ln>
               <a:noFill/>
             </a:ln>
@@ -10288,7 +9992,7 @@
           <a:buFontTx/>
           <a:buNone/>
           <a:tabLst/>
-          <a:defRPr b="0" baseline="0" cap="none" i="0" spc="0" strike="noStrike" sz="1800" u="none" kumimoji="0" normalizeH="0">
+          <a:defRPr kumimoji="0" sz="1800" b="0" i="0" u="none" strike="noStrike" cap="none" spc="0" normalizeH="0" baseline="0">
             <a:ln>
               <a:noFill/>
             </a:ln>
@@ -10314,7 +10018,7 @@
           <a:buFontTx/>
           <a:buNone/>
           <a:tabLst/>
-          <a:defRPr b="0" baseline="0" cap="none" i="0" spc="0" strike="noStrike" sz="1800" u="none" kumimoji="0" normalizeH="0">
+          <a:defRPr kumimoji="0" sz="1800" b="0" i="0" u="none" strike="noStrike" cap="none" spc="0" normalizeH="0" baseline="0">
             <a:ln>
               <a:noFill/>
             </a:ln>
@@ -10340,7 +10044,7 @@
           <a:buFontTx/>
           <a:buNone/>
           <a:tabLst/>
-          <a:defRPr b="0" baseline="0" cap="none" i="0" spc="0" strike="noStrike" sz="1800" u="none" kumimoji="0" normalizeH="0">
+          <a:defRPr kumimoji="0" sz="1800" b="0" i="0" u="none" strike="noStrike" cap="none" spc="0" normalizeH="0" baseline="0">
             <a:ln>
               <a:noFill/>
             </a:ln>
@@ -10366,7 +10070,7 @@
           <a:buFontTx/>
           <a:buNone/>
           <a:tabLst/>
-          <a:defRPr b="0" baseline="0" cap="none" i="0" spc="0" strike="noStrike" sz="1800" u="none" kumimoji="0" normalizeH="0">
+          <a:defRPr kumimoji="0" sz="1800" b="0" i="0" u="none" strike="noStrike" cap="none" spc="0" normalizeH="0" baseline="0">
             <a:ln>
               <a:noFill/>
             </a:ln>
@@ -10379,18 +10083,25 @@
         </a:lvl9pPr>
       </a:lstStyle>
       <a:style>
-        <a:lnRef idx="0"/>
-        <a:fillRef idx="0"/>
-        <a:effectRef idx="0"/>
+        <a:lnRef idx="0">
+          <a:scrgbClr r="0" g="0" b="0"/>
+        </a:lnRef>
+        <a:fillRef idx="0">
+          <a:scrgbClr r="0" g="0" b="0"/>
+        </a:fillRef>
+        <a:effectRef idx="0">
+          <a:scrgbClr r="0" g="0" b="0"/>
+        </a:effectRef>
         <a:fontRef idx="none"/>
       </a:style>
     </a:txDef>
   </a:objectDefaults>
+  <a:extraClrSchemeLst/>
 </a:theme>
 </file>
 
 <file path=ppt/theme/theme2.xml><?xml version="1.0" encoding="utf-8"?>
-<a:theme xmlns:a="http://schemas.openxmlformats.org/drawingml/2006/main" xmlns:r="http://schemas.openxmlformats.org/officeDocument/2006/relationships" name="Default">
+<a:theme xmlns:a="http://schemas.openxmlformats.org/drawingml/2006/main" name="Default">
   <a:themeElements>
     <a:clrScheme name="Default">
       <a:dk1>
@@ -10516,7 +10227,7 @@
       <a:effectStyleLst>
         <a:effectStyle>
           <a:effectLst>
-            <a:outerShdw sx="100000" sy="100000" kx="0" ky="0" algn="b" rotWithShape="0" blurRad="38100" dist="23000" dir="5400000">
+            <a:outerShdw blurRad="38100" dist="23000" dir="5400000" rotWithShape="0">
               <a:srgbClr val="000000">
                 <a:alpha val="35000"/>
               </a:srgbClr>
@@ -10525,7 +10236,7 @@
         </a:effectStyle>
         <a:effectStyle>
           <a:effectLst>
-            <a:outerShdw sx="100000" sy="100000" kx="0" ky="0" algn="b" rotWithShape="0" blurRad="38100" dist="23000" dir="5400000">
+            <a:outerShdw blurRad="38100" dist="23000" dir="5400000" rotWithShape="0">
               <a:srgbClr val="000000">
                 <a:alpha val="35000"/>
               </a:srgbClr>
@@ -10534,7 +10245,7 @@
         </a:effectStyle>
         <a:effectStyle>
           <a:effectLst>
-            <a:outerShdw sx="100000" sy="100000" kx="0" ky="0" algn="b" rotWithShape="0" blurRad="38100" dist="20000" dir="5400000">
+            <a:outerShdw blurRad="38100" dist="20000" dir="5400000" rotWithShape="0">
               <a:srgbClr val="000000">
                 <a:alpha val="38000"/>
               </a:srgbClr>
@@ -10610,7 +10321,7 @@
           <a:bevel/>
         </a:ln>
         <a:effectLst>
-          <a:outerShdw sx="100000" sy="100000" kx="0" ky="0" algn="b" rotWithShape="0" blurRad="38100" dist="23000" dir="5400000">
+          <a:outerShdw blurRad="38100" dist="23000" dir="5400000" rotWithShape="0">
             <a:srgbClr val="000000">
               <a:alpha val="35000"/>
             </a:srgbClr>
@@ -10618,7 +10329,7 @@
         </a:effectLst>
         <a:sp3d/>
       </a:spPr>
-      <a:bodyPr rot="0" spcFirstLastPara="1" vertOverflow="overflow" horzOverflow="overflow" vert="horz" wrap="square" lIns="45719" tIns="45719" rIns="45719" bIns="45719" numCol="1" spcCol="38100" rtlCol="0" anchor="ctr" upright="0">
+      <a:bodyPr rot="0" spcFirstLastPara="1" vertOverflow="overflow" horzOverflow="overflow" vert="horz" wrap="square" lIns="45719" tIns="45719" rIns="45719" bIns="45719" numCol="1" spcCol="38100" rtlCol="0" anchor="ctr">
         <a:spAutoFit/>
       </a:bodyPr>
       <a:lstStyle>
@@ -10637,7 +10348,7 @@
           <a:buFontTx/>
           <a:buNone/>
           <a:tabLst/>
-          <a:defRPr b="0" baseline="0" cap="none" i="0" spc="0" strike="noStrike" sz="1400" u="none" kumimoji="0" normalizeH="0">
+          <a:defRPr kumimoji="0" sz="1400" b="0" i="0" u="none" strike="noStrike" cap="none" spc="0" normalizeH="0" baseline="0">
             <a:ln>
               <a:noFill/>
             </a:ln>
@@ -10667,7 +10378,7 @@
           <a:buFontTx/>
           <a:buNone/>
           <a:tabLst/>
-          <a:defRPr b="0" baseline="0" cap="none" i="0" spc="0" strike="noStrike" sz="1800" u="none" kumimoji="0" normalizeH="0">
+          <a:defRPr kumimoji="0" sz="1800" b="0" i="0" u="none" strike="noStrike" cap="none" spc="0" normalizeH="0" baseline="0">
             <a:ln>
               <a:noFill/>
             </a:ln>
@@ -10693,7 +10404,7 @@
           <a:buFontTx/>
           <a:buNone/>
           <a:tabLst/>
-          <a:defRPr b="0" baseline="0" cap="none" i="0" spc="0" strike="noStrike" sz="1800" u="none" kumimoji="0" normalizeH="0">
+          <a:defRPr kumimoji="0" sz="1800" b="0" i="0" u="none" strike="noStrike" cap="none" spc="0" normalizeH="0" baseline="0">
             <a:ln>
               <a:noFill/>
             </a:ln>
@@ -10719,7 +10430,7 @@
           <a:buFontTx/>
           <a:buNone/>
           <a:tabLst/>
-          <a:defRPr b="0" baseline="0" cap="none" i="0" spc="0" strike="noStrike" sz="1800" u="none" kumimoji="0" normalizeH="0">
+          <a:defRPr kumimoji="0" sz="1800" b="0" i="0" u="none" strike="noStrike" cap="none" spc="0" normalizeH="0" baseline="0">
             <a:ln>
               <a:noFill/>
             </a:ln>
@@ -10745,7 +10456,7 @@
           <a:buFontTx/>
           <a:buNone/>
           <a:tabLst/>
-          <a:defRPr b="0" baseline="0" cap="none" i="0" spc="0" strike="noStrike" sz="1800" u="none" kumimoji="0" normalizeH="0">
+          <a:defRPr kumimoji="0" sz="1800" b="0" i="0" u="none" strike="noStrike" cap="none" spc="0" normalizeH="0" baseline="0">
             <a:ln>
               <a:noFill/>
             </a:ln>
@@ -10771,7 +10482,7 @@
           <a:buFontTx/>
           <a:buNone/>
           <a:tabLst/>
-          <a:defRPr b="0" baseline="0" cap="none" i="0" spc="0" strike="noStrike" sz="1800" u="none" kumimoji="0" normalizeH="0">
+          <a:defRPr kumimoji="0" sz="1800" b="0" i="0" u="none" strike="noStrike" cap="none" spc="0" normalizeH="0" baseline="0">
             <a:ln>
               <a:noFill/>
             </a:ln>
@@ -10797,7 +10508,7 @@
           <a:buFontTx/>
           <a:buNone/>
           <a:tabLst/>
-          <a:defRPr b="0" baseline="0" cap="none" i="0" spc="0" strike="noStrike" sz="1800" u="none" kumimoji="0" normalizeH="0">
+          <a:defRPr kumimoji="0" sz="1800" b="0" i="0" u="none" strike="noStrike" cap="none" spc="0" normalizeH="0" baseline="0">
             <a:ln>
               <a:noFill/>
             </a:ln>
@@ -10823,7 +10534,7 @@
           <a:buFontTx/>
           <a:buNone/>
           <a:tabLst/>
-          <a:defRPr b="0" baseline="0" cap="none" i="0" spc="0" strike="noStrike" sz="1800" u="none" kumimoji="0" normalizeH="0">
+          <a:defRPr kumimoji="0" sz="1800" b="0" i="0" u="none" strike="noStrike" cap="none" spc="0" normalizeH="0" baseline="0">
             <a:ln>
               <a:noFill/>
             </a:ln>
@@ -10849,7 +10560,7 @@
           <a:buFontTx/>
           <a:buNone/>
           <a:tabLst/>
-          <a:defRPr b="0" baseline="0" cap="none" i="0" spc="0" strike="noStrike" sz="1800" u="none" kumimoji="0" normalizeH="0">
+          <a:defRPr kumimoji="0" sz="1800" b="0" i="0" u="none" strike="noStrike" cap="none" spc="0" normalizeH="0" baseline="0">
             <a:ln>
               <a:noFill/>
             </a:ln>
@@ -10875,7 +10586,7 @@
           <a:buFontTx/>
           <a:buNone/>
           <a:tabLst/>
-          <a:defRPr b="0" baseline="0" cap="none" i="0" spc="0" strike="noStrike" sz="1800" u="none" kumimoji="0" normalizeH="0">
+          <a:defRPr kumimoji="0" sz="1800" b="0" i="0" u="none" strike="noStrike" cap="none" spc="0" normalizeH="0" baseline="0">
             <a:ln>
               <a:noFill/>
             </a:ln>
@@ -10888,9 +10599,15 @@
         </a:lvl9pPr>
       </a:lstStyle>
       <a:style>
-        <a:lnRef idx="0"/>
-        <a:fillRef idx="0"/>
-        <a:effectRef idx="0"/>
+        <a:lnRef idx="0">
+          <a:scrgbClr r="0" g="0" b="0"/>
+        </a:lnRef>
+        <a:fillRef idx="0">
+          <a:scrgbClr r="0" g="0" b="0"/>
+        </a:fillRef>
+        <a:effectRef idx="0">
+          <a:scrgbClr r="0" g="0" b="0"/>
+        </a:effectRef>
         <a:fontRef idx="none"/>
       </a:style>
     </a:spDef>
@@ -10905,7 +10622,7 @@
           <a:bevel/>
         </a:ln>
         <a:effectLst>
-          <a:outerShdw sx="100000" sy="100000" kx="0" ky="0" algn="b" rotWithShape="0" blurRad="38100" dist="20000" dir="5400000">
+          <a:outerShdw blurRad="38100" dist="20000" dir="5400000" rotWithShape="0">
             <a:srgbClr val="000000">
               <a:alpha val="38000"/>
             </a:srgbClr>
@@ -10913,7 +10630,7 @@
         </a:effectLst>
         <a:sp3d/>
       </a:spPr>
-      <a:bodyPr rot="0" spcFirstLastPara="1" vertOverflow="overflow" horzOverflow="overflow" vert="horz" wrap="square" lIns="91439" tIns="45719" rIns="91439" bIns="45719" numCol="1" spcCol="38100" rtlCol="0" anchor="t" upright="0">
+      <a:bodyPr rot="0" spcFirstLastPara="1" vertOverflow="overflow" horzOverflow="overflow" vert="horz" wrap="square" lIns="91439" tIns="45719" rIns="91439" bIns="45719" numCol="1" spcCol="38100" rtlCol="0" anchor="t">
         <a:noAutofit/>
       </a:bodyPr>
       <a:lstStyle>
@@ -10932,7 +10649,7 @@
           <a:buFontTx/>
           <a:buNone/>
           <a:tabLst/>
-          <a:defRPr b="0" baseline="0" cap="none" i="0" spc="0" strike="noStrike" sz="1800" u="none" kumimoji="0" normalizeH="0">
+          <a:defRPr kumimoji="0" sz="1800" b="0" i="0" u="none" strike="noStrike" cap="none" spc="0" normalizeH="0" baseline="0">
             <a:ln>
               <a:noFill/>
             </a:ln>
@@ -10958,7 +10675,7 @@
           <a:buFontTx/>
           <a:buNone/>
           <a:tabLst/>
-          <a:defRPr b="0" baseline="0" cap="none" i="0" spc="0" strike="noStrike" sz="1800" u="none" kumimoji="0" normalizeH="0">
+          <a:defRPr kumimoji="0" sz="1800" b="0" i="0" u="none" strike="noStrike" cap="none" spc="0" normalizeH="0" baseline="0">
             <a:ln>
               <a:noFill/>
             </a:ln>
@@ -10984,7 +10701,7 @@
           <a:buFontTx/>
           <a:buNone/>
           <a:tabLst/>
-          <a:defRPr b="0" baseline="0" cap="none" i="0" spc="0" strike="noStrike" sz="1800" u="none" kumimoji="0" normalizeH="0">
+          <a:defRPr kumimoji="0" sz="1800" b="0" i="0" u="none" strike="noStrike" cap="none" spc="0" normalizeH="0" baseline="0">
             <a:ln>
               <a:noFill/>
             </a:ln>
@@ -11010,7 +10727,7 @@
           <a:buFontTx/>
           <a:buNone/>
           <a:tabLst/>
-          <a:defRPr b="0" baseline="0" cap="none" i="0" spc="0" strike="noStrike" sz="1800" u="none" kumimoji="0" normalizeH="0">
+          <a:defRPr kumimoji="0" sz="1800" b="0" i="0" u="none" strike="noStrike" cap="none" spc="0" normalizeH="0" baseline="0">
             <a:ln>
               <a:noFill/>
             </a:ln>
@@ -11036,7 +10753,7 @@
           <a:buFontTx/>
           <a:buNone/>
           <a:tabLst/>
-          <a:defRPr b="0" baseline="0" cap="none" i="0" spc="0" strike="noStrike" sz="1800" u="none" kumimoji="0" normalizeH="0">
+          <a:defRPr kumimoji="0" sz="1800" b="0" i="0" u="none" strike="noStrike" cap="none" spc="0" normalizeH="0" baseline="0">
             <a:ln>
               <a:noFill/>
             </a:ln>
@@ -11062,7 +10779,7 @@
           <a:buFontTx/>
           <a:buNone/>
           <a:tabLst/>
-          <a:defRPr b="0" baseline="0" cap="none" i="0" spc="0" strike="noStrike" sz="1800" u="none" kumimoji="0" normalizeH="0">
+          <a:defRPr kumimoji="0" sz="1800" b="0" i="0" u="none" strike="noStrike" cap="none" spc="0" normalizeH="0" baseline="0">
             <a:ln>
               <a:noFill/>
             </a:ln>
@@ -11088,7 +10805,7 @@
           <a:buFontTx/>
           <a:buNone/>
           <a:tabLst/>
-          <a:defRPr b="0" baseline="0" cap="none" i="0" spc="0" strike="noStrike" sz="1800" u="none" kumimoji="0" normalizeH="0">
+          <a:defRPr kumimoji="0" sz="1800" b="0" i="0" u="none" strike="noStrike" cap="none" spc="0" normalizeH="0" baseline="0">
             <a:ln>
               <a:noFill/>
             </a:ln>
@@ -11114,7 +10831,7 @@
           <a:buFontTx/>
           <a:buNone/>
           <a:tabLst/>
-          <a:defRPr b="0" baseline="0" cap="none" i="0" spc="0" strike="noStrike" sz="1800" u="none" kumimoji="0" normalizeH="0">
+          <a:defRPr kumimoji="0" sz="1800" b="0" i="0" u="none" strike="noStrike" cap="none" spc="0" normalizeH="0" baseline="0">
             <a:ln>
               <a:noFill/>
             </a:ln>
@@ -11140,7 +10857,7 @@
           <a:buFontTx/>
           <a:buNone/>
           <a:tabLst/>
-          <a:defRPr b="0" baseline="0" cap="none" i="0" spc="0" strike="noStrike" sz="1800" u="none" kumimoji="0" normalizeH="0">
+          <a:defRPr kumimoji="0" sz="1800" b="0" i="0" u="none" strike="noStrike" cap="none" spc="0" normalizeH="0" baseline="0">
             <a:ln>
               <a:noFill/>
             </a:ln>
@@ -11166,7 +10883,7 @@
           <a:buFontTx/>
           <a:buNone/>
           <a:tabLst/>
-          <a:defRPr b="0" baseline="0" cap="none" i="0" spc="0" strike="noStrike" sz="1800" u="none" kumimoji="0" normalizeH="0">
+          <a:defRPr kumimoji="0" sz="1800" b="0" i="0" u="none" strike="noStrike" cap="none" spc="0" normalizeH="0" baseline="0">
             <a:ln>
               <a:noFill/>
             </a:ln>
@@ -11179,9 +10896,15 @@
         </a:lvl9pPr>
       </a:lstStyle>
       <a:style>
-        <a:lnRef idx="0"/>
-        <a:fillRef idx="0"/>
-        <a:effectRef idx="0"/>
+        <a:lnRef idx="0">
+          <a:scrgbClr r="0" g="0" b="0"/>
+        </a:lnRef>
+        <a:fillRef idx="0">
+          <a:scrgbClr r="0" g="0" b="0"/>
+        </a:fillRef>
+        <a:effectRef idx="0">
+          <a:scrgbClr r="0" g="0" b="0"/>
+        </a:effectRef>
         <a:fontRef idx="none"/>
       </a:style>
     </a:lnDef>
@@ -11195,7 +10918,7 @@
         <a:effectLst/>
         <a:sp3d/>
       </a:spPr>
-      <a:bodyPr rot="0" spcFirstLastPara="1" vertOverflow="overflow" horzOverflow="overflow" vert="horz" wrap="square" lIns="45719" tIns="45719" rIns="45719" bIns="45719" numCol="1" spcCol="38100" rtlCol="0" anchor="t" upright="0">
+      <a:bodyPr rot="0" spcFirstLastPara="1" vertOverflow="overflow" horzOverflow="overflow" vert="horz" wrap="square" lIns="45719" tIns="45719" rIns="45719" bIns="45719" numCol="1" spcCol="38100" rtlCol="0" anchor="t">
         <a:spAutoFit/>
       </a:bodyPr>
       <a:lstStyle>
@@ -11214,7 +10937,7 @@
           <a:buFontTx/>
           <a:buNone/>
           <a:tabLst/>
-          <a:defRPr b="0" baseline="0" cap="none" i="0" spc="0" strike="noStrike" sz="1400" u="none" kumimoji="0" normalizeH="0">
+          <a:defRPr kumimoji="0" sz="1400" b="0" i="0" u="none" strike="noStrike" cap="none" spc="0" normalizeH="0" baseline="0">
             <a:ln>
               <a:noFill/>
             </a:ln>
@@ -11244,7 +10967,7 @@
           <a:buFontTx/>
           <a:buNone/>
           <a:tabLst/>
-          <a:defRPr b="0" baseline="0" cap="none" i="0" spc="0" strike="noStrike" sz="1800" u="none" kumimoji="0" normalizeH="0">
+          <a:defRPr kumimoji="0" sz="1800" b="0" i="0" u="none" strike="noStrike" cap="none" spc="0" normalizeH="0" baseline="0">
             <a:ln>
               <a:noFill/>
             </a:ln>
@@ -11270,7 +10993,7 @@
           <a:buFontTx/>
           <a:buNone/>
           <a:tabLst/>
-          <a:defRPr b="0" baseline="0" cap="none" i="0" spc="0" strike="noStrike" sz="1800" u="none" kumimoji="0" normalizeH="0">
+          <a:defRPr kumimoji="0" sz="1800" b="0" i="0" u="none" strike="noStrike" cap="none" spc="0" normalizeH="0" baseline="0">
             <a:ln>
               <a:noFill/>
             </a:ln>
@@ -11296,7 +11019,7 @@
           <a:buFontTx/>
           <a:buNone/>
           <a:tabLst/>
-          <a:defRPr b="0" baseline="0" cap="none" i="0" spc="0" strike="noStrike" sz="1800" u="none" kumimoji="0" normalizeH="0">
+          <a:defRPr kumimoji="0" sz="1800" b="0" i="0" u="none" strike="noStrike" cap="none" spc="0" normalizeH="0" baseline="0">
             <a:ln>
               <a:noFill/>
             </a:ln>
@@ -11322,7 +11045,7 @@
           <a:buFontTx/>
           <a:buNone/>
           <a:tabLst/>
-          <a:defRPr b="0" baseline="0" cap="none" i="0" spc="0" strike="noStrike" sz="1800" u="none" kumimoji="0" normalizeH="0">
+          <a:defRPr kumimoji="0" sz="1800" b="0" i="0" u="none" strike="noStrike" cap="none" spc="0" normalizeH="0" baseline="0">
             <a:ln>
               <a:noFill/>
             </a:ln>
@@ -11348,7 +11071,7 @@
           <a:buFontTx/>
           <a:buNone/>
           <a:tabLst/>
-          <a:defRPr b="0" baseline="0" cap="none" i="0" spc="0" strike="noStrike" sz="1800" u="none" kumimoji="0" normalizeH="0">
+          <a:defRPr kumimoji="0" sz="1800" b="0" i="0" u="none" strike="noStrike" cap="none" spc="0" normalizeH="0" baseline="0">
             <a:ln>
               <a:noFill/>
             </a:ln>
@@ -11374,7 +11097,7 @@
           <a:buFontTx/>
           <a:buNone/>
           <a:tabLst/>
-          <a:defRPr b="0" baseline="0" cap="none" i="0" spc="0" strike="noStrike" sz="1800" u="none" kumimoji="0" normalizeH="0">
+          <a:defRPr kumimoji="0" sz="1800" b="0" i="0" u="none" strike="noStrike" cap="none" spc="0" normalizeH="0" baseline="0">
             <a:ln>
               <a:noFill/>
             </a:ln>
@@ -11400,7 +11123,7 @@
           <a:buFontTx/>
           <a:buNone/>
           <a:tabLst/>
-          <a:defRPr b="0" baseline="0" cap="none" i="0" spc="0" strike="noStrike" sz="1800" u="none" kumimoji="0" normalizeH="0">
+          <a:defRPr kumimoji="0" sz="1800" b="0" i="0" u="none" strike="noStrike" cap="none" spc="0" normalizeH="0" baseline="0">
             <a:ln>
               <a:noFill/>
             </a:ln>
@@ -11426,7 +11149,7 @@
           <a:buFontTx/>
           <a:buNone/>
           <a:tabLst/>
-          <a:defRPr b="0" baseline="0" cap="none" i="0" spc="0" strike="noStrike" sz="1800" u="none" kumimoji="0" normalizeH="0">
+          <a:defRPr kumimoji="0" sz="1800" b="0" i="0" u="none" strike="noStrike" cap="none" spc="0" normalizeH="0" baseline="0">
             <a:ln>
               <a:noFill/>
             </a:ln>
@@ -11452,7 +11175,7 @@
           <a:buFontTx/>
           <a:buNone/>
           <a:tabLst/>
-          <a:defRPr b="0" baseline="0" cap="none" i="0" spc="0" strike="noStrike" sz="1800" u="none" kumimoji="0" normalizeH="0">
+          <a:defRPr kumimoji="0" sz="1800" b="0" i="0" u="none" strike="noStrike" cap="none" spc="0" normalizeH="0" baseline="0">
             <a:ln>
               <a:noFill/>
             </a:ln>
@@ -11465,12 +11188,19 @@
         </a:lvl9pPr>
       </a:lstStyle>
       <a:style>
-        <a:lnRef idx="0"/>
-        <a:fillRef idx="0"/>
-        <a:effectRef idx="0"/>
+        <a:lnRef idx="0">
+          <a:scrgbClr r="0" g="0" b="0"/>
+        </a:lnRef>
+        <a:fillRef idx="0">
+          <a:scrgbClr r="0" g="0" b="0"/>
+        </a:fillRef>
+        <a:effectRef idx="0">
+          <a:scrgbClr r="0" g="0" b="0"/>
+        </a:effectRef>
         <a:fontRef idx="none"/>
       </a:style>
     </a:txDef>
   </a:objectDefaults>
+  <a:extraClrSchemeLst/>
 </a:theme>
 </file>
--- a/slides/unix_ritchie.pptx
+++ b/slides/unix_ritchie.pptx
@@ -338,6 +338,11 @@
       </a:defRPr>
     </a:lvl9pPr>
   </p:defaultTextStyle>
+  <p:extLst>
+    <p:ext uri="{EFAFB233-063F-42B5-8137-9DF3F51BA10A}">
+      <p15:sldGuideLst xmlns:p15="http://schemas.microsoft.com/office/powerpoint/2012/main"/>
+    </p:ext>
+  </p:extLst>
 </p:presentation>
 </file>
 
@@ -7460,7 +7465,7 @@
         </p:spPr>
         <p:txBody>
           <a:bodyPr lIns="45699" tIns="45699" rIns="45699" bIns="45699">
-            <a:normAutofit/>
+            <a:normAutofit lnSpcReduction="10000"/>
           </a:bodyPr>
           <a:lstStyle/>
           <a:p>
@@ -7477,12 +7482,28 @@
               <a:defRPr sz="2800"/>
             </a:pPr>
             <a:r>
-              <a:rPr sz="1800"/>
-              <a:t>All blocks in a disk are of size 4KB (4096 bytes).</a:t>
-            </a:r>
-          </a:p>
-          <a:p>
-            <a:pPr marL="280736" indent="-280736">
+              <a:rPr sz="1800" dirty="0"/>
+              <a:t>All blocks in a disk are of size 4KB (4096 bytes</a:t>
+            </a:r>
+            <a:r>
+              <a:rPr sz="1800" dirty="0" smtClean="0"/>
+              <a:t>).</a:t>
+            </a:r>
+            <a:r>
+              <a:rPr lang="en-US" sz="1800" dirty="0" smtClean="0"/>
+              <a:t> </a:t>
+            </a:r>
+            <a:r>
+              <a:rPr lang="en-US" sz="1800" smtClean="0"/>
+              <a:t>A disk block </a:t>
+            </a:r>
+            <a:r>
+              <a:rPr lang="en-US" sz="1800" dirty="0" smtClean="0"/>
+              <a:t>can store either data or metadata (but not both).</a:t>
+            </a:r>
+          </a:p>
+          <a:p>
+            <a:pPr marL="180473" indent="-180473">
               <a:lnSpc>
                 <a:spcPct val="80000"/>
               </a:lnSpc>
@@ -7494,7 +7515,7 @@
               <a:buChar char="•"/>
               <a:defRPr sz="2800"/>
             </a:pPr>
-            <a:endParaRPr sz="1800"/>
+            <a:endParaRPr lang="en-US" sz="1800" dirty="0"/>
           </a:p>
           <a:p>
             <a:pPr marL="180473" indent="-180473">
@@ -7510,9 +7531,10 @@
               <a:defRPr sz="2800"/>
             </a:pPr>
             <a:r>
-              <a:rPr sz="1800"/>
-              <a:t>The top level of an inode is stored in a disk block of size 4KB.</a:t>
-            </a:r>
+              <a:rPr lang="en-US" sz="1800" dirty="0" smtClean="0"/>
+              <a:t>Each block address, i.e. a block’s location on the disk, is 8-bytes in size</a:t>
+            </a:r>
+            <a:endParaRPr lang="en-US" sz="1800" dirty="0"/>
           </a:p>
           <a:p>
             <a:pPr marL="280736" indent="-280736">
@@ -7527,7 +7549,7 @@
               <a:buChar char="•"/>
               <a:defRPr sz="2800"/>
             </a:pPr>
-            <a:endParaRPr sz="1800"/>
+            <a:endParaRPr sz="1800" dirty="0"/>
           </a:p>
           <a:p>
             <a:pPr marL="180473" indent="-180473">
@@ -7543,9 +7565,50 @@
               <a:defRPr sz="2800"/>
             </a:pPr>
             <a:r>
-              <a:rPr sz="1800"/>
-              <a:t>All file attributes, except data block locations, take up a total of 128 bytes (out of the above 4KB).</a:t>
-            </a:r>
+              <a:rPr lang="en-US" sz="1800" dirty="0" smtClean="0"/>
+              <a:t>Assume that all </a:t>
+            </a:r>
+            <a:r>
+              <a:rPr sz="1800" dirty="0" smtClean="0"/>
+              <a:t>file attributes</a:t>
+            </a:r>
+            <a:r>
+              <a:rPr lang="en-US" sz="1800" dirty="0" smtClean="0"/>
+              <a:t> other than</a:t>
+            </a:r>
+            <a:r>
+              <a:rPr sz="1800" dirty="0" smtClean="0"/>
+              <a:t> </a:t>
+            </a:r>
+            <a:r>
+              <a:rPr sz="1800" dirty="0"/>
+              <a:t>data block </a:t>
+            </a:r>
+            <a:r>
+              <a:rPr lang="en-US" sz="1800" dirty="0" smtClean="0"/>
+              <a:t>addresses</a:t>
+            </a:r>
+            <a:r>
+              <a:rPr sz="1800" dirty="0" smtClean="0"/>
+              <a:t>, </a:t>
+            </a:r>
+            <a:r>
+              <a:rPr sz="1800" dirty="0"/>
+              <a:t>take up </a:t>
+            </a:r>
+            <a:r>
+              <a:rPr lang="en-US" sz="1800" dirty="0" smtClean="0"/>
+              <a:t>negligible space in the top-level block of </a:t>
+            </a:r>
+            <a:r>
+              <a:rPr lang="en-US" sz="1800" dirty="0" err="1" smtClean="0"/>
+              <a:t>inode</a:t>
+            </a:r>
+            <a:r>
+              <a:rPr lang="en-US" sz="1800" dirty="0" smtClean="0"/>
+              <a:t> block.</a:t>
+            </a:r>
+            <a:endParaRPr sz="1800" dirty="0"/>
           </a:p>
           <a:p>
             <a:pPr marL="280736" indent="-280736">
@@ -7560,7 +7623,7 @@
               <a:buChar char="•"/>
               <a:defRPr sz="2800"/>
             </a:pPr>
-            <a:endParaRPr sz="1800"/>
+            <a:endParaRPr sz="1800" dirty="0"/>
           </a:p>
           <a:p>
             <a:pPr marL="180473" indent="-180473">
@@ -7576,12 +7639,52 @@
               <a:defRPr sz="2800"/>
             </a:pPr>
             <a:r>
-              <a:rPr sz="1800"/>
-              <a:t>Each direct block address takes up 8 bytes of space and gives the address of a disk block of size 4KB. </a:t>
-            </a:r>
-          </a:p>
-          <a:p>
-            <a:pPr marL="280736" indent="-280736">
+              <a:rPr sz="1800" dirty="0"/>
+              <a:t>Last three entries of the </a:t>
+            </a:r>
+            <a:r>
+              <a:rPr lang="en-US" sz="1800" dirty="0" smtClean="0"/>
+              <a:t>top-level block of</a:t>
+            </a:r>
+            <a:r>
+              <a:rPr sz="1800" dirty="0" smtClean="0"/>
+              <a:t> </a:t>
+            </a:r>
+            <a:r>
+              <a:rPr sz="1800" dirty="0"/>
+              <a:t>inode </a:t>
+            </a:r>
+            <a:r>
+              <a:rPr lang="en-US" sz="1800" dirty="0" smtClean="0"/>
+              <a:t>contain </a:t>
+            </a:r>
+            <a:r>
+              <a:rPr sz="1800" dirty="0" smtClean="0"/>
+              <a:t>single, double, </a:t>
+            </a:r>
+            <a:r>
+              <a:rPr sz="1800" dirty="0"/>
+              <a:t>and </a:t>
+            </a:r>
+            <a:r>
+              <a:rPr sz="1800" dirty="0" smtClean="0"/>
+              <a:t>triple</a:t>
+            </a:r>
+            <a:r>
+              <a:rPr lang="en-US" sz="1800" dirty="0"/>
+              <a:t> </a:t>
+            </a:r>
+            <a:r>
+              <a:rPr sz="1800" dirty="0" smtClean="0"/>
+              <a:t>indirect block</a:t>
+            </a:r>
+            <a:r>
+              <a:rPr lang="en-US" sz="1800" dirty="0" smtClean="0"/>
+              <a:t> addresses.</a:t>
+            </a:r>
+          </a:p>
+          <a:p>
+            <a:pPr marL="180473" indent="-180473">
               <a:lnSpc>
                 <a:spcPct val="80000"/>
               </a:lnSpc>
@@ -7593,7 +7696,7 @@
               <a:buChar char="•"/>
               <a:defRPr sz="2800"/>
             </a:pPr>
-            <a:endParaRPr sz="1800"/>
+            <a:endParaRPr lang="en-US" sz="1800" dirty="0"/>
           </a:p>
           <a:p>
             <a:pPr marL="180473" indent="-180473">
@@ -7609,16 +7712,33 @@
               <a:defRPr sz="2800"/>
             </a:pPr>
             <a:r>
-              <a:rPr sz="1800"/>
-              <a:t>Last three entries of the first level of the inode point to single, double, and triple indirect blocks respectively.</a:t>
-            </a:r>
+              <a:rPr lang="en-US" sz="1800" dirty="0" smtClean="0"/>
+              <a:t>Rest of the space in the top-level </a:t>
+            </a:r>
+            <a:r>
+              <a:rPr lang="en-US" sz="1800" dirty="0" err="1" smtClean="0"/>
+              <a:t>inode</a:t>
+            </a:r>
+            <a:r>
+              <a:rPr lang="en-US" sz="1800" dirty="0" smtClean="0"/>
+              <a:t> (between end </a:t>
+            </a:r>
+            <a:r>
+              <a:rPr lang="en-US" sz="1800" dirty="0" smtClean="0"/>
+              <a:t>of attributes and single-indirect block address) </a:t>
+            </a:r>
+            <a:r>
+              <a:rPr lang="en-US" sz="1800" dirty="0" smtClean="0"/>
+              <a:t>is used to store direct block addresses.</a:t>
+            </a:r>
+            <a:endParaRPr sz="1800" dirty="0"/>
           </a:p>
           <a:p>
             <a:pPr indent="120650">
               <a:buSzTx/>
               <a:buNone/>
             </a:pPr>
-            <a:endParaRPr sz="1800"/>
+            <a:endParaRPr sz="1800" dirty="0"/>
           </a:p>
           <a:p>
             <a:pPr>
@@ -7631,9 +7751,191 @@
               <a:buSzPct val="80555"/>
             </a:pPr>
             <a:r>
-              <a:rPr sz="1800"/>
-              <a:t>Question: What is the largest size of a file that can be accessed through direct block entries of the inode?</a:t>
-            </a:r>
+              <a:rPr sz="1800" dirty="0" smtClean="0"/>
+              <a:t>Question</a:t>
+            </a:r>
+            <a:r>
+              <a:rPr lang="en-US" sz="1800" dirty="0" smtClean="0"/>
+              <a:t> 1</a:t>
+            </a:r>
+            <a:r>
+              <a:rPr sz="1800" dirty="0" smtClean="0"/>
+              <a:t>:</a:t>
+            </a:r>
+            <a:r>
+              <a:rPr lang="en-US" sz="1800" dirty="0" smtClean="0"/>
+              <a:t> </a:t>
+            </a:r>
+            <a:r>
+              <a:rPr sz="1800" dirty="0" smtClean="0"/>
+              <a:t>What </a:t>
+            </a:r>
+            <a:r>
+              <a:rPr sz="1800" dirty="0"/>
+              <a:t>is the largest size of a file that can be accessed through </a:t>
+            </a:r>
+            <a:endParaRPr lang="en-US" sz="1800" dirty="0" smtClean="0"/>
+          </a:p>
+          <a:p>
+            <a:pPr lvl="1">
+              <a:lnSpc>
+                <a:spcPct val="80000"/>
+              </a:lnSpc>
+              <a:spcBef>
+                <a:spcPts val="400"/>
+              </a:spcBef>
+              <a:buSzPct val="80555"/>
+            </a:pPr>
+            <a:r>
+              <a:rPr sz="1800" dirty="0" smtClean="0"/>
+              <a:t>direct </a:t>
+            </a:r>
+            <a:r>
+              <a:rPr sz="1800" dirty="0"/>
+              <a:t>block </a:t>
+            </a:r>
+            <a:r>
+              <a:rPr sz="1800" dirty="0" smtClean="0"/>
+              <a:t>entries?</a:t>
+            </a:r>
+            <a:endParaRPr lang="en-US" sz="1800" dirty="0" smtClean="0"/>
+          </a:p>
+          <a:p>
+            <a:pPr lvl="1">
+              <a:lnSpc>
+                <a:spcPct val="80000"/>
+              </a:lnSpc>
+              <a:spcBef>
+                <a:spcPts val="400"/>
+              </a:spcBef>
+              <a:buSzPct val="80555"/>
+            </a:pPr>
+            <a:r>
+              <a:rPr lang="en-US" sz="1800" dirty="0"/>
+              <a:t>direct </a:t>
+            </a:r>
+            <a:r>
+              <a:rPr lang="en-US" sz="1800" dirty="0" smtClean="0"/>
+              <a:t>+ single indirect block </a:t>
+            </a:r>
+            <a:r>
+              <a:rPr lang="en-US" sz="1800" dirty="0"/>
+              <a:t>entries</a:t>
+            </a:r>
+            <a:r>
+              <a:rPr lang="en-US" sz="1800" dirty="0" smtClean="0"/>
+              <a:t>?</a:t>
+            </a:r>
+          </a:p>
+          <a:p>
+            <a:pPr lvl="1">
+              <a:lnSpc>
+                <a:spcPct val="80000"/>
+              </a:lnSpc>
+              <a:spcBef>
+                <a:spcPts val="400"/>
+              </a:spcBef>
+              <a:buSzPct val="80555"/>
+            </a:pPr>
+            <a:r>
+              <a:rPr lang="en-US" sz="1800" dirty="0"/>
+              <a:t>direct + </a:t>
+            </a:r>
+            <a:r>
+              <a:rPr lang="en-US" sz="1800" dirty="0" smtClean="0"/>
+              <a:t>single + double indirect block </a:t>
+            </a:r>
+            <a:r>
+              <a:rPr lang="en-US" sz="1800" dirty="0"/>
+              <a:t>entries?</a:t>
+            </a:r>
+          </a:p>
+          <a:p>
+            <a:pPr lvl="1">
+              <a:lnSpc>
+                <a:spcPct val="80000"/>
+              </a:lnSpc>
+              <a:spcBef>
+                <a:spcPts val="400"/>
+              </a:spcBef>
+              <a:buSzPct val="80555"/>
+            </a:pPr>
+            <a:r>
+              <a:rPr lang="en-US" sz="1800" dirty="0"/>
+              <a:t>direct + single + double </a:t>
+            </a:r>
+            <a:r>
+              <a:rPr lang="en-US" sz="1800" dirty="0" smtClean="0"/>
+              <a:t>+ triple indirect </a:t>
+            </a:r>
+            <a:r>
+              <a:rPr lang="en-US" sz="1800" dirty="0"/>
+              <a:t>block entries</a:t>
+            </a:r>
+            <a:r>
+              <a:rPr lang="en-US" sz="1800" dirty="0" smtClean="0"/>
+              <a:t>?</a:t>
+            </a:r>
+          </a:p>
+          <a:p>
+            <a:pPr>
+              <a:lnSpc>
+                <a:spcPct val="80000"/>
+              </a:lnSpc>
+              <a:spcBef>
+                <a:spcPts val="400"/>
+              </a:spcBef>
+              <a:buSzPct val="80555"/>
+            </a:pPr>
+            <a:endParaRPr lang="en-US" sz="1800" dirty="0"/>
+          </a:p>
+          <a:p>
+            <a:pPr>
+              <a:lnSpc>
+                <a:spcPct val="80000"/>
+              </a:lnSpc>
+              <a:spcBef>
+                <a:spcPts val="400"/>
+              </a:spcBef>
+              <a:buSzPct val="80555"/>
+            </a:pPr>
+            <a:r>
+              <a:rPr lang="en-US" sz="1800" dirty="0" smtClean="0"/>
+              <a:t>Question 2: What is the size of an </a:t>
+            </a:r>
+            <a:r>
+              <a:rPr lang="en-US" sz="1800" dirty="0" err="1" smtClean="0"/>
+              <a:t>inode</a:t>
+            </a:r>
+            <a:r>
+              <a:rPr lang="en-US" sz="1800" dirty="0" smtClean="0"/>
+              <a:t> (in bytes) for a 32GB file?</a:t>
+            </a:r>
+            <a:endParaRPr lang="en-US" sz="1800" dirty="0"/>
+          </a:p>
+          <a:p>
+            <a:pPr lvl="1">
+              <a:lnSpc>
+                <a:spcPct val="80000"/>
+              </a:lnSpc>
+              <a:spcBef>
+                <a:spcPts val="400"/>
+              </a:spcBef>
+              <a:buSzPct val="80555"/>
+            </a:pPr>
+            <a:endParaRPr lang="en-US" sz="1800" dirty="0"/>
+          </a:p>
+          <a:p>
+            <a:pPr lvl="1">
+              <a:lnSpc>
+                <a:spcPct val="80000"/>
+              </a:lnSpc>
+              <a:spcBef>
+                <a:spcPts val="400"/>
+              </a:spcBef>
+              <a:buSzPct val="80555"/>
+            </a:pPr>
+            <a:endParaRPr lang="en-US" sz="1800" dirty="0" smtClean="0"/>
           </a:p>
         </p:txBody>
       </p:sp>
